--- a/Hermes2d.pptx
+++ b/Hermes2d.pptx
@@ -28,6 +28,22 @@
     <p:sldId id="279" r:id="rId22"/>
     <p:sldId id="280" r:id="rId23"/>
     <p:sldId id="274" r:id="rId24"/>
+    <p:sldId id="283" r:id="rId25"/>
+    <p:sldId id="281" r:id="rId26"/>
+    <p:sldId id="284" r:id="rId27"/>
+    <p:sldId id="285" r:id="rId28"/>
+    <p:sldId id="286" r:id="rId29"/>
+    <p:sldId id="291" r:id="rId30"/>
+    <p:sldId id="282" r:id="rId31"/>
+    <p:sldId id="292" r:id="rId32"/>
+    <p:sldId id="289" r:id="rId33"/>
+    <p:sldId id="287" r:id="rId34"/>
+    <p:sldId id="293" r:id="rId35"/>
+    <p:sldId id="294" r:id="rId36"/>
+    <p:sldId id="295" r:id="rId37"/>
+    <p:sldId id="296" r:id="rId38"/>
+    <p:sldId id="297" r:id="rId39"/>
+    <p:sldId id="288" r:id="rId40"/>
   </p:sldIdLst>
   <p:sldSz cx="12192000" cy="6858000"/>
   <p:notesSz cx="6858000" cy="9144000"/>
@@ -263,7 +279,7 @@
           <a:p>
             <a:fld id="{C88647B3-E28D-4EF3-8E21-0A5B60582B2B}" type="datetimeFigureOut">
               <a:rPr lang="en-US" smtClean="0"/>
-              <a:t>9/26/2016</a:t>
+              <a:t>9/27/2016</a:t>
             </a:fld>
             <a:endParaRPr lang="en-US"/>
           </a:p>
@@ -431,7 +447,7 @@
           <a:p>
             <a:fld id="{C88647B3-E28D-4EF3-8E21-0A5B60582B2B}" type="datetimeFigureOut">
               <a:rPr lang="en-US" smtClean="0"/>
-              <a:t>9/26/2016</a:t>
+              <a:t>9/27/2016</a:t>
             </a:fld>
             <a:endParaRPr lang="en-US"/>
           </a:p>
@@ -609,7 +625,7 @@
           <a:p>
             <a:fld id="{C88647B3-E28D-4EF3-8E21-0A5B60582B2B}" type="datetimeFigureOut">
               <a:rPr lang="en-US" smtClean="0"/>
-              <a:t>9/26/2016</a:t>
+              <a:t>9/27/2016</a:t>
             </a:fld>
             <a:endParaRPr lang="en-US"/>
           </a:p>
@@ -777,7 +793,7 @@
           <a:p>
             <a:fld id="{C88647B3-E28D-4EF3-8E21-0A5B60582B2B}" type="datetimeFigureOut">
               <a:rPr lang="en-US" smtClean="0"/>
-              <a:t>9/26/2016</a:t>
+              <a:t>9/27/2016</a:t>
             </a:fld>
             <a:endParaRPr lang="en-US"/>
           </a:p>
@@ -1022,7 +1038,7 @@
           <a:p>
             <a:fld id="{C88647B3-E28D-4EF3-8E21-0A5B60582B2B}" type="datetimeFigureOut">
               <a:rPr lang="en-US" smtClean="0"/>
-              <a:t>9/26/2016</a:t>
+              <a:t>9/27/2016</a:t>
             </a:fld>
             <a:endParaRPr lang="en-US"/>
           </a:p>
@@ -1251,7 +1267,7 @@
           <a:p>
             <a:fld id="{C88647B3-E28D-4EF3-8E21-0A5B60582B2B}" type="datetimeFigureOut">
               <a:rPr lang="en-US" smtClean="0"/>
-              <a:t>9/26/2016</a:t>
+              <a:t>9/27/2016</a:t>
             </a:fld>
             <a:endParaRPr lang="en-US"/>
           </a:p>
@@ -1615,7 +1631,7 @@
           <a:p>
             <a:fld id="{C88647B3-E28D-4EF3-8E21-0A5B60582B2B}" type="datetimeFigureOut">
               <a:rPr lang="en-US" smtClean="0"/>
-              <a:t>9/26/2016</a:t>
+              <a:t>9/27/2016</a:t>
             </a:fld>
             <a:endParaRPr lang="en-US"/>
           </a:p>
@@ -1732,7 +1748,7 @@
           <a:p>
             <a:fld id="{C88647B3-E28D-4EF3-8E21-0A5B60582B2B}" type="datetimeFigureOut">
               <a:rPr lang="en-US" smtClean="0"/>
-              <a:t>9/26/2016</a:t>
+              <a:t>9/27/2016</a:t>
             </a:fld>
             <a:endParaRPr lang="en-US"/>
           </a:p>
@@ -1827,7 +1843,7 @@
           <a:p>
             <a:fld id="{C88647B3-E28D-4EF3-8E21-0A5B60582B2B}" type="datetimeFigureOut">
               <a:rPr lang="en-US" smtClean="0"/>
-              <a:t>9/26/2016</a:t>
+              <a:t>9/27/2016</a:t>
             </a:fld>
             <a:endParaRPr lang="en-US"/>
           </a:p>
@@ -2102,7 +2118,7 @@
           <a:p>
             <a:fld id="{C88647B3-E28D-4EF3-8E21-0A5B60582B2B}" type="datetimeFigureOut">
               <a:rPr lang="en-US" smtClean="0"/>
-              <a:t>9/26/2016</a:t>
+              <a:t>9/27/2016</a:t>
             </a:fld>
             <a:endParaRPr lang="en-US"/>
           </a:p>
@@ -2354,7 +2370,7 @@
           <a:p>
             <a:fld id="{C88647B3-E28D-4EF3-8E21-0A5B60582B2B}" type="datetimeFigureOut">
               <a:rPr lang="en-US" smtClean="0"/>
-              <a:t>9/26/2016</a:t>
+              <a:t>9/27/2016</a:t>
             </a:fld>
             <a:endParaRPr lang="en-US"/>
           </a:p>
@@ -2565,7 +2581,7 @@
           <a:p>
             <a:fld id="{C88647B3-E28D-4EF3-8E21-0A5B60582B2B}" type="datetimeFigureOut">
               <a:rPr lang="en-US" smtClean="0"/>
-              <a:t>9/26/2016</a:t>
+              <a:t>9/27/2016</a:t>
             </a:fld>
             <a:endParaRPr lang="en-US"/>
           </a:p>
@@ -3225,8 +3241,8 @@
           </a:p>
         </p:txBody>
       </p:sp>
-      <mc:AlternateContent xmlns:mc="http://schemas.openxmlformats.org/markup-compatibility/2006">
-        <mc:Choice xmlns:a14="http://schemas.microsoft.com/office/drawing/2010/main" Requires="a14">
+      <mc:AlternateContent xmlns:mc="http://schemas.openxmlformats.org/markup-compatibility/2006" xmlns:a14="http://schemas.microsoft.com/office/drawing/2010/main">
+        <mc:Choice Requires="a14">
           <p:sp>
             <p:nvSpPr>
               <p:cNvPr id="3" name="Content Placeholder 2"/>
@@ -3561,7 +3577,7 @@
             </p:txBody>
           </p:sp>
         </mc:Choice>
-        <mc:Fallback>
+        <mc:Fallback xmlns="">
           <p:sp>
             <p:nvSpPr>
               <p:cNvPr id="3" name="Content Placeholder 2"/>
@@ -6795,8 +6811,8 @@
           </a:p>
         </p:txBody>
       </p:sp>
-      <mc:AlternateContent xmlns:mc="http://schemas.openxmlformats.org/markup-compatibility/2006">
-        <mc:Choice xmlns:a14="http://schemas.microsoft.com/office/drawing/2010/main" Requires="a14">
+      <mc:AlternateContent xmlns:mc="http://schemas.openxmlformats.org/markup-compatibility/2006" xmlns:a14="http://schemas.microsoft.com/office/drawing/2010/main">
+        <mc:Choice Requires="a14">
           <p:sp>
             <p:nvSpPr>
               <p:cNvPr id="3" name="Content Placeholder 2"/>
@@ -6973,7 +6989,14 @@
                           <a:latin typeface="Cambria Math" panose="02040503050406030204" pitchFamily="18" charset="0"/>
                           <a:ea typeface="Cambria Math" panose="02040503050406030204" pitchFamily="18" charset="0"/>
                         </a:rPr>
-                        <m:t>+∇</m:t>
+                        <m:t>+</m:t>
+                      </m:r>
+                      <m:r>
+                        <a:rPr lang="en-US" b="0" i="1" smtClean="0">
+                          <a:latin typeface="Cambria Math" panose="02040503050406030204" pitchFamily="18" charset="0"/>
+                          <a:ea typeface="Cambria Math" panose="02040503050406030204" pitchFamily="18" charset="0"/>
+                        </a:rPr>
+                        <m:t>𝛻</m:t>
                       </m:r>
                       <m:r>
                         <a:rPr lang="en-US" b="0" i="1" smtClean="0">
@@ -6997,14 +7020,7 @@
                           <m:nor/>
                         </m:rPr>
                         <a:rPr lang="en-US"/>
-                        <m:t>= </m:t>
-                      </m:r>
-                      <m:r>
-                        <m:rPr>
-                          <m:nor/>
-                        </m:rPr>
-                        <a:rPr lang="en-US"/>
-                        <m:t>0,   </m:t>
+                        <m:t>= 0,   </m:t>
                       </m:r>
                       <m:r>
                         <m:rPr>
@@ -7356,14 +7372,7 @@
                         <a:latin typeface="Cambria Math" panose="02040503050406030204" pitchFamily="18" charset="0"/>
                         <a:ea typeface="Cambria Math" panose="02040503050406030204" pitchFamily="18" charset="0"/>
                       </a:rPr>
-                      <m:t>=</m:t>
-                    </m:r>
-                    <m:r>
-                      <a:rPr lang="en-US" sz="1400" i="1">
-                        <a:latin typeface="Cambria Math" panose="02040503050406030204" pitchFamily="18" charset="0"/>
-                        <a:ea typeface="Cambria Math" panose="02040503050406030204" pitchFamily="18" charset="0"/>
-                      </a:rPr>
-                      <m:t>0 </m:t>
+                      <m:t>=0 </m:t>
                     </m:r>
                   </m:oMath>
                 </a14:m>
@@ -7452,7 +7461,7 @@
             </p:txBody>
           </p:sp>
         </mc:Choice>
-        <mc:Fallback>
+        <mc:Fallback xmlns="">
           <p:sp>
             <p:nvSpPr>
               <p:cNvPr id="3" name="Content Placeholder 2"/>
@@ -9722,8 +9731,8 @@
           </a:p>
         </p:txBody>
       </p:sp>
-      <mc:AlternateContent xmlns:mc="http://schemas.openxmlformats.org/markup-compatibility/2006">
-        <mc:Choice xmlns:a14="http://schemas.microsoft.com/office/drawing/2010/main" Requires="a14">
+      <mc:AlternateContent xmlns:mc="http://schemas.openxmlformats.org/markup-compatibility/2006" xmlns:a14="http://schemas.microsoft.com/office/drawing/2010/main">
+        <mc:Choice Requires="a14">
           <p:sp>
             <p:nvSpPr>
               <p:cNvPr id="3" name="Content Placeholder 2"/>
@@ -9856,14 +9865,7 @@
                           <m:nor/>
                         </m:rPr>
                         <a:rPr lang="en-US"/>
-                        <m:t>= </m:t>
-                      </m:r>
-                      <m:r>
-                        <m:rPr>
-                          <m:nor/>
-                        </m:rPr>
-                        <a:rPr lang="en-US"/>
-                        <m:t>0,   </m:t>
+                        <m:t>= 0,   </m:t>
                       </m:r>
                       <m:r>
                         <m:rPr>
@@ -10344,7 +10346,7 @@
             </p:txBody>
           </p:sp>
         </mc:Choice>
-        <mc:Fallback>
+        <mc:Fallback xmlns="">
           <p:sp>
             <p:nvSpPr>
               <p:cNvPr id="3" name="Content Placeholder 2"/>
@@ -10501,6 +10503,36 @@
           </a:p>
         </p:txBody>
       </p:sp>
+      <p:pic>
+        <p:nvPicPr>
+          <p:cNvPr id="4" name="Picture 3"/>
+          <p:cNvPicPr>
+            <a:picLocks noChangeAspect="1"/>
+          </p:cNvPicPr>
+          <p:nvPr/>
+        </p:nvPicPr>
+        <p:blipFill>
+          <a:blip r:embed="rId5">
+            <a:extLst>
+              <a:ext uri="{28A0092B-C50C-407E-A947-70E740481C1C}">
+                <a14:useLocalDpi xmlns:a14="http://schemas.microsoft.com/office/drawing/2010/main" val="0"/>
+              </a:ext>
+            </a:extLst>
+          </a:blip>
+          <a:stretch>
+            <a:fillRect/>
+          </a:stretch>
+        </p:blipFill>
+        <p:spPr>
+          <a:xfrm>
+            <a:off x="7893050" y="3251199"/>
+            <a:ext cx="3961924" cy="2641283"/>
+          </a:xfrm>
+          <a:prstGeom prst="rect">
+            <a:avLst/>
+          </a:prstGeom>
+        </p:spPr>
+      </p:pic>
     </p:spTree>
     <p:extLst>
       <p:ext uri="{BB962C8B-B14F-4D97-AF65-F5344CB8AC3E}">
@@ -15826,18 +15858,9 @@
               <a:buChar char="-"/>
             </a:pPr>
             <a:r>
-              <a:rPr lang="en-US" sz="2200"/>
-              <a:t>Basic </a:t>
-            </a:r>
-            <a:r>
               <a:rPr lang="en-US" sz="2200" dirty="0"/>
-              <a:t>settings to control the </a:t>
-            </a:r>
-            <a:r>
-              <a:rPr lang="en-US" sz="2200"/>
-              <a:t>AMR process</a:t>
-            </a:r>
-            <a:endParaRPr lang="en-US" sz="2200" dirty="0"/>
+              <a:t>Basic settings to control the AMR process</a:t>
+            </a:r>
           </a:p>
           <a:p>
             <a:pPr marL="0" indent="0">
@@ -16494,6 +16517,2275 @@
     <p:extLst>
       <p:ext uri="{BB962C8B-B14F-4D97-AF65-F5344CB8AC3E}">
         <p14:creationId xmlns:p14="http://schemas.microsoft.com/office/powerpoint/2010/main" val="2984242836"/>
+      </p:ext>
+    </p:extLst>
+  </p:cSld>
+  <p:clrMapOvr>
+    <a:masterClrMapping/>
+  </p:clrMapOvr>
+</p:sld>
+</file>
+
+<file path=ppt/slides/slide24.xml><?xml version="1.0" encoding="utf-8"?>
+<p:sld xmlns:a="http://schemas.openxmlformats.org/drawingml/2006/main" xmlns:r="http://schemas.openxmlformats.org/officeDocument/2006/relationships" xmlns:p="http://schemas.openxmlformats.org/presentationml/2006/main">
+  <p:cSld>
+    <p:spTree>
+      <p:nvGrpSpPr>
+        <p:cNvPr id="1" name=""/>
+        <p:cNvGrpSpPr/>
+        <p:nvPr/>
+      </p:nvGrpSpPr>
+      <p:grpSpPr>
+        <a:xfrm>
+          <a:off x="0" y="0"/>
+          <a:ext cx="0" cy="0"/>
+          <a:chOff x="0" y="0"/>
+          <a:chExt cx="0" cy="0"/>
+        </a:xfrm>
+      </p:grpSpPr>
+      <p:sp>
+        <p:nvSpPr>
+          <p:cNvPr id="2" name="Title 1"/>
+          <p:cNvSpPr>
+            <a:spLocks noGrp="1"/>
+          </p:cNvSpPr>
+          <p:nvPr>
+            <p:ph type="title"/>
+          </p:nvPr>
+        </p:nvSpPr>
+        <p:spPr>
+          <a:xfrm>
+            <a:off x="231775" y="266701"/>
+            <a:ext cx="11728450" cy="548640"/>
+          </a:xfrm>
+        </p:spPr>
+        <p:txBody>
+          <a:bodyPr>
+            <a:normAutofit/>
+          </a:bodyPr>
+          <a:lstStyle/>
+          <a:p>
+            <a:r>
+              <a:rPr lang="en-US" sz="2800" dirty="0"/>
+              <a:t>Examples &gt; Wave Equation</a:t>
+            </a:r>
+          </a:p>
+        </p:txBody>
+      </p:sp>
+      <mc:AlternateContent xmlns:mc="http://schemas.openxmlformats.org/markup-compatibility/2006">
+        <mc:Choice xmlns:a14="http://schemas.microsoft.com/office/drawing/2010/main" Requires="a14">
+          <p:sp>
+            <p:nvSpPr>
+              <p:cNvPr id="3" name="Content Placeholder 2"/>
+              <p:cNvSpPr>
+                <a:spLocks noGrp="1"/>
+              </p:cNvSpPr>
+              <p:nvPr>
+                <p:ph idx="1"/>
+              </p:nvPr>
+            </p:nvSpPr>
+            <p:spPr>
+              <a:xfrm>
+                <a:off x="431799" y="1054100"/>
+                <a:ext cx="11528425" cy="5084763"/>
+              </a:xfrm>
+            </p:spPr>
+            <p:txBody>
+              <a:bodyPr>
+                <a:normAutofit fontScale="92500"/>
+              </a:bodyPr>
+              <a:lstStyle/>
+              <a:p>
+                <a:pPr marL="0" indent="0">
+                  <a:buNone/>
+                </a:pPr>
+                <a:r>
+                  <a:rPr lang="en-US" sz="1800" dirty="0"/>
+                  <a:t>In this example, we solve the equations</a:t>
+                </a:r>
+              </a:p>
+              <a:p>
+                <a:pPr marL="0" indent="0" algn="ctr">
+                  <a:buNone/>
+                </a:pPr>
+                <a14:m>
+                  <m:oMathPara xmlns:m="http://schemas.openxmlformats.org/officeDocument/2006/math">
+                    <m:oMathParaPr>
+                      <m:jc m:val="center"/>
+                    </m:oMathParaPr>
+                    <m:oMath xmlns:m="http://schemas.openxmlformats.org/officeDocument/2006/math">
+                      <m:f>
+                        <m:fPr>
+                          <m:ctrlPr>
+                            <a:rPr lang="en-US" sz="2600" i="1" smtClean="0">
+                              <a:latin typeface="Cambria Math" panose="02040503050406030204" pitchFamily="18" charset="0"/>
+                              <a:ea typeface="Cambria Math" panose="02040503050406030204" pitchFamily="18" charset="0"/>
+                            </a:rPr>
+                          </m:ctrlPr>
+                        </m:fPr>
+                        <m:num>
+                          <m:r>
+                            <a:rPr lang="en-US" sz="2600" b="0" i="1" smtClean="0">
+                              <a:latin typeface="Cambria Math" panose="02040503050406030204" pitchFamily="18" charset="0"/>
+                              <a:ea typeface="Cambria Math" panose="02040503050406030204" pitchFamily="18" charset="0"/>
+                            </a:rPr>
+                            <m:t>1</m:t>
+                          </m:r>
+                        </m:num>
+                        <m:den>
+                          <m:sSup>
+                            <m:sSupPr>
+                              <m:ctrlPr>
+                                <a:rPr lang="en-US" sz="2600" b="0" i="1" smtClean="0">
+                                  <a:latin typeface="Cambria Math" panose="02040503050406030204" pitchFamily="18" charset="0"/>
+                                  <a:ea typeface="Cambria Math" panose="02040503050406030204" pitchFamily="18" charset="0"/>
+                                </a:rPr>
+                              </m:ctrlPr>
+                            </m:sSupPr>
+                            <m:e>
+                              <m:r>
+                                <a:rPr lang="en-US" sz="2600" b="0" i="1" smtClean="0">
+                                  <a:latin typeface="Cambria Math" panose="02040503050406030204" pitchFamily="18" charset="0"/>
+                                  <a:ea typeface="Cambria Math" panose="02040503050406030204" pitchFamily="18" charset="0"/>
+                                </a:rPr>
+                                <m:t>𝑐</m:t>
+                              </m:r>
+                            </m:e>
+                            <m:sup>
+                              <m:r>
+                                <a:rPr lang="en-US" sz="2600" b="0" i="1" smtClean="0">
+                                  <a:latin typeface="Cambria Math" panose="02040503050406030204" pitchFamily="18" charset="0"/>
+                                  <a:ea typeface="Cambria Math" panose="02040503050406030204" pitchFamily="18" charset="0"/>
+                                </a:rPr>
+                                <m:t>2</m:t>
+                              </m:r>
+                            </m:sup>
+                          </m:sSup>
+                        </m:den>
+                      </m:f>
+                      <m:f>
+                        <m:fPr>
+                          <m:ctrlPr>
+                            <a:rPr lang="en-US" sz="2600" b="0" i="1" smtClean="0">
+                              <a:latin typeface="Cambria Math" panose="02040503050406030204" pitchFamily="18" charset="0"/>
+                              <a:ea typeface="Cambria Math" panose="02040503050406030204" pitchFamily="18" charset="0"/>
+                            </a:rPr>
+                          </m:ctrlPr>
+                        </m:fPr>
+                        <m:num>
+                          <m:sSup>
+                            <m:sSupPr>
+                              <m:ctrlPr>
+                                <a:rPr lang="en-US" sz="2600" b="0" i="1" smtClean="0">
+                                  <a:latin typeface="Cambria Math" panose="02040503050406030204" pitchFamily="18" charset="0"/>
+                                  <a:ea typeface="Cambria Math" panose="02040503050406030204" pitchFamily="18" charset="0"/>
+                                </a:rPr>
+                              </m:ctrlPr>
+                            </m:sSupPr>
+                            <m:e>
+                              <m:r>
+                                <a:rPr lang="en-US" sz="2600" b="0" i="1" smtClean="0">
+                                  <a:latin typeface="Cambria Math" panose="02040503050406030204" pitchFamily="18" charset="0"/>
+                                  <a:ea typeface="Cambria Math" panose="02040503050406030204" pitchFamily="18" charset="0"/>
+                                </a:rPr>
+                                <m:t>𝛿</m:t>
+                              </m:r>
+                            </m:e>
+                            <m:sup>
+                              <m:r>
+                                <a:rPr lang="en-US" sz="2600" b="0" i="1" smtClean="0">
+                                  <a:latin typeface="Cambria Math" panose="02040503050406030204" pitchFamily="18" charset="0"/>
+                                  <a:ea typeface="Cambria Math" panose="02040503050406030204" pitchFamily="18" charset="0"/>
+                                </a:rPr>
+                                <m:t>2</m:t>
+                              </m:r>
+                            </m:sup>
+                          </m:sSup>
+                          <m:r>
+                            <a:rPr lang="en-US" sz="2600" b="0" i="1" smtClean="0">
+                              <a:latin typeface="Cambria Math" panose="02040503050406030204" pitchFamily="18" charset="0"/>
+                              <a:ea typeface="Cambria Math" panose="02040503050406030204" pitchFamily="18" charset="0"/>
+                            </a:rPr>
+                            <m:t>𝑢</m:t>
+                          </m:r>
+                        </m:num>
+                        <m:den>
+                          <m:r>
+                            <a:rPr lang="en-US" sz="2600" b="0" i="1" smtClean="0">
+                              <a:latin typeface="Cambria Math" panose="02040503050406030204" pitchFamily="18" charset="0"/>
+                              <a:ea typeface="Cambria Math" panose="02040503050406030204" pitchFamily="18" charset="0"/>
+                            </a:rPr>
+                            <m:t>𝛿</m:t>
+                          </m:r>
+                          <m:sSup>
+                            <m:sSupPr>
+                              <m:ctrlPr>
+                                <a:rPr lang="en-US" sz="2600" b="0" i="1" smtClean="0">
+                                  <a:latin typeface="Cambria Math" panose="02040503050406030204" pitchFamily="18" charset="0"/>
+                                  <a:ea typeface="Cambria Math" panose="02040503050406030204" pitchFamily="18" charset="0"/>
+                                </a:rPr>
+                              </m:ctrlPr>
+                            </m:sSupPr>
+                            <m:e>
+                              <m:r>
+                                <a:rPr lang="en-US" sz="2600" b="0" i="1" smtClean="0">
+                                  <a:latin typeface="Cambria Math" panose="02040503050406030204" pitchFamily="18" charset="0"/>
+                                  <a:ea typeface="Cambria Math" panose="02040503050406030204" pitchFamily="18" charset="0"/>
+                                </a:rPr>
+                                <m:t>𝑡</m:t>
+                              </m:r>
+                            </m:e>
+                            <m:sup>
+                              <m:r>
+                                <a:rPr lang="en-US" sz="2600" b="0" i="1" smtClean="0">
+                                  <a:latin typeface="Cambria Math" panose="02040503050406030204" pitchFamily="18" charset="0"/>
+                                  <a:ea typeface="Cambria Math" panose="02040503050406030204" pitchFamily="18" charset="0"/>
+                                </a:rPr>
+                                <m:t>2</m:t>
+                              </m:r>
+                            </m:sup>
+                          </m:sSup>
+                        </m:den>
+                      </m:f>
+                      <m:r>
+                        <a:rPr lang="en-US" sz="2600" b="0" i="1" smtClean="0">
+                          <a:latin typeface="Cambria Math" panose="02040503050406030204" pitchFamily="18" charset="0"/>
+                          <a:ea typeface="Cambria Math" panose="02040503050406030204" pitchFamily="18" charset="0"/>
+                        </a:rPr>
+                        <m:t>−</m:t>
+                      </m:r>
+                      <m:r>
+                        <a:rPr lang="en-US" sz="2600" i="1">
+                          <a:latin typeface="Cambria Math" panose="02040503050406030204" pitchFamily="18" charset="0"/>
+                          <a:ea typeface="Cambria Math" panose="02040503050406030204" pitchFamily="18" charset="0"/>
+                        </a:rPr>
+                        <m:t>∆</m:t>
+                      </m:r>
+                      <m:r>
+                        <a:rPr lang="en-US" sz="2600" i="1">
+                          <a:latin typeface="Cambria Math" panose="02040503050406030204" pitchFamily="18" charset="0"/>
+                          <a:ea typeface="Cambria Math" panose="02040503050406030204" pitchFamily="18" charset="0"/>
+                        </a:rPr>
+                        <m:t>𝑢</m:t>
+                      </m:r>
+                      <m:r>
+                        <m:rPr>
+                          <m:nor/>
+                        </m:rPr>
+                        <a:rPr lang="en-US" sz="2600" b="0" i="0" smtClean="0">
+                          <a:latin typeface="Cambria Math" panose="02040503050406030204" pitchFamily="18" charset="0"/>
+                          <a:ea typeface="Cambria Math" panose="02040503050406030204" pitchFamily="18" charset="0"/>
+                        </a:rPr>
+                        <m:t> </m:t>
+                      </m:r>
+                      <m:r>
+                        <m:rPr>
+                          <m:nor/>
+                        </m:rPr>
+                        <a:rPr lang="en-US" sz="2600"/>
+                        <m:t>= 0,   </m:t>
+                      </m:r>
+                      <m:r>
+                        <m:rPr>
+                          <m:nor/>
+                        </m:rPr>
+                        <a:rPr lang="en-US" sz="2600"/>
+                        <m:t>u</m:t>
+                      </m:r>
+                      <m:sSub>
+                        <m:sSubPr>
+                          <m:ctrlPr>
+                            <a:rPr lang="en-US" sz="2600" i="1">
+                              <a:latin typeface="Cambria Math" panose="02040503050406030204" pitchFamily="18" charset="0"/>
+                            </a:rPr>
+                          </m:ctrlPr>
+                        </m:sSubPr>
+                        <m:e>
+                          <m:r>
+                            <a:rPr lang="en-US" sz="2600" i="1">
+                              <a:latin typeface="Cambria Math" panose="02040503050406030204" pitchFamily="18" charset="0"/>
+                            </a:rPr>
+                            <m:t>|</m:t>
+                          </m:r>
+                        </m:e>
+                        <m:sub>
+                          <m:r>
+                            <a:rPr lang="en-US" sz="2600" i="1">
+                              <a:latin typeface="Cambria Math" panose="02040503050406030204" pitchFamily="18" charset="0"/>
+                              <a:ea typeface="Cambria Math" panose="02040503050406030204" pitchFamily="18" charset="0"/>
+                            </a:rPr>
+                            <m:t>𝛿</m:t>
+                          </m:r>
+                          <m:r>
+                            <m:rPr>
+                              <m:sty m:val="p"/>
+                            </m:rPr>
+                            <a:rPr lang="el-GR" sz="2600" i="1">
+                              <a:latin typeface="Cambria Math" panose="02040503050406030204" pitchFamily="18" charset="0"/>
+                              <a:ea typeface="Cambria Math" panose="02040503050406030204" pitchFamily="18" charset="0"/>
+                            </a:rPr>
+                            <m:t>Ω</m:t>
+                          </m:r>
+                        </m:sub>
+                      </m:sSub>
+                      <m:r>
+                        <m:rPr>
+                          <m:nor/>
+                        </m:rPr>
+                        <a:rPr lang="en-US" sz="2600"/>
+                        <m:t> = </m:t>
+                      </m:r>
+                      <m:r>
+                        <m:rPr>
+                          <m:nor/>
+                        </m:rPr>
+                        <a:rPr lang="en-US" sz="2600" b="0" i="0" smtClean="0"/>
+                        <m:t>0, </m:t>
+                      </m:r>
+                      <m:sSub>
+                        <m:sSubPr>
+                          <m:ctrlPr>
+                            <a:rPr lang="en-US" sz="2600" b="0" i="1" smtClean="0">
+                              <a:latin typeface="Cambria Math" panose="02040503050406030204" pitchFamily="18" charset="0"/>
+                            </a:rPr>
+                          </m:ctrlPr>
+                        </m:sSubPr>
+                        <m:e>
+                          <m:d>
+                            <m:dPr>
+                              <m:begChr m:val=""/>
+                              <m:endChr m:val="|"/>
+                              <m:ctrlPr>
+                                <a:rPr lang="en-US" sz="2600" i="1">
+                                  <a:latin typeface="Cambria Math" panose="02040503050406030204" pitchFamily="18" charset="0"/>
+                                </a:rPr>
+                              </m:ctrlPr>
+                            </m:dPr>
+                            <m:e>
+                              <m:f>
+                                <m:fPr>
+                                  <m:ctrlPr>
+                                    <a:rPr lang="en-US" sz="2600" i="1">
+                                      <a:latin typeface="Cambria Math" panose="02040503050406030204" pitchFamily="18" charset="0"/>
+                                    </a:rPr>
+                                  </m:ctrlPr>
+                                </m:fPr>
+                                <m:num>
+                                  <m:r>
+                                    <a:rPr lang="en-US" sz="2600" i="1">
+                                      <a:latin typeface="Cambria Math" panose="02040503050406030204" pitchFamily="18" charset="0"/>
+                                      <a:ea typeface="Cambria Math" panose="02040503050406030204" pitchFamily="18" charset="0"/>
+                                    </a:rPr>
+                                    <m:t>𝛿</m:t>
+                                  </m:r>
+                                  <m:r>
+                                    <a:rPr lang="en-US" sz="2600" i="1">
+                                      <a:latin typeface="Cambria Math" panose="02040503050406030204" pitchFamily="18" charset="0"/>
+                                      <a:ea typeface="Cambria Math" panose="02040503050406030204" pitchFamily="18" charset="0"/>
+                                    </a:rPr>
+                                    <m:t>𝑢</m:t>
+                                  </m:r>
+                                </m:num>
+                                <m:den>
+                                  <m:r>
+                                    <a:rPr lang="en-US" sz="2600" i="1">
+                                      <a:latin typeface="Cambria Math" panose="02040503050406030204" pitchFamily="18" charset="0"/>
+                                      <a:ea typeface="Cambria Math" panose="02040503050406030204" pitchFamily="18" charset="0"/>
+                                    </a:rPr>
+                                    <m:t>𝛿</m:t>
+                                  </m:r>
+                                  <m:r>
+                                    <a:rPr lang="en-US" sz="2600" i="1">
+                                      <a:latin typeface="Cambria Math" panose="02040503050406030204" pitchFamily="18" charset="0"/>
+                                      <a:ea typeface="Cambria Math" panose="02040503050406030204" pitchFamily="18" charset="0"/>
+                                    </a:rPr>
+                                    <m:t>𝑡</m:t>
+                                  </m:r>
+                                </m:den>
+                              </m:f>
+                            </m:e>
+                          </m:d>
+                        </m:e>
+                        <m:sub>
+                          <m:r>
+                            <a:rPr lang="en-US" sz="2600" b="0" i="1" smtClean="0">
+                              <a:latin typeface="Cambria Math" panose="02040503050406030204" pitchFamily="18" charset="0"/>
+                              <a:ea typeface="Cambria Math" panose="02040503050406030204" pitchFamily="18" charset="0"/>
+                            </a:rPr>
+                            <m:t>𝛿</m:t>
+                          </m:r>
+                          <m:r>
+                            <m:rPr>
+                              <m:sty m:val="p"/>
+                            </m:rPr>
+                            <a:rPr lang="el-GR" sz="2600" b="0" i="1" smtClean="0">
+                              <a:latin typeface="Cambria Math" panose="02040503050406030204" pitchFamily="18" charset="0"/>
+                              <a:ea typeface="Cambria Math" panose="02040503050406030204" pitchFamily="18" charset="0"/>
+                            </a:rPr>
+                            <m:t>Ω</m:t>
+                          </m:r>
+                        </m:sub>
+                      </m:sSub>
+                      <m:r>
+                        <a:rPr lang="en-US" sz="2600" b="0" i="1" smtClean="0">
+                          <a:latin typeface="Cambria Math" panose="02040503050406030204" pitchFamily="18" charset="0"/>
+                        </a:rPr>
+                        <m:t>=0    (1)</m:t>
+                      </m:r>
+                    </m:oMath>
+                  </m:oMathPara>
+                </a14:m>
+                <a:endParaRPr lang="en-US" sz="1800" dirty="0"/>
+              </a:p>
+              <a:p>
+                <a:pPr marL="0" indent="0">
+                  <a:spcBef>
+                    <a:spcPts val="0"/>
+                  </a:spcBef>
+                  <a:buNone/>
+                </a:pPr>
+                <a:r>
+                  <a:rPr lang="en-US" sz="1800" dirty="0"/>
+                  <a:t>Where</a:t>
+                </a:r>
+              </a:p>
+              <a:p>
+                <a:pPr>
+                  <a:lnSpc>
+                    <a:spcPct val="100000"/>
+                  </a:lnSpc>
+                  <a:spcBef>
+                    <a:spcPts val="0"/>
+                  </a:spcBef>
+                  <a:buFontTx/>
+                  <a:buChar char="-"/>
+                </a:pPr>
+                <a:r>
+                  <a:rPr lang="en-US" sz="1800" dirty="0"/>
+                  <a:t>u is the sought solution,</a:t>
+                </a:r>
+              </a:p>
+              <a:p>
+                <a:pPr>
+                  <a:lnSpc>
+                    <a:spcPct val="100000"/>
+                  </a:lnSpc>
+                  <a:spcBef>
+                    <a:spcPts val="0"/>
+                  </a:spcBef>
+                  <a:buFontTx/>
+                  <a:buChar char="-"/>
+                </a:pPr>
+                <a14:m>
+                  <m:oMath xmlns:m="http://schemas.openxmlformats.org/officeDocument/2006/math">
+                    <m:r>
+                      <m:rPr>
+                        <m:sty m:val="p"/>
+                      </m:rPr>
+                      <a:rPr lang="el-GR" sz="1800" i="1">
+                        <a:latin typeface="Cambria Math" panose="02040503050406030204" pitchFamily="18" charset="0"/>
+                        <a:ea typeface="Cambria Math" panose="02040503050406030204" pitchFamily="18" charset="0"/>
+                      </a:rPr>
+                      <m:t>Ω</m:t>
+                    </m:r>
+                  </m:oMath>
+                </a14:m>
+                <a:r>
+                  <a:rPr lang="en-US" sz="1800" dirty="0"/>
+                  <a:t> is the space domain – see next slide,</a:t>
+                </a:r>
+              </a:p>
+              <a:p>
+                <a:pPr>
+                  <a:lnSpc>
+                    <a:spcPct val="100000"/>
+                  </a:lnSpc>
+                  <a:spcBef>
+                    <a:spcPts val="0"/>
+                  </a:spcBef>
+                  <a:buFontTx/>
+                  <a:buChar char="-"/>
+                </a:pPr>
+                <a:r>
+                  <a:rPr lang="en-US" sz="1800" dirty="0"/>
+                  <a:t>c is the wave speed.</a:t>
+                </a:r>
+              </a:p>
+              <a:p>
+                <a:pPr marL="0" indent="0">
+                  <a:buNone/>
+                </a:pPr>
+                <a:r>
+                  <a:rPr lang="en-US" sz="1800" dirty="0"/>
+                  <a:t>We transform (1) into</a:t>
+                </a:r>
+              </a:p>
+              <a:p>
+                <a:pPr marL="0" indent="0">
+                  <a:buNone/>
+                </a:pPr>
+                <a14:m>
+                  <m:oMathPara xmlns:m="http://schemas.openxmlformats.org/officeDocument/2006/math">
+                    <m:oMathParaPr>
+                      <m:jc m:val="centerGroup"/>
+                    </m:oMathParaPr>
+                    <m:oMath xmlns:m="http://schemas.openxmlformats.org/officeDocument/2006/math">
+                      <m:f>
+                        <m:fPr>
+                          <m:ctrlPr>
+                            <a:rPr lang="en-US" i="1">
+                              <a:latin typeface="Cambria Math" panose="02040503050406030204" pitchFamily="18" charset="0"/>
+                              <a:ea typeface="Cambria Math" panose="02040503050406030204" pitchFamily="18" charset="0"/>
+                            </a:rPr>
+                          </m:ctrlPr>
+                        </m:fPr>
+                        <m:num>
+                          <m:r>
+                            <a:rPr lang="en-US" i="1">
+                              <a:latin typeface="Cambria Math" panose="02040503050406030204" pitchFamily="18" charset="0"/>
+                              <a:ea typeface="Cambria Math" panose="02040503050406030204" pitchFamily="18" charset="0"/>
+                            </a:rPr>
+                            <m:t>𝛿</m:t>
+                          </m:r>
+                          <m:r>
+                            <a:rPr lang="en-US" i="1">
+                              <a:latin typeface="Cambria Math" panose="02040503050406030204" pitchFamily="18" charset="0"/>
+                              <a:ea typeface="Cambria Math" panose="02040503050406030204" pitchFamily="18" charset="0"/>
+                            </a:rPr>
+                            <m:t>𝑢</m:t>
+                          </m:r>
+                        </m:num>
+                        <m:den>
+                          <m:r>
+                            <a:rPr lang="en-US" i="1">
+                              <a:latin typeface="Cambria Math" panose="02040503050406030204" pitchFamily="18" charset="0"/>
+                              <a:ea typeface="Cambria Math" panose="02040503050406030204" pitchFamily="18" charset="0"/>
+                            </a:rPr>
+                            <m:t>𝛿</m:t>
+                          </m:r>
+                          <m:r>
+                            <a:rPr lang="en-US" b="0" i="1" smtClean="0">
+                              <a:latin typeface="Cambria Math" panose="02040503050406030204" pitchFamily="18" charset="0"/>
+                              <a:ea typeface="Cambria Math" panose="02040503050406030204" pitchFamily="18" charset="0"/>
+                            </a:rPr>
+                            <m:t>𝑡</m:t>
+                          </m:r>
+                        </m:den>
+                      </m:f>
+                      <m:r>
+                        <m:rPr>
+                          <m:nor/>
+                        </m:rPr>
+                        <a:rPr lang="en-US" i="1">
+                          <a:latin typeface="Cambria Math" panose="02040503050406030204" pitchFamily="18" charset="0"/>
+                          <a:ea typeface="Cambria Math" panose="02040503050406030204" pitchFamily="18" charset="0"/>
+                        </a:rPr>
+                        <m:t> = </m:t>
+                      </m:r>
+                      <m:r>
+                        <m:rPr>
+                          <m:nor/>
+                        </m:rPr>
+                        <a:rPr lang="en-US" b="0" i="1" smtClean="0">
+                          <a:latin typeface="Cambria Math" panose="02040503050406030204" pitchFamily="18" charset="0"/>
+                          <a:ea typeface="Cambria Math" panose="02040503050406030204" pitchFamily="18" charset="0"/>
+                        </a:rPr>
+                        <m:t>v</m:t>
+                      </m:r>
+                      <m:r>
+                        <m:rPr>
+                          <m:nor/>
+                        </m:rPr>
+                        <a:rPr lang="en-US" b="0" i="1" smtClean="0">
+                          <a:latin typeface="Cambria Math" panose="02040503050406030204" pitchFamily="18" charset="0"/>
+                          <a:ea typeface="Cambria Math" panose="02040503050406030204" pitchFamily="18" charset="0"/>
+                        </a:rPr>
+                        <m:t>       </m:t>
+                      </m:r>
+                    </m:oMath>
+                  </m:oMathPara>
+                </a14:m>
+                <a:endParaRPr lang="en-US" sz="1800" dirty="0"/>
+              </a:p>
+              <a:p>
+                <a:pPr marL="0" indent="0">
+                  <a:lnSpc>
+                    <a:spcPct val="110000"/>
+                  </a:lnSpc>
+                  <a:buNone/>
+                </a:pPr>
+                <a14:m>
+                  <m:oMathPara xmlns:m="http://schemas.openxmlformats.org/officeDocument/2006/math">
+                    <m:oMathParaPr>
+                      <m:jc m:val="centerGroup"/>
+                    </m:oMathParaPr>
+                    <m:oMath xmlns:m="http://schemas.openxmlformats.org/officeDocument/2006/math">
+                      <m:f>
+                        <m:fPr>
+                          <m:ctrlPr>
+                            <a:rPr lang="en-US" i="1">
+                              <a:latin typeface="Cambria Math" panose="02040503050406030204" pitchFamily="18" charset="0"/>
+                              <a:ea typeface="Cambria Math" panose="02040503050406030204" pitchFamily="18" charset="0"/>
+                            </a:rPr>
+                          </m:ctrlPr>
+                        </m:fPr>
+                        <m:num>
+                          <m:r>
+                            <a:rPr lang="en-US" i="1">
+                              <a:latin typeface="Cambria Math" panose="02040503050406030204" pitchFamily="18" charset="0"/>
+                              <a:ea typeface="Cambria Math" panose="02040503050406030204" pitchFamily="18" charset="0"/>
+                            </a:rPr>
+                            <m:t>𝛿</m:t>
+                          </m:r>
+                          <m:r>
+                            <a:rPr lang="en-US" b="0" i="1" smtClean="0">
+                              <a:latin typeface="Cambria Math" panose="02040503050406030204" pitchFamily="18" charset="0"/>
+                              <a:ea typeface="Cambria Math" panose="02040503050406030204" pitchFamily="18" charset="0"/>
+                            </a:rPr>
+                            <m:t>𝑣</m:t>
+                          </m:r>
+                        </m:num>
+                        <m:den>
+                          <m:r>
+                            <a:rPr lang="en-US" i="1">
+                              <a:latin typeface="Cambria Math" panose="02040503050406030204" pitchFamily="18" charset="0"/>
+                              <a:ea typeface="Cambria Math" panose="02040503050406030204" pitchFamily="18" charset="0"/>
+                            </a:rPr>
+                            <m:t>𝛿</m:t>
+                          </m:r>
+                          <m:r>
+                            <a:rPr lang="en-US" i="1">
+                              <a:latin typeface="Cambria Math" panose="02040503050406030204" pitchFamily="18" charset="0"/>
+                              <a:ea typeface="Cambria Math" panose="02040503050406030204" pitchFamily="18" charset="0"/>
+                            </a:rPr>
+                            <m:t>𝑡</m:t>
+                          </m:r>
+                        </m:den>
+                      </m:f>
+                      <m:r>
+                        <m:rPr>
+                          <m:nor/>
+                        </m:rPr>
+                        <a:rPr lang="en-US" i="1">
+                          <a:latin typeface="Cambria Math" panose="02040503050406030204" pitchFamily="18" charset="0"/>
+                          <a:ea typeface="Cambria Math" panose="02040503050406030204" pitchFamily="18" charset="0"/>
+                        </a:rPr>
+                        <m:t> =</m:t>
+                      </m:r>
+                      <m:sSup>
+                        <m:sSupPr>
+                          <m:ctrlPr>
+                            <a:rPr lang="en-US" i="1" smtClean="0">
+                              <a:latin typeface="Cambria Math" panose="02040503050406030204" pitchFamily="18" charset="0"/>
+                              <a:ea typeface="Cambria Math" panose="02040503050406030204" pitchFamily="18" charset="0"/>
+                            </a:rPr>
+                          </m:ctrlPr>
+                        </m:sSupPr>
+                        <m:e>
+                          <m:r>
+                            <a:rPr lang="en-US" b="0" i="1" smtClean="0">
+                              <a:latin typeface="Cambria Math" panose="02040503050406030204" pitchFamily="18" charset="0"/>
+                              <a:ea typeface="Cambria Math" panose="02040503050406030204" pitchFamily="18" charset="0"/>
+                            </a:rPr>
+                            <m:t> </m:t>
+                          </m:r>
+                          <m:r>
+                            <a:rPr lang="en-US" b="0" i="1" smtClean="0">
+                              <a:latin typeface="Cambria Math" panose="02040503050406030204" pitchFamily="18" charset="0"/>
+                              <a:ea typeface="Cambria Math" panose="02040503050406030204" pitchFamily="18" charset="0"/>
+                            </a:rPr>
+                            <m:t>𝑐</m:t>
+                          </m:r>
+                        </m:e>
+                        <m:sup>
+                          <m:r>
+                            <a:rPr lang="en-US" b="0" i="1" smtClean="0">
+                              <a:latin typeface="Cambria Math" panose="02040503050406030204" pitchFamily="18" charset="0"/>
+                              <a:ea typeface="Cambria Math" panose="02040503050406030204" pitchFamily="18" charset="0"/>
+                            </a:rPr>
+                            <m:t>2</m:t>
+                          </m:r>
+                        </m:sup>
+                      </m:sSup>
+                      <m:r>
+                        <m:rPr>
+                          <m:sty m:val="p"/>
+                        </m:rPr>
+                        <a:rPr lang="el-GR" i="1" smtClean="0">
+                          <a:latin typeface="Cambria Math" panose="02040503050406030204" pitchFamily="18" charset="0"/>
+                          <a:ea typeface="Cambria Math" panose="02040503050406030204" pitchFamily="18" charset="0"/>
+                        </a:rPr>
+                        <m:t>Δ</m:t>
+                      </m:r>
+                      <m:r>
+                        <a:rPr lang="en-US" b="0" i="1" smtClean="0">
+                          <a:latin typeface="Cambria Math" panose="02040503050406030204" pitchFamily="18" charset="0"/>
+                          <a:ea typeface="Cambria Math" panose="02040503050406030204" pitchFamily="18" charset="0"/>
+                        </a:rPr>
+                        <m:t>𝑢</m:t>
+                      </m:r>
+                    </m:oMath>
+                  </m:oMathPara>
+                </a14:m>
+                <a:endParaRPr lang="en-US" sz="1800" dirty="0"/>
+              </a:p>
+              <a:p>
+                <a:pPr marL="0" indent="0">
+                  <a:buNone/>
+                </a:pPr>
+                <a:r>
+                  <a:rPr lang="en-US" sz="1800" dirty="0"/>
+                  <a:t>The features illustrated on this example are</a:t>
+                </a:r>
+              </a:p>
+              <a:p>
+                <a:pPr>
+                  <a:buFontTx/>
+                  <a:buChar char="-"/>
+                </a:pPr>
+                <a:r>
+                  <a:rPr lang="en-US" sz="1800" dirty="0"/>
+                  <a:t>Using an arbitrary </a:t>
+                </a:r>
+                <a:r>
+                  <a:rPr lang="en-US" sz="1800" dirty="0" err="1"/>
+                  <a:t>Runge-Kutta</a:t>
+                </a:r>
+                <a:r>
+                  <a:rPr lang="en-US" sz="1800" dirty="0"/>
+                  <a:t> method for time discretization,</a:t>
+                </a:r>
+              </a:p>
+              <a:p>
+                <a:pPr>
+                  <a:buFontTx/>
+                  <a:buChar char="-"/>
+                </a:pPr>
+                <a:r>
+                  <a:rPr lang="en-US" sz="1800" dirty="0"/>
+                  <a:t>Time-</a:t>
+                </a:r>
+                <a:r>
+                  <a:rPr lang="en-US" sz="1800" dirty="0" err="1"/>
+                  <a:t>adaptivity</a:t>
+                </a:r>
+                <a:r>
+                  <a:rPr lang="en-US" sz="1800" dirty="0"/>
+                  <a:t> using embedded </a:t>
+                </a:r>
+                <a:r>
+                  <a:rPr lang="en-US" sz="1800" dirty="0" err="1"/>
+                  <a:t>Runge-Kutta</a:t>
+                </a:r>
+                <a:r>
+                  <a:rPr lang="en-US" sz="1800" dirty="0"/>
+                  <a:t> methods.</a:t>
+                </a:r>
+              </a:p>
+            </p:txBody>
+          </p:sp>
+        </mc:Choice>
+        <mc:Fallback>
+          <p:sp>
+            <p:nvSpPr>
+              <p:cNvPr id="3" name="Content Placeholder 2"/>
+              <p:cNvSpPr>
+                <a:spLocks noGrp="1" noRot="1" noChangeAspect="1" noMove="1" noResize="1" noEditPoints="1" noAdjustHandles="1" noChangeArrowheads="1" noChangeShapeType="1" noTextEdit="1"/>
+              </p:cNvSpPr>
+              <p:nvPr>
+                <p:ph idx="1"/>
+              </p:nvPr>
+            </p:nvSpPr>
+            <p:spPr>
+              <a:xfrm>
+                <a:off x="431799" y="1054100"/>
+                <a:ext cx="11528425" cy="5084763"/>
+              </a:xfrm>
+              <a:blipFill>
+                <a:blip r:embed="rId2"/>
+                <a:stretch>
+                  <a:fillRect l="-370" t="-959" b="-1319"/>
+                </a:stretch>
+              </a:blipFill>
+            </p:spPr>
+            <p:txBody>
+              <a:bodyPr/>
+              <a:lstStyle/>
+              <a:p>
+                <a:r>
+                  <a:rPr lang="en-US">
+                    <a:noFill/>
+                  </a:rPr>
+                  <a:t> </a:t>
+                </a:r>
+              </a:p>
+            </p:txBody>
+          </p:sp>
+        </mc:Fallback>
+      </mc:AlternateContent>
+      <p:pic>
+        <p:nvPicPr>
+          <p:cNvPr id="5" name="Picture 4"/>
+          <p:cNvPicPr>
+            <a:picLocks noChangeAspect="1"/>
+          </p:cNvPicPr>
+          <p:nvPr/>
+        </p:nvPicPr>
+        <p:blipFill>
+          <a:blip r:embed="rId3">
+            <a:extLst>
+              <a:ext uri="{28A0092B-C50C-407E-A947-70E740481C1C}">
+                <a14:useLocalDpi xmlns:a14="http://schemas.microsoft.com/office/drawing/2010/main" val="0"/>
+              </a:ext>
+            </a:extLst>
+          </a:blip>
+          <a:stretch>
+            <a:fillRect/>
+          </a:stretch>
+        </p:blipFill>
+        <p:spPr>
+          <a:xfrm>
+            <a:off x="9607550" y="6311900"/>
+            <a:ext cx="2584450" cy="544722"/>
+          </a:xfrm>
+          <a:prstGeom prst="rect">
+            <a:avLst/>
+          </a:prstGeom>
+        </p:spPr>
+      </p:pic>
+      <p:cxnSp>
+        <p:nvCxnSpPr>
+          <p:cNvPr id="6" name="Straight Connector 5"/>
+          <p:cNvCxnSpPr/>
+          <p:nvPr/>
+        </p:nvCxnSpPr>
+        <p:spPr>
+          <a:xfrm flipH="1">
+            <a:off x="0" y="6311900"/>
+            <a:ext cx="12192000" cy="0"/>
+          </a:xfrm>
+          <a:prstGeom prst="line">
+            <a:avLst/>
+          </a:prstGeom>
+        </p:spPr>
+        <p:style>
+          <a:lnRef idx="1">
+            <a:schemeClr val="dk1"/>
+          </a:lnRef>
+          <a:fillRef idx="0">
+            <a:schemeClr val="dk1"/>
+          </a:fillRef>
+          <a:effectRef idx="0">
+            <a:schemeClr val="dk1"/>
+          </a:effectRef>
+          <a:fontRef idx="minor">
+            <a:schemeClr val="tx1"/>
+          </a:fontRef>
+        </p:style>
+      </p:cxnSp>
+      <p:pic>
+        <p:nvPicPr>
+          <p:cNvPr id="7" name="Picture 6"/>
+          <p:cNvPicPr>
+            <a:picLocks noChangeAspect="1"/>
+          </p:cNvPicPr>
+          <p:nvPr/>
+        </p:nvPicPr>
+        <p:blipFill>
+          <a:blip r:embed="rId4">
+            <a:extLst>
+              <a:ext uri="{28A0092B-C50C-407E-A947-70E740481C1C}">
+                <a14:useLocalDpi xmlns:a14="http://schemas.microsoft.com/office/drawing/2010/main" val="0"/>
+              </a:ext>
+            </a:extLst>
+          </a:blip>
+          <a:stretch>
+            <a:fillRect/>
+          </a:stretch>
+        </p:blipFill>
+        <p:spPr>
+          <a:xfrm>
+            <a:off x="133350" y="6349462"/>
+            <a:ext cx="1248229" cy="508538"/>
+          </a:xfrm>
+          <a:prstGeom prst="rect">
+            <a:avLst/>
+          </a:prstGeom>
+        </p:spPr>
+      </p:pic>
+      <p:sp>
+        <p:nvSpPr>
+          <p:cNvPr id="8" name="TextBox 7"/>
+          <p:cNvSpPr txBox="1"/>
+          <p:nvPr/>
+        </p:nvSpPr>
+        <p:spPr>
+          <a:xfrm>
+            <a:off x="4298950" y="6388100"/>
+            <a:ext cx="3594100" cy="369332"/>
+          </a:xfrm>
+          <a:prstGeom prst="rect">
+            <a:avLst/>
+          </a:prstGeom>
+          <a:noFill/>
+        </p:spPr>
+        <p:txBody>
+          <a:bodyPr wrap="square" rtlCol="0">
+            <a:spAutoFit/>
+          </a:bodyPr>
+          <a:lstStyle/>
+          <a:p>
+            <a:r>
+              <a:rPr lang="en-US" dirty="0"/>
+              <a:t>Hermes2D – Lukas Korous</a:t>
+            </a:r>
+          </a:p>
+        </p:txBody>
+      </p:sp>
+    </p:spTree>
+    <p:extLst>
+      <p:ext uri="{BB962C8B-B14F-4D97-AF65-F5344CB8AC3E}">
+        <p14:creationId xmlns:p14="http://schemas.microsoft.com/office/powerpoint/2010/main" val="1762015555"/>
+      </p:ext>
+    </p:extLst>
+  </p:cSld>
+  <p:clrMapOvr>
+    <a:masterClrMapping/>
+  </p:clrMapOvr>
+</p:sld>
+</file>
+
+<file path=ppt/slides/slide25.xml><?xml version="1.0" encoding="utf-8"?>
+<p:sld xmlns:a="http://schemas.openxmlformats.org/drawingml/2006/main" xmlns:r="http://schemas.openxmlformats.org/officeDocument/2006/relationships" xmlns:p="http://schemas.openxmlformats.org/presentationml/2006/main">
+  <p:cSld>
+    <p:spTree>
+      <p:nvGrpSpPr>
+        <p:cNvPr id="1" name=""/>
+        <p:cNvGrpSpPr/>
+        <p:nvPr/>
+      </p:nvGrpSpPr>
+      <p:grpSpPr>
+        <a:xfrm>
+          <a:off x="0" y="0"/>
+          <a:ext cx="0" cy="0"/>
+          <a:chOff x="0" y="0"/>
+          <a:chExt cx="0" cy="0"/>
+        </a:xfrm>
+      </p:grpSpPr>
+      <p:sp>
+        <p:nvSpPr>
+          <p:cNvPr id="2" name="Title 1"/>
+          <p:cNvSpPr>
+            <a:spLocks noGrp="1"/>
+          </p:cNvSpPr>
+          <p:nvPr>
+            <p:ph type="title"/>
+          </p:nvPr>
+        </p:nvSpPr>
+        <p:spPr>
+          <a:xfrm>
+            <a:off x="231775" y="266701"/>
+            <a:ext cx="11728450" cy="548640"/>
+          </a:xfrm>
+        </p:spPr>
+        <p:txBody>
+          <a:bodyPr>
+            <a:normAutofit/>
+          </a:bodyPr>
+          <a:lstStyle/>
+          <a:p>
+            <a:r>
+              <a:rPr lang="en-US" sz="2800" dirty="0"/>
+              <a:t>Example &gt; Wave Equation</a:t>
+            </a:r>
+          </a:p>
+        </p:txBody>
+      </p:sp>
+      <p:pic>
+        <p:nvPicPr>
+          <p:cNvPr id="5" name="Picture 4"/>
+          <p:cNvPicPr>
+            <a:picLocks noChangeAspect="1"/>
+          </p:cNvPicPr>
+          <p:nvPr/>
+        </p:nvPicPr>
+        <p:blipFill>
+          <a:blip r:embed="rId2">
+            <a:extLst>
+              <a:ext uri="{28A0092B-C50C-407E-A947-70E740481C1C}">
+                <a14:useLocalDpi xmlns:a14="http://schemas.microsoft.com/office/drawing/2010/main" val="0"/>
+              </a:ext>
+            </a:extLst>
+          </a:blip>
+          <a:stretch>
+            <a:fillRect/>
+          </a:stretch>
+        </p:blipFill>
+        <p:spPr>
+          <a:xfrm>
+            <a:off x="9607550" y="6311900"/>
+            <a:ext cx="2584450" cy="544722"/>
+          </a:xfrm>
+          <a:prstGeom prst="rect">
+            <a:avLst/>
+          </a:prstGeom>
+        </p:spPr>
+      </p:pic>
+      <p:cxnSp>
+        <p:nvCxnSpPr>
+          <p:cNvPr id="6" name="Straight Connector 5"/>
+          <p:cNvCxnSpPr/>
+          <p:nvPr/>
+        </p:nvCxnSpPr>
+        <p:spPr>
+          <a:xfrm flipH="1">
+            <a:off x="0" y="6311900"/>
+            <a:ext cx="12192000" cy="0"/>
+          </a:xfrm>
+          <a:prstGeom prst="line">
+            <a:avLst/>
+          </a:prstGeom>
+        </p:spPr>
+        <p:style>
+          <a:lnRef idx="1">
+            <a:schemeClr val="dk1"/>
+          </a:lnRef>
+          <a:fillRef idx="0">
+            <a:schemeClr val="dk1"/>
+          </a:fillRef>
+          <a:effectRef idx="0">
+            <a:schemeClr val="dk1"/>
+          </a:effectRef>
+          <a:fontRef idx="minor">
+            <a:schemeClr val="tx1"/>
+          </a:fontRef>
+        </p:style>
+      </p:cxnSp>
+      <p:pic>
+        <p:nvPicPr>
+          <p:cNvPr id="7" name="Picture 6"/>
+          <p:cNvPicPr>
+            <a:picLocks noChangeAspect="1"/>
+          </p:cNvPicPr>
+          <p:nvPr/>
+        </p:nvPicPr>
+        <p:blipFill>
+          <a:blip r:embed="rId3">
+            <a:extLst>
+              <a:ext uri="{28A0092B-C50C-407E-A947-70E740481C1C}">
+                <a14:useLocalDpi xmlns:a14="http://schemas.microsoft.com/office/drawing/2010/main" val="0"/>
+              </a:ext>
+            </a:extLst>
+          </a:blip>
+          <a:stretch>
+            <a:fillRect/>
+          </a:stretch>
+        </p:blipFill>
+        <p:spPr>
+          <a:xfrm>
+            <a:off x="133350" y="6349462"/>
+            <a:ext cx="1248229" cy="508538"/>
+          </a:xfrm>
+          <a:prstGeom prst="rect">
+            <a:avLst/>
+          </a:prstGeom>
+        </p:spPr>
+      </p:pic>
+      <p:sp>
+        <p:nvSpPr>
+          <p:cNvPr id="8" name="TextBox 7"/>
+          <p:cNvSpPr txBox="1"/>
+          <p:nvPr/>
+        </p:nvSpPr>
+        <p:spPr>
+          <a:xfrm>
+            <a:off x="4298950" y="6388100"/>
+            <a:ext cx="3594100" cy="369332"/>
+          </a:xfrm>
+          <a:prstGeom prst="rect">
+            <a:avLst/>
+          </a:prstGeom>
+          <a:noFill/>
+        </p:spPr>
+        <p:txBody>
+          <a:bodyPr wrap="square" rtlCol="0">
+            <a:spAutoFit/>
+          </a:bodyPr>
+          <a:lstStyle/>
+          <a:p>
+            <a:r>
+              <a:rPr lang="en-US" dirty="0"/>
+              <a:t>Hermes2D – Lukas Korous</a:t>
+            </a:r>
+          </a:p>
+        </p:txBody>
+      </p:sp>
+      <p:pic>
+        <p:nvPicPr>
+          <p:cNvPr id="9" name="Picture 8"/>
+          <p:cNvPicPr>
+            <a:picLocks noChangeAspect="1"/>
+          </p:cNvPicPr>
+          <p:nvPr/>
+        </p:nvPicPr>
+        <p:blipFill>
+          <a:blip r:embed="rId4">
+            <a:extLst>
+              <a:ext uri="{28A0092B-C50C-407E-A947-70E740481C1C}">
+                <a14:useLocalDpi xmlns:a14="http://schemas.microsoft.com/office/drawing/2010/main" val="0"/>
+              </a:ext>
+            </a:extLst>
+          </a:blip>
+          <a:stretch>
+            <a:fillRect/>
+          </a:stretch>
+        </p:blipFill>
+        <p:spPr>
+          <a:xfrm>
+            <a:off x="6373257" y="1865562"/>
+            <a:ext cx="4386183" cy="3508947"/>
+          </a:xfrm>
+          <a:prstGeom prst="rect">
+            <a:avLst/>
+          </a:prstGeom>
+        </p:spPr>
+      </p:pic>
+      <p:pic>
+        <p:nvPicPr>
+          <p:cNvPr id="10" name="Picture 9"/>
+          <p:cNvPicPr>
+            <a:picLocks noChangeAspect="1"/>
+          </p:cNvPicPr>
+          <p:nvPr/>
+        </p:nvPicPr>
+        <p:blipFill>
+          <a:blip r:embed="rId5">
+            <a:extLst>
+              <a:ext uri="{28A0092B-C50C-407E-A947-70E740481C1C}">
+                <a14:useLocalDpi xmlns:a14="http://schemas.microsoft.com/office/drawing/2010/main" val="0"/>
+              </a:ext>
+            </a:extLst>
+          </a:blip>
+          <a:stretch>
+            <a:fillRect/>
+          </a:stretch>
+        </p:blipFill>
+        <p:spPr>
+          <a:xfrm>
+            <a:off x="1123077" y="1865562"/>
+            <a:ext cx="4393802" cy="3515042"/>
+          </a:xfrm>
+          <a:prstGeom prst="rect">
+            <a:avLst/>
+          </a:prstGeom>
+        </p:spPr>
+      </p:pic>
+      <p:sp>
+        <p:nvSpPr>
+          <p:cNvPr id="11" name="TextBox 10"/>
+          <p:cNvSpPr txBox="1"/>
+          <p:nvPr/>
+        </p:nvSpPr>
+        <p:spPr>
+          <a:xfrm>
+            <a:off x="3962400" y="1165860"/>
+            <a:ext cx="4267200" cy="369332"/>
+          </a:xfrm>
+          <a:prstGeom prst="rect">
+            <a:avLst/>
+          </a:prstGeom>
+          <a:noFill/>
+        </p:spPr>
+        <p:txBody>
+          <a:bodyPr wrap="square" rtlCol="0">
+            <a:spAutoFit/>
+          </a:bodyPr>
+          <a:lstStyle/>
+          <a:p>
+            <a:pPr algn="ctr"/>
+            <a:r>
+              <a:rPr lang="en-US" dirty="0"/>
+              <a:t>u (left), v(right), t = 1e-2s</a:t>
+            </a:r>
+          </a:p>
+        </p:txBody>
+      </p:sp>
+    </p:spTree>
+    <p:extLst>
+      <p:ext uri="{BB962C8B-B14F-4D97-AF65-F5344CB8AC3E}">
+        <p14:creationId xmlns:p14="http://schemas.microsoft.com/office/powerpoint/2010/main" val="1423728226"/>
+      </p:ext>
+    </p:extLst>
+  </p:cSld>
+  <p:clrMapOvr>
+    <a:masterClrMapping/>
+  </p:clrMapOvr>
+</p:sld>
+</file>
+
+<file path=ppt/slides/slide26.xml><?xml version="1.0" encoding="utf-8"?>
+<p:sld xmlns:a="http://schemas.openxmlformats.org/drawingml/2006/main" xmlns:r="http://schemas.openxmlformats.org/officeDocument/2006/relationships" xmlns:p="http://schemas.openxmlformats.org/presentationml/2006/main">
+  <p:cSld>
+    <p:spTree>
+      <p:nvGrpSpPr>
+        <p:cNvPr id="1" name=""/>
+        <p:cNvGrpSpPr/>
+        <p:nvPr/>
+      </p:nvGrpSpPr>
+      <p:grpSpPr>
+        <a:xfrm>
+          <a:off x="0" y="0"/>
+          <a:ext cx="0" cy="0"/>
+          <a:chOff x="0" y="0"/>
+          <a:chExt cx="0" cy="0"/>
+        </a:xfrm>
+      </p:grpSpPr>
+      <p:sp>
+        <p:nvSpPr>
+          <p:cNvPr id="2" name="Title 1"/>
+          <p:cNvSpPr>
+            <a:spLocks noGrp="1"/>
+          </p:cNvSpPr>
+          <p:nvPr>
+            <p:ph type="title"/>
+          </p:nvPr>
+        </p:nvSpPr>
+        <p:spPr>
+          <a:xfrm>
+            <a:off x="231775" y="266701"/>
+            <a:ext cx="11728450" cy="548640"/>
+          </a:xfrm>
+        </p:spPr>
+        <p:txBody>
+          <a:bodyPr>
+            <a:normAutofit/>
+          </a:bodyPr>
+          <a:lstStyle/>
+          <a:p>
+            <a:r>
+              <a:rPr lang="en-US" sz="2800" dirty="0"/>
+              <a:t>Example &gt; Wave Equation</a:t>
+            </a:r>
+          </a:p>
+        </p:txBody>
+      </p:sp>
+      <p:pic>
+        <p:nvPicPr>
+          <p:cNvPr id="5" name="Picture 4"/>
+          <p:cNvPicPr>
+            <a:picLocks noChangeAspect="1"/>
+          </p:cNvPicPr>
+          <p:nvPr/>
+        </p:nvPicPr>
+        <p:blipFill>
+          <a:blip r:embed="rId2">
+            <a:extLst>
+              <a:ext uri="{28A0092B-C50C-407E-A947-70E740481C1C}">
+                <a14:useLocalDpi xmlns:a14="http://schemas.microsoft.com/office/drawing/2010/main" val="0"/>
+              </a:ext>
+            </a:extLst>
+          </a:blip>
+          <a:stretch>
+            <a:fillRect/>
+          </a:stretch>
+        </p:blipFill>
+        <p:spPr>
+          <a:xfrm>
+            <a:off x="9607550" y="6311900"/>
+            <a:ext cx="2584450" cy="544722"/>
+          </a:xfrm>
+          <a:prstGeom prst="rect">
+            <a:avLst/>
+          </a:prstGeom>
+        </p:spPr>
+      </p:pic>
+      <p:cxnSp>
+        <p:nvCxnSpPr>
+          <p:cNvPr id="6" name="Straight Connector 5"/>
+          <p:cNvCxnSpPr/>
+          <p:nvPr/>
+        </p:nvCxnSpPr>
+        <p:spPr>
+          <a:xfrm flipH="1">
+            <a:off x="0" y="6311900"/>
+            <a:ext cx="12192000" cy="0"/>
+          </a:xfrm>
+          <a:prstGeom prst="line">
+            <a:avLst/>
+          </a:prstGeom>
+        </p:spPr>
+        <p:style>
+          <a:lnRef idx="1">
+            <a:schemeClr val="dk1"/>
+          </a:lnRef>
+          <a:fillRef idx="0">
+            <a:schemeClr val="dk1"/>
+          </a:fillRef>
+          <a:effectRef idx="0">
+            <a:schemeClr val="dk1"/>
+          </a:effectRef>
+          <a:fontRef idx="minor">
+            <a:schemeClr val="tx1"/>
+          </a:fontRef>
+        </p:style>
+      </p:cxnSp>
+      <p:pic>
+        <p:nvPicPr>
+          <p:cNvPr id="7" name="Picture 6"/>
+          <p:cNvPicPr>
+            <a:picLocks noChangeAspect="1"/>
+          </p:cNvPicPr>
+          <p:nvPr/>
+        </p:nvPicPr>
+        <p:blipFill>
+          <a:blip r:embed="rId3">
+            <a:extLst>
+              <a:ext uri="{28A0092B-C50C-407E-A947-70E740481C1C}">
+                <a14:useLocalDpi xmlns:a14="http://schemas.microsoft.com/office/drawing/2010/main" val="0"/>
+              </a:ext>
+            </a:extLst>
+          </a:blip>
+          <a:stretch>
+            <a:fillRect/>
+          </a:stretch>
+        </p:blipFill>
+        <p:spPr>
+          <a:xfrm>
+            <a:off x="133350" y="6349462"/>
+            <a:ext cx="1248229" cy="508538"/>
+          </a:xfrm>
+          <a:prstGeom prst="rect">
+            <a:avLst/>
+          </a:prstGeom>
+        </p:spPr>
+      </p:pic>
+      <p:sp>
+        <p:nvSpPr>
+          <p:cNvPr id="8" name="TextBox 7"/>
+          <p:cNvSpPr txBox="1"/>
+          <p:nvPr/>
+        </p:nvSpPr>
+        <p:spPr>
+          <a:xfrm>
+            <a:off x="4298950" y="6388100"/>
+            <a:ext cx="3594100" cy="369332"/>
+          </a:xfrm>
+          <a:prstGeom prst="rect">
+            <a:avLst/>
+          </a:prstGeom>
+          <a:noFill/>
+        </p:spPr>
+        <p:txBody>
+          <a:bodyPr wrap="square" rtlCol="0">
+            <a:spAutoFit/>
+          </a:bodyPr>
+          <a:lstStyle/>
+          <a:p>
+            <a:r>
+              <a:rPr lang="en-US" dirty="0"/>
+              <a:t>Hermes2D – Lukas Korous</a:t>
+            </a:r>
+          </a:p>
+        </p:txBody>
+      </p:sp>
+      <p:pic>
+        <p:nvPicPr>
+          <p:cNvPr id="9" name="Picture 8"/>
+          <p:cNvPicPr>
+            <a:picLocks noChangeAspect="1"/>
+          </p:cNvPicPr>
+          <p:nvPr/>
+        </p:nvPicPr>
+        <p:blipFill>
+          <a:blip r:embed="rId4">
+            <a:extLst>
+              <a:ext uri="{28A0092B-C50C-407E-A947-70E740481C1C}">
+                <a14:useLocalDpi xmlns:a14="http://schemas.microsoft.com/office/drawing/2010/main" val="0"/>
+              </a:ext>
+            </a:extLst>
+          </a:blip>
+          <a:stretch>
+            <a:fillRect/>
+          </a:stretch>
+        </p:blipFill>
+        <p:spPr>
+          <a:xfrm>
+            <a:off x="6373257" y="1865562"/>
+            <a:ext cx="4386183" cy="3508946"/>
+          </a:xfrm>
+          <a:prstGeom prst="rect">
+            <a:avLst/>
+          </a:prstGeom>
+        </p:spPr>
+      </p:pic>
+      <p:pic>
+        <p:nvPicPr>
+          <p:cNvPr id="10" name="Picture 9"/>
+          <p:cNvPicPr>
+            <a:picLocks noChangeAspect="1"/>
+          </p:cNvPicPr>
+          <p:nvPr/>
+        </p:nvPicPr>
+        <p:blipFill>
+          <a:blip r:embed="rId5">
+            <a:extLst>
+              <a:ext uri="{28A0092B-C50C-407E-A947-70E740481C1C}">
+                <a14:useLocalDpi xmlns:a14="http://schemas.microsoft.com/office/drawing/2010/main" val="0"/>
+              </a:ext>
+            </a:extLst>
+          </a:blip>
+          <a:stretch>
+            <a:fillRect/>
+          </a:stretch>
+        </p:blipFill>
+        <p:spPr>
+          <a:xfrm>
+            <a:off x="1123077" y="1865562"/>
+            <a:ext cx="4393802" cy="3515041"/>
+          </a:xfrm>
+          <a:prstGeom prst="rect">
+            <a:avLst/>
+          </a:prstGeom>
+        </p:spPr>
+      </p:pic>
+      <p:sp>
+        <p:nvSpPr>
+          <p:cNvPr id="11" name="TextBox 10"/>
+          <p:cNvSpPr txBox="1"/>
+          <p:nvPr/>
+        </p:nvSpPr>
+        <p:spPr>
+          <a:xfrm>
+            <a:off x="3962400" y="1165860"/>
+            <a:ext cx="4267200" cy="369332"/>
+          </a:xfrm>
+          <a:prstGeom prst="rect">
+            <a:avLst/>
+          </a:prstGeom>
+          <a:noFill/>
+        </p:spPr>
+        <p:txBody>
+          <a:bodyPr wrap="square" rtlCol="0">
+            <a:spAutoFit/>
+          </a:bodyPr>
+          <a:lstStyle/>
+          <a:p>
+            <a:pPr algn="ctr"/>
+            <a:r>
+              <a:rPr lang="en-US" dirty="0"/>
+              <a:t>u (left), v(right), t = 5.1e-1s</a:t>
+            </a:r>
+          </a:p>
+        </p:txBody>
+      </p:sp>
+    </p:spTree>
+    <p:extLst>
+      <p:ext uri="{BB962C8B-B14F-4D97-AF65-F5344CB8AC3E}">
+        <p14:creationId xmlns:p14="http://schemas.microsoft.com/office/powerpoint/2010/main" val="400133505"/>
+      </p:ext>
+    </p:extLst>
+  </p:cSld>
+  <p:clrMapOvr>
+    <a:masterClrMapping/>
+  </p:clrMapOvr>
+</p:sld>
+</file>
+
+<file path=ppt/slides/slide27.xml><?xml version="1.0" encoding="utf-8"?>
+<p:sld xmlns:a="http://schemas.openxmlformats.org/drawingml/2006/main" xmlns:r="http://schemas.openxmlformats.org/officeDocument/2006/relationships" xmlns:p="http://schemas.openxmlformats.org/presentationml/2006/main">
+  <p:cSld>
+    <p:spTree>
+      <p:nvGrpSpPr>
+        <p:cNvPr id="1" name=""/>
+        <p:cNvGrpSpPr/>
+        <p:nvPr/>
+      </p:nvGrpSpPr>
+      <p:grpSpPr>
+        <a:xfrm>
+          <a:off x="0" y="0"/>
+          <a:ext cx="0" cy="0"/>
+          <a:chOff x="0" y="0"/>
+          <a:chExt cx="0" cy="0"/>
+        </a:xfrm>
+      </p:grpSpPr>
+      <p:sp>
+        <p:nvSpPr>
+          <p:cNvPr id="2" name="Title 1"/>
+          <p:cNvSpPr>
+            <a:spLocks noGrp="1"/>
+          </p:cNvSpPr>
+          <p:nvPr>
+            <p:ph type="title"/>
+          </p:nvPr>
+        </p:nvSpPr>
+        <p:spPr>
+          <a:xfrm>
+            <a:off x="231775" y="266701"/>
+            <a:ext cx="11728450" cy="548640"/>
+          </a:xfrm>
+        </p:spPr>
+        <p:txBody>
+          <a:bodyPr>
+            <a:normAutofit/>
+          </a:bodyPr>
+          <a:lstStyle/>
+          <a:p>
+            <a:r>
+              <a:rPr lang="en-US" sz="2800" dirty="0"/>
+              <a:t>Example &gt; Wave Equation</a:t>
+            </a:r>
+          </a:p>
+        </p:txBody>
+      </p:sp>
+      <p:pic>
+        <p:nvPicPr>
+          <p:cNvPr id="5" name="Picture 4"/>
+          <p:cNvPicPr>
+            <a:picLocks noChangeAspect="1"/>
+          </p:cNvPicPr>
+          <p:nvPr/>
+        </p:nvPicPr>
+        <p:blipFill>
+          <a:blip r:embed="rId2">
+            <a:extLst>
+              <a:ext uri="{28A0092B-C50C-407E-A947-70E740481C1C}">
+                <a14:useLocalDpi xmlns:a14="http://schemas.microsoft.com/office/drawing/2010/main" val="0"/>
+              </a:ext>
+            </a:extLst>
+          </a:blip>
+          <a:stretch>
+            <a:fillRect/>
+          </a:stretch>
+        </p:blipFill>
+        <p:spPr>
+          <a:xfrm>
+            <a:off x="9607550" y="6311900"/>
+            <a:ext cx="2584450" cy="544722"/>
+          </a:xfrm>
+          <a:prstGeom prst="rect">
+            <a:avLst/>
+          </a:prstGeom>
+        </p:spPr>
+      </p:pic>
+      <p:cxnSp>
+        <p:nvCxnSpPr>
+          <p:cNvPr id="6" name="Straight Connector 5"/>
+          <p:cNvCxnSpPr/>
+          <p:nvPr/>
+        </p:nvCxnSpPr>
+        <p:spPr>
+          <a:xfrm flipH="1">
+            <a:off x="0" y="6311900"/>
+            <a:ext cx="12192000" cy="0"/>
+          </a:xfrm>
+          <a:prstGeom prst="line">
+            <a:avLst/>
+          </a:prstGeom>
+        </p:spPr>
+        <p:style>
+          <a:lnRef idx="1">
+            <a:schemeClr val="dk1"/>
+          </a:lnRef>
+          <a:fillRef idx="0">
+            <a:schemeClr val="dk1"/>
+          </a:fillRef>
+          <a:effectRef idx="0">
+            <a:schemeClr val="dk1"/>
+          </a:effectRef>
+          <a:fontRef idx="minor">
+            <a:schemeClr val="tx1"/>
+          </a:fontRef>
+        </p:style>
+      </p:cxnSp>
+      <p:pic>
+        <p:nvPicPr>
+          <p:cNvPr id="7" name="Picture 6"/>
+          <p:cNvPicPr>
+            <a:picLocks noChangeAspect="1"/>
+          </p:cNvPicPr>
+          <p:nvPr/>
+        </p:nvPicPr>
+        <p:blipFill>
+          <a:blip r:embed="rId3">
+            <a:extLst>
+              <a:ext uri="{28A0092B-C50C-407E-A947-70E740481C1C}">
+                <a14:useLocalDpi xmlns:a14="http://schemas.microsoft.com/office/drawing/2010/main" val="0"/>
+              </a:ext>
+            </a:extLst>
+          </a:blip>
+          <a:stretch>
+            <a:fillRect/>
+          </a:stretch>
+        </p:blipFill>
+        <p:spPr>
+          <a:xfrm>
+            <a:off x="133350" y="6349462"/>
+            <a:ext cx="1248229" cy="508538"/>
+          </a:xfrm>
+          <a:prstGeom prst="rect">
+            <a:avLst/>
+          </a:prstGeom>
+        </p:spPr>
+      </p:pic>
+      <p:sp>
+        <p:nvSpPr>
+          <p:cNvPr id="8" name="TextBox 7"/>
+          <p:cNvSpPr txBox="1"/>
+          <p:nvPr/>
+        </p:nvSpPr>
+        <p:spPr>
+          <a:xfrm>
+            <a:off x="4298950" y="6388100"/>
+            <a:ext cx="3594100" cy="369332"/>
+          </a:xfrm>
+          <a:prstGeom prst="rect">
+            <a:avLst/>
+          </a:prstGeom>
+          <a:noFill/>
+        </p:spPr>
+        <p:txBody>
+          <a:bodyPr wrap="square" rtlCol="0">
+            <a:spAutoFit/>
+          </a:bodyPr>
+          <a:lstStyle/>
+          <a:p>
+            <a:r>
+              <a:rPr lang="en-US" dirty="0"/>
+              <a:t>Hermes2D – Lukas Korous</a:t>
+            </a:r>
+          </a:p>
+        </p:txBody>
+      </p:sp>
+      <p:pic>
+        <p:nvPicPr>
+          <p:cNvPr id="9" name="Picture 8"/>
+          <p:cNvPicPr>
+            <a:picLocks noChangeAspect="1"/>
+          </p:cNvPicPr>
+          <p:nvPr/>
+        </p:nvPicPr>
+        <p:blipFill>
+          <a:blip r:embed="rId4">
+            <a:extLst>
+              <a:ext uri="{28A0092B-C50C-407E-A947-70E740481C1C}">
+                <a14:useLocalDpi xmlns:a14="http://schemas.microsoft.com/office/drawing/2010/main" val="0"/>
+              </a:ext>
+            </a:extLst>
+          </a:blip>
+          <a:stretch>
+            <a:fillRect/>
+          </a:stretch>
+        </p:blipFill>
+        <p:spPr>
+          <a:xfrm>
+            <a:off x="6373257" y="1865562"/>
+            <a:ext cx="4386183" cy="3508946"/>
+          </a:xfrm>
+          <a:prstGeom prst="rect">
+            <a:avLst/>
+          </a:prstGeom>
+        </p:spPr>
+      </p:pic>
+      <p:pic>
+        <p:nvPicPr>
+          <p:cNvPr id="10" name="Picture 9"/>
+          <p:cNvPicPr>
+            <a:picLocks noChangeAspect="1"/>
+          </p:cNvPicPr>
+          <p:nvPr/>
+        </p:nvPicPr>
+        <p:blipFill>
+          <a:blip r:embed="rId5">
+            <a:extLst>
+              <a:ext uri="{28A0092B-C50C-407E-A947-70E740481C1C}">
+                <a14:useLocalDpi xmlns:a14="http://schemas.microsoft.com/office/drawing/2010/main" val="0"/>
+              </a:ext>
+            </a:extLst>
+          </a:blip>
+          <a:stretch>
+            <a:fillRect/>
+          </a:stretch>
+        </p:blipFill>
+        <p:spPr>
+          <a:xfrm>
+            <a:off x="1123077" y="1865562"/>
+            <a:ext cx="4393802" cy="3515041"/>
+          </a:xfrm>
+          <a:prstGeom prst="rect">
+            <a:avLst/>
+          </a:prstGeom>
+        </p:spPr>
+      </p:pic>
+      <p:sp>
+        <p:nvSpPr>
+          <p:cNvPr id="11" name="TextBox 10"/>
+          <p:cNvSpPr txBox="1"/>
+          <p:nvPr/>
+        </p:nvSpPr>
+        <p:spPr>
+          <a:xfrm>
+            <a:off x="3962400" y="1165860"/>
+            <a:ext cx="4267200" cy="369332"/>
+          </a:xfrm>
+          <a:prstGeom prst="rect">
+            <a:avLst/>
+          </a:prstGeom>
+          <a:noFill/>
+        </p:spPr>
+        <p:txBody>
+          <a:bodyPr wrap="square" rtlCol="0">
+            <a:spAutoFit/>
+          </a:bodyPr>
+          <a:lstStyle/>
+          <a:p>
+            <a:pPr algn="ctr"/>
+            <a:r>
+              <a:rPr lang="en-US" dirty="0"/>
+              <a:t>u (left), v(right), t = 1.01s</a:t>
+            </a:r>
+          </a:p>
+        </p:txBody>
+      </p:sp>
+    </p:spTree>
+    <p:extLst>
+      <p:ext uri="{BB962C8B-B14F-4D97-AF65-F5344CB8AC3E}">
+        <p14:creationId xmlns:p14="http://schemas.microsoft.com/office/powerpoint/2010/main" val="2812093824"/>
+      </p:ext>
+    </p:extLst>
+  </p:cSld>
+  <p:clrMapOvr>
+    <a:masterClrMapping/>
+  </p:clrMapOvr>
+</p:sld>
+</file>
+
+<file path=ppt/slides/slide28.xml><?xml version="1.0" encoding="utf-8"?>
+<p:sld xmlns:a="http://schemas.openxmlformats.org/drawingml/2006/main" xmlns:r="http://schemas.openxmlformats.org/officeDocument/2006/relationships" xmlns:p="http://schemas.openxmlformats.org/presentationml/2006/main">
+  <p:cSld>
+    <p:spTree>
+      <p:nvGrpSpPr>
+        <p:cNvPr id="1" name=""/>
+        <p:cNvGrpSpPr/>
+        <p:nvPr/>
+      </p:nvGrpSpPr>
+      <p:grpSpPr>
+        <a:xfrm>
+          <a:off x="0" y="0"/>
+          <a:ext cx="0" cy="0"/>
+          <a:chOff x="0" y="0"/>
+          <a:chExt cx="0" cy="0"/>
+        </a:xfrm>
+      </p:grpSpPr>
+      <p:sp>
+        <p:nvSpPr>
+          <p:cNvPr id="2" name="Title 1"/>
+          <p:cNvSpPr>
+            <a:spLocks noGrp="1"/>
+          </p:cNvSpPr>
+          <p:nvPr>
+            <p:ph type="title"/>
+          </p:nvPr>
+        </p:nvSpPr>
+        <p:spPr>
+          <a:xfrm>
+            <a:off x="231775" y="266701"/>
+            <a:ext cx="11728450" cy="548640"/>
+          </a:xfrm>
+        </p:spPr>
+        <p:txBody>
+          <a:bodyPr>
+            <a:normAutofit/>
+          </a:bodyPr>
+          <a:lstStyle/>
+          <a:p>
+            <a:r>
+              <a:rPr lang="en-US" sz="2800" dirty="0"/>
+              <a:t>Example &gt; Wave Equation</a:t>
+            </a:r>
+          </a:p>
+        </p:txBody>
+      </p:sp>
+      <p:pic>
+        <p:nvPicPr>
+          <p:cNvPr id="5" name="Picture 4"/>
+          <p:cNvPicPr>
+            <a:picLocks noChangeAspect="1"/>
+          </p:cNvPicPr>
+          <p:nvPr/>
+        </p:nvPicPr>
+        <p:blipFill>
+          <a:blip r:embed="rId2">
+            <a:extLst>
+              <a:ext uri="{28A0092B-C50C-407E-A947-70E740481C1C}">
+                <a14:useLocalDpi xmlns:a14="http://schemas.microsoft.com/office/drawing/2010/main" val="0"/>
+              </a:ext>
+            </a:extLst>
+          </a:blip>
+          <a:stretch>
+            <a:fillRect/>
+          </a:stretch>
+        </p:blipFill>
+        <p:spPr>
+          <a:xfrm>
+            <a:off x="9607550" y="6311900"/>
+            <a:ext cx="2584450" cy="544722"/>
+          </a:xfrm>
+          <a:prstGeom prst="rect">
+            <a:avLst/>
+          </a:prstGeom>
+        </p:spPr>
+      </p:pic>
+      <p:cxnSp>
+        <p:nvCxnSpPr>
+          <p:cNvPr id="6" name="Straight Connector 5"/>
+          <p:cNvCxnSpPr/>
+          <p:nvPr/>
+        </p:nvCxnSpPr>
+        <p:spPr>
+          <a:xfrm flipH="1">
+            <a:off x="0" y="6311900"/>
+            <a:ext cx="12192000" cy="0"/>
+          </a:xfrm>
+          <a:prstGeom prst="line">
+            <a:avLst/>
+          </a:prstGeom>
+        </p:spPr>
+        <p:style>
+          <a:lnRef idx="1">
+            <a:schemeClr val="dk1"/>
+          </a:lnRef>
+          <a:fillRef idx="0">
+            <a:schemeClr val="dk1"/>
+          </a:fillRef>
+          <a:effectRef idx="0">
+            <a:schemeClr val="dk1"/>
+          </a:effectRef>
+          <a:fontRef idx="minor">
+            <a:schemeClr val="tx1"/>
+          </a:fontRef>
+        </p:style>
+      </p:cxnSp>
+      <p:pic>
+        <p:nvPicPr>
+          <p:cNvPr id="7" name="Picture 6"/>
+          <p:cNvPicPr>
+            <a:picLocks noChangeAspect="1"/>
+          </p:cNvPicPr>
+          <p:nvPr/>
+        </p:nvPicPr>
+        <p:blipFill>
+          <a:blip r:embed="rId3">
+            <a:extLst>
+              <a:ext uri="{28A0092B-C50C-407E-A947-70E740481C1C}">
+                <a14:useLocalDpi xmlns:a14="http://schemas.microsoft.com/office/drawing/2010/main" val="0"/>
+              </a:ext>
+            </a:extLst>
+          </a:blip>
+          <a:stretch>
+            <a:fillRect/>
+          </a:stretch>
+        </p:blipFill>
+        <p:spPr>
+          <a:xfrm>
+            <a:off x="133350" y="6349462"/>
+            <a:ext cx="1248229" cy="508538"/>
+          </a:xfrm>
+          <a:prstGeom prst="rect">
+            <a:avLst/>
+          </a:prstGeom>
+        </p:spPr>
+      </p:pic>
+      <p:sp>
+        <p:nvSpPr>
+          <p:cNvPr id="8" name="TextBox 7"/>
+          <p:cNvSpPr txBox="1"/>
+          <p:nvPr/>
+        </p:nvSpPr>
+        <p:spPr>
+          <a:xfrm>
+            <a:off x="4298950" y="6388100"/>
+            <a:ext cx="3594100" cy="369332"/>
+          </a:xfrm>
+          <a:prstGeom prst="rect">
+            <a:avLst/>
+          </a:prstGeom>
+          <a:noFill/>
+        </p:spPr>
+        <p:txBody>
+          <a:bodyPr wrap="square" rtlCol="0">
+            <a:spAutoFit/>
+          </a:bodyPr>
+          <a:lstStyle/>
+          <a:p>
+            <a:r>
+              <a:rPr lang="en-US" dirty="0"/>
+              <a:t>Hermes2D – Lukas Korous</a:t>
+            </a:r>
+          </a:p>
+        </p:txBody>
+      </p:sp>
+      <p:pic>
+        <p:nvPicPr>
+          <p:cNvPr id="9" name="Picture 8"/>
+          <p:cNvPicPr>
+            <a:picLocks noChangeAspect="1"/>
+          </p:cNvPicPr>
+          <p:nvPr/>
+        </p:nvPicPr>
+        <p:blipFill>
+          <a:blip r:embed="rId4">
+            <a:extLst>
+              <a:ext uri="{28A0092B-C50C-407E-A947-70E740481C1C}">
+                <a14:useLocalDpi xmlns:a14="http://schemas.microsoft.com/office/drawing/2010/main" val="0"/>
+              </a:ext>
+            </a:extLst>
+          </a:blip>
+          <a:stretch>
+            <a:fillRect/>
+          </a:stretch>
+        </p:blipFill>
+        <p:spPr>
+          <a:xfrm>
+            <a:off x="6373257" y="1865562"/>
+            <a:ext cx="4386183" cy="3508946"/>
+          </a:xfrm>
+          <a:prstGeom prst="rect">
+            <a:avLst/>
+          </a:prstGeom>
+        </p:spPr>
+      </p:pic>
+      <p:pic>
+        <p:nvPicPr>
+          <p:cNvPr id="10" name="Picture 9"/>
+          <p:cNvPicPr>
+            <a:picLocks noChangeAspect="1"/>
+          </p:cNvPicPr>
+          <p:nvPr/>
+        </p:nvPicPr>
+        <p:blipFill>
+          <a:blip r:embed="rId5">
+            <a:extLst>
+              <a:ext uri="{28A0092B-C50C-407E-A947-70E740481C1C}">
+                <a14:useLocalDpi xmlns:a14="http://schemas.microsoft.com/office/drawing/2010/main" val="0"/>
+              </a:ext>
+            </a:extLst>
+          </a:blip>
+          <a:stretch>
+            <a:fillRect/>
+          </a:stretch>
+        </p:blipFill>
+        <p:spPr>
+          <a:xfrm>
+            <a:off x="1123077" y="1865562"/>
+            <a:ext cx="4393802" cy="3515041"/>
+          </a:xfrm>
+          <a:prstGeom prst="rect">
+            <a:avLst/>
+          </a:prstGeom>
+        </p:spPr>
+      </p:pic>
+      <p:sp>
+        <p:nvSpPr>
+          <p:cNvPr id="11" name="TextBox 10"/>
+          <p:cNvSpPr txBox="1"/>
+          <p:nvPr/>
+        </p:nvSpPr>
+        <p:spPr>
+          <a:xfrm>
+            <a:off x="3962400" y="1165860"/>
+            <a:ext cx="4267200" cy="369332"/>
+          </a:xfrm>
+          <a:prstGeom prst="rect">
+            <a:avLst/>
+          </a:prstGeom>
+          <a:noFill/>
+        </p:spPr>
+        <p:txBody>
+          <a:bodyPr wrap="square" rtlCol="0">
+            <a:spAutoFit/>
+          </a:bodyPr>
+          <a:lstStyle/>
+          <a:p>
+            <a:pPr algn="ctr"/>
+            <a:r>
+              <a:rPr lang="en-US" dirty="0"/>
+              <a:t>u (left), v(right), t = 1.51s</a:t>
+            </a:r>
+          </a:p>
+        </p:txBody>
+      </p:sp>
+    </p:spTree>
+    <p:extLst>
+      <p:ext uri="{BB962C8B-B14F-4D97-AF65-F5344CB8AC3E}">
+        <p14:creationId xmlns:p14="http://schemas.microsoft.com/office/powerpoint/2010/main" val="4002217270"/>
+      </p:ext>
+    </p:extLst>
+  </p:cSld>
+  <p:clrMapOvr>
+    <a:masterClrMapping/>
+  </p:clrMapOvr>
+</p:sld>
+</file>
+
+<file path=ppt/slides/slide29.xml><?xml version="1.0" encoding="utf-8"?>
+<p:sld xmlns:a="http://schemas.openxmlformats.org/drawingml/2006/main" xmlns:r="http://schemas.openxmlformats.org/officeDocument/2006/relationships" xmlns:p="http://schemas.openxmlformats.org/presentationml/2006/main">
+  <p:cSld>
+    <p:spTree>
+      <p:nvGrpSpPr>
+        <p:cNvPr id="1" name=""/>
+        <p:cNvGrpSpPr/>
+        <p:nvPr/>
+      </p:nvGrpSpPr>
+      <p:grpSpPr>
+        <a:xfrm>
+          <a:off x="0" y="0"/>
+          <a:ext cx="0" cy="0"/>
+          <a:chOff x="0" y="0"/>
+          <a:chExt cx="0" cy="0"/>
+        </a:xfrm>
+      </p:grpSpPr>
+      <p:sp>
+        <p:nvSpPr>
+          <p:cNvPr id="2" name="Title 1"/>
+          <p:cNvSpPr>
+            <a:spLocks noGrp="1"/>
+          </p:cNvSpPr>
+          <p:nvPr>
+            <p:ph type="title"/>
+          </p:nvPr>
+        </p:nvSpPr>
+        <p:spPr>
+          <a:xfrm>
+            <a:off x="231775" y="266701"/>
+            <a:ext cx="11728450" cy="548640"/>
+          </a:xfrm>
+        </p:spPr>
+        <p:txBody>
+          <a:bodyPr>
+            <a:normAutofit/>
+          </a:bodyPr>
+          <a:lstStyle/>
+          <a:p>
+            <a:r>
+              <a:rPr lang="en-US" sz="2800" dirty="0"/>
+              <a:t>Example &gt; Wave Equation</a:t>
+            </a:r>
+          </a:p>
+        </p:txBody>
+      </p:sp>
+      <p:pic>
+        <p:nvPicPr>
+          <p:cNvPr id="5" name="Picture 4"/>
+          <p:cNvPicPr>
+            <a:picLocks noChangeAspect="1"/>
+          </p:cNvPicPr>
+          <p:nvPr/>
+        </p:nvPicPr>
+        <p:blipFill>
+          <a:blip r:embed="rId2">
+            <a:extLst>
+              <a:ext uri="{28A0092B-C50C-407E-A947-70E740481C1C}">
+                <a14:useLocalDpi xmlns:a14="http://schemas.microsoft.com/office/drawing/2010/main" val="0"/>
+              </a:ext>
+            </a:extLst>
+          </a:blip>
+          <a:stretch>
+            <a:fillRect/>
+          </a:stretch>
+        </p:blipFill>
+        <p:spPr>
+          <a:xfrm>
+            <a:off x="9607550" y="6311900"/>
+            <a:ext cx="2584450" cy="544722"/>
+          </a:xfrm>
+          <a:prstGeom prst="rect">
+            <a:avLst/>
+          </a:prstGeom>
+        </p:spPr>
+      </p:pic>
+      <p:cxnSp>
+        <p:nvCxnSpPr>
+          <p:cNvPr id="6" name="Straight Connector 5"/>
+          <p:cNvCxnSpPr/>
+          <p:nvPr/>
+        </p:nvCxnSpPr>
+        <p:spPr>
+          <a:xfrm flipH="1">
+            <a:off x="0" y="6311900"/>
+            <a:ext cx="12192000" cy="0"/>
+          </a:xfrm>
+          <a:prstGeom prst="line">
+            <a:avLst/>
+          </a:prstGeom>
+        </p:spPr>
+        <p:style>
+          <a:lnRef idx="1">
+            <a:schemeClr val="dk1"/>
+          </a:lnRef>
+          <a:fillRef idx="0">
+            <a:schemeClr val="dk1"/>
+          </a:fillRef>
+          <a:effectRef idx="0">
+            <a:schemeClr val="dk1"/>
+          </a:effectRef>
+          <a:fontRef idx="minor">
+            <a:schemeClr val="tx1"/>
+          </a:fontRef>
+        </p:style>
+      </p:cxnSp>
+      <p:pic>
+        <p:nvPicPr>
+          <p:cNvPr id="7" name="Picture 6"/>
+          <p:cNvPicPr>
+            <a:picLocks noChangeAspect="1"/>
+          </p:cNvPicPr>
+          <p:nvPr/>
+        </p:nvPicPr>
+        <p:blipFill>
+          <a:blip r:embed="rId3">
+            <a:extLst>
+              <a:ext uri="{28A0092B-C50C-407E-A947-70E740481C1C}">
+                <a14:useLocalDpi xmlns:a14="http://schemas.microsoft.com/office/drawing/2010/main" val="0"/>
+              </a:ext>
+            </a:extLst>
+          </a:blip>
+          <a:stretch>
+            <a:fillRect/>
+          </a:stretch>
+        </p:blipFill>
+        <p:spPr>
+          <a:xfrm>
+            <a:off x="133350" y="6349462"/>
+            <a:ext cx="1248229" cy="508538"/>
+          </a:xfrm>
+          <a:prstGeom prst="rect">
+            <a:avLst/>
+          </a:prstGeom>
+        </p:spPr>
+      </p:pic>
+      <p:sp>
+        <p:nvSpPr>
+          <p:cNvPr id="8" name="TextBox 7"/>
+          <p:cNvSpPr txBox="1"/>
+          <p:nvPr/>
+        </p:nvSpPr>
+        <p:spPr>
+          <a:xfrm>
+            <a:off x="4298950" y="6388100"/>
+            <a:ext cx="3594100" cy="369332"/>
+          </a:xfrm>
+          <a:prstGeom prst="rect">
+            <a:avLst/>
+          </a:prstGeom>
+          <a:noFill/>
+        </p:spPr>
+        <p:txBody>
+          <a:bodyPr wrap="square" rtlCol="0">
+            <a:spAutoFit/>
+          </a:bodyPr>
+          <a:lstStyle/>
+          <a:p>
+            <a:r>
+              <a:rPr lang="en-US" dirty="0"/>
+              <a:t>Hermes2D – Lukas Korous</a:t>
+            </a:r>
+          </a:p>
+        </p:txBody>
+      </p:sp>
+      <p:pic>
+        <p:nvPicPr>
+          <p:cNvPr id="9" name="Picture 8"/>
+          <p:cNvPicPr>
+            <a:picLocks noChangeAspect="1"/>
+          </p:cNvPicPr>
+          <p:nvPr/>
+        </p:nvPicPr>
+        <p:blipFill>
+          <a:blip r:embed="rId4">
+            <a:extLst>
+              <a:ext uri="{28A0092B-C50C-407E-A947-70E740481C1C}">
+                <a14:useLocalDpi xmlns:a14="http://schemas.microsoft.com/office/drawing/2010/main" val="0"/>
+              </a:ext>
+            </a:extLst>
+          </a:blip>
+          <a:stretch>
+            <a:fillRect/>
+          </a:stretch>
+        </p:blipFill>
+        <p:spPr>
+          <a:xfrm>
+            <a:off x="6373257" y="1865562"/>
+            <a:ext cx="4386183" cy="3508946"/>
+          </a:xfrm>
+          <a:prstGeom prst="rect">
+            <a:avLst/>
+          </a:prstGeom>
+        </p:spPr>
+      </p:pic>
+      <p:pic>
+        <p:nvPicPr>
+          <p:cNvPr id="10" name="Picture 9"/>
+          <p:cNvPicPr>
+            <a:picLocks noChangeAspect="1"/>
+          </p:cNvPicPr>
+          <p:nvPr/>
+        </p:nvPicPr>
+        <p:blipFill>
+          <a:blip r:embed="rId5">
+            <a:extLst>
+              <a:ext uri="{28A0092B-C50C-407E-A947-70E740481C1C}">
+                <a14:useLocalDpi xmlns:a14="http://schemas.microsoft.com/office/drawing/2010/main" val="0"/>
+              </a:ext>
+            </a:extLst>
+          </a:blip>
+          <a:stretch>
+            <a:fillRect/>
+          </a:stretch>
+        </p:blipFill>
+        <p:spPr>
+          <a:xfrm>
+            <a:off x="1123077" y="1865562"/>
+            <a:ext cx="4393802" cy="3515041"/>
+          </a:xfrm>
+          <a:prstGeom prst="rect">
+            <a:avLst/>
+          </a:prstGeom>
+        </p:spPr>
+      </p:pic>
+      <p:sp>
+        <p:nvSpPr>
+          <p:cNvPr id="11" name="TextBox 10"/>
+          <p:cNvSpPr txBox="1"/>
+          <p:nvPr/>
+        </p:nvSpPr>
+        <p:spPr>
+          <a:xfrm>
+            <a:off x="3962400" y="1165860"/>
+            <a:ext cx="4267200" cy="369332"/>
+          </a:xfrm>
+          <a:prstGeom prst="rect">
+            <a:avLst/>
+          </a:prstGeom>
+          <a:noFill/>
+        </p:spPr>
+        <p:txBody>
+          <a:bodyPr wrap="square" rtlCol="0">
+            <a:spAutoFit/>
+          </a:bodyPr>
+          <a:lstStyle/>
+          <a:p>
+            <a:pPr algn="ctr"/>
+            <a:r>
+              <a:rPr lang="en-US" dirty="0"/>
+              <a:t>u (left), v(right), t = 2.01s</a:t>
+            </a:r>
+          </a:p>
+        </p:txBody>
+      </p:sp>
+    </p:spTree>
+    <p:extLst>
+      <p:ext uri="{BB962C8B-B14F-4D97-AF65-F5344CB8AC3E}">
+        <p14:creationId xmlns:p14="http://schemas.microsoft.com/office/powerpoint/2010/main" val="2780437204"/>
       </p:ext>
     </p:extLst>
   </p:cSld>
@@ -16879,6 +19171,4910 @@
     <p:extLst>
       <p:ext uri="{BB962C8B-B14F-4D97-AF65-F5344CB8AC3E}">
         <p14:creationId xmlns:p14="http://schemas.microsoft.com/office/powerpoint/2010/main" val="1528208725"/>
+      </p:ext>
+    </p:extLst>
+  </p:cSld>
+  <p:clrMapOvr>
+    <a:masterClrMapping/>
+  </p:clrMapOvr>
+</p:sld>
+</file>
+
+<file path=ppt/slides/slide30.xml><?xml version="1.0" encoding="utf-8"?>
+<p:sld xmlns:a="http://schemas.openxmlformats.org/drawingml/2006/main" xmlns:r="http://schemas.openxmlformats.org/officeDocument/2006/relationships" xmlns:p="http://schemas.openxmlformats.org/presentationml/2006/main">
+  <p:cSld>
+    <p:spTree>
+      <p:nvGrpSpPr>
+        <p:cNvPr id="1" name=""/>
+        <p:cNvGrpSpPr/>
+        <p:nvPr/>
+      </p:nvGrpSpPr>
+      <p:grpSpPr>
+        <a:xfrm>
+          <a:off x="0" y="0"/>
+          <a:ext cx="0" cy="0"/>
+          <a:chOff x="0" y="0"/>
+          <a:chExt cx="0" cy="0"/>
+        </a:xfrm>
+      </p:grpSpPr>
+      <p:sp>
+        <p:nvSpPr>
+          <p:cNvPr id="2" name="Title 1"/>
+          <p:cNvSpPr>
+            <a:spLocks noGrp="1"/>
+          </p:cNvSpPr>
+          <p:nvPr>
+            <p:ph type="title"/>
+          </p:nvPr>
+        </p:nvSpPr>
+        <p:spPr>
+          <a:xfrm>
+            <a:off x="231775" y="266701"/>
+            <a:ext cx="11728450" cy="548640"/>
+          </a:xfrm>
+        </p:spPr>
+        <p:txBody>
+          <a:bodyPr>
+            <a:normAutofit/>
+          </a:bodyPr>
+          <a:lstStyle/>
+          <a:p>
+            <a:r>
+              <a:rPr lang="en-US" sz="2800" dirty="0"/>
+              <a:t>Example &gt; Wave Equation</a:t>
+            </a:r>
+          </a:p>
+        </p:txBody>
+      </p:sp>
+      <p:sp>
+        <p:nvSpPr>
+          <p:cNvPr id="3" name="Content Placeholder 2"/>
+          <p:cNvSpPr>
+            <a:spLocks noGrp="1"/>
+          </p:cNvSpPr>
+          <p:nvPr>
+            <p:ph idx="1"/>
+          </p:nvPr>
+        </p:nvSpPr>
+        <p:spPr>
+          <a:xfrm>
+            <a:off x="431799" y="1054100"/>
+            <a:ext cx="11528425" cy="5084763"/>
+          </a:xfrm>
+        </p:spPr>
+        <p:txBody>
+          <a:bodyPr>
+            <a:normAutofit/>
+          </a:bodyPr>
+          <a:lstStyle/>
+          <a:p>
+            <a:pPr marL="0" indent="0">
+              <a:buNone/>
+            </a:pPr>
+            <a:r>
+              <a:rPr lang="en-US" sz="1800" dirty="0"/>
+              <a:t>Time-</a:t>
+            </a:r>
+            <a:r>
+              <a:rPr lang="en-US" sz="1800" dirty="0" err="1"/>
+              <a:t>adaptivity</a:t>
+            </a:r>
+            <a:r>
+              <a:rPr lang="en-US" sz="1800" dirty="0"/>
+              <a:t> using embedded </a:t>
+            </a:r>
+            <a:r>
+              <a:rPr lang="en-US" sz="1800" dirty="0" err="1"/>
+              <a:t>Runge-Kutta</a:t>
+            </a:r>
+            <a:r>
+              <a:rPr lang="en-US" sz="1800" dirty="0"/>
+              <a:t> methods</a:t>
+            </a:r>
+          </a:p>
+          <a:p>
+            <a:pPr marL="457200" lvl="1" indent="0">
+              <a:buNone/>
+            </a:pPr>
+            <a:endParaRPr lang="en-US" sz="400" b="1" dirty="0">
+              <a:solidFill>
+                <a:srgbClr val="000000"/>
+              </a:solidFill>
+              <a:latin typeface="Consolas" panose="020B0609020204030204" pitchFamily="49" charset="0"/>
+            </a:endParaRPr>
+          </a:p>
+          <a:p>
+            <a:pPr marL="457200" lvl="1" indent="0">
+              <a:buNone/>
+            </a:pPr>
+            <a:r>
+              <a:rPr lang="en-US" sz="1000" b="1" dirty="0" err="1">
+                <a:solidFill>
+                  <a:srgbClr val="000000"/>
+                </a:solidFill>
+                <a:latin typeface="Consolas" panose="020B0609020204030204" pitchFamily="49" charset="0"/>
+              </a:rPr>
+              <a:t>runge_kutta.rk_time_step_newton</a:t>
+            </a:r>
+            <a:r>
+              <a:rPr lang="en-US" sz="1000" b="1" dirty="0">
+                <a:solidFill>
+                  <a:srgbClr val="000000"/>
+                </a:solidFill>
+                <a:latin typeface="Consolas" panose="020B0609020204030204" pitchFamily="49" charset="0"/>
+              </a:rPr>
+              <a:t>(</a:t>
+            </a:r>
+            <a:r>
+              <a:rPr lang="en-US" sz="1000" b="1" dirty="0" err="1">
+                <a:solidFill>
+                  <a:srgbClr val="000000"/>
+                </a:solidFill>
+                <a:latin typeface="Consolas" panose="020B0609020204030204" pitchFamily="49" charset="0"/>
+              </a:rPr>
+              <a:t>previous_solution</a:t>
+            </a:r>
+            <a:r>
+              <a:rPr lang="en-US" sz="1000" b="1" dirty="0">
+                <a:solidFill>
+                  <a:srgbClr val="000000"/>
+                </a:solidFill>
+                <a:latin typeface="Consolas" panose="020B0609020204030204" pitchFamily="49" charset="0"/>
+              </a:rPr>
+              <a:t>, </a:t>
+            </a:r>
+            <a:r>
+              <a:rPr lang="en-US" sz="1000" b="1" dirty="0" err="1">
+                <a:solidFill>
+                  <a:srgbClr val="000000"/>
+                </a:solidFill>
+                <a:latin typeface="Consolas" panose="020B0609020204030204" pitchFamily="49" charset="0"/>
+              </a:rPr>
+              <a:t>new_solution</a:t>
+            </a:r>
+            <a:r>
+              <a:rPr lang="en-US" sz="1000" b="1" dirty="0">
+                <a:solidFill>
+                  <a:srgbClr val="000000"/>
+                </a:solidFill>
+                <a:latin typeface="Consolas" panose="020B0609020204030204" pitchFamily="49" charset="0"/>
+              </a:rPr>
+              <a:t>, </a:t>
+            </a:r>
+            <a:r>
+              <a:rPr lang="en-US" sz="1000" b="1" dirty="0" err="1">
+                <a:solidFill>
+                  <a:srgbClr val="000000"/>
+                </a:solidFill>
+                <a:latin typeface="Consolas" panose="020B0609020204030204" pitchFamily="49" charset="0"/>
+              </a:rPr>
+              <a:t>time_error_function</a:t>
+            </a:r>
+            <a:r>
+              <a:rPr lang="en-US" sz="1000" b="1" dirty="0">
+                <a:solidFill>
+                  <a:srgbClr val="000000"/>
+                </a:solidFill>
+                <a:latin typeface="Consolas" panose="020B0609020204030204" pitchFamily="49" charset="0"/>
+              </a:rPr>
+              <a:t>);</a:t>
+            </a:r>
+          </a:p>
+          <a:p>
+            <a:pPr marL="457200" lvl="1" indent="0">
+              <a:buNone/>
+            </a:pPr>
+            <a:r>
+              <a:rPr lang="en-US" sz="1000" b="1" dirty="0">
+                <a:solidFill>
+                  <a:srgbClr val="000000"/>
+                </a:solidFill>
+                <a:latin typeface="Consolas" panose="020B0609020204030204" pitchFamily="49" charset="0"/>
+              </a:rPr>
+              <a:t>...</a:t>
+            </a:r>
+          </a:p>
+          <a:p>
+            <a:pPr marL="457200" lvl="1" indent="0">
+              <a:buNone/>
+            </a:pPr>
+            <a:r>
+              <a:rPr lang="en-US" sz="1000" b="1" dirty="0">
+                <a:solidFill>
+                  <a:srgbClr val="000000"/>
+                </a:solidFill>
+                <a:latin typeface="Consolas" panose="020B0609020204030204" pitchFamily="49" charset="0"/>
+              </a:rPr>
+              <a:t>Hermes::Hermes2D::Views::</a:t>
+            </a:r>
+            <a:r>
+              <a:rPr lang="en-US" sz="1000" b="1" dirty="0" err="1">
+                <a:solidFill>
+                  <a:srgbClr val="2B91AF"/>
+                </a:solidFill>
+                <a:latin typeface="Consolas" panose="020B0609020204030204" pitchFamily="49" charset="0"/>
+              </a:rPr>
+              <a:t>ScalarView</a:t>
+            </a:r>
+            <a:r>
+              <a:rPr lang="en-US" sz="1000" b="1" dirty="0">
+                <a:solidFill>
+                  <a:srgbClr val="000000"/>
+                </a:solidFill>
+                <a:latin typeface="Consolas" panose="020B0609020204030204" pitchFamily="49" charset="0"/>
+              </a:rPr>
+              <a:t> </a:t>
+            </a:r>
+            <a:r>
+              <a:rPr lang="en-US" sz="1000" b="1" dirty="0" err="1">
+                <a:solidFill>
+                  <a:srgbClr val="000000"/>
+                </a:solidFill>
+                <a:latin typeface="Consolas" panose="020B0609020204030204" pitchFamily="49" charset="0"/>
+              </a:rPr>
+              <a:t>time_error_view</a:t>
+            </a:r>
+            <a:r>
+              <a:rPr lang="en-US" sz="1000" b="1" dirty="0">
+                <a:solidFill>
+                  <a:srgbClr val="000000"/>
+                </a:solidFill>
+                <a:latin typeface="Consolas" panose="020B0609020204030204" pitchFamily="49" charset="0"/>
+              </a:rPr>
+              <a:t>;</a:t>
+            </a:r>
+          </a:p>
+          <a:p>
+            <a:pPr marL="457200" lvl="1" indent="0">
+              <a:buNone/>
+            </a:pPr>
+            <a:r>
+              <a:rPr lang="en-US" sz="1000" b="1" dirty="0" err="1">
+                <a:solidFill>
+                  <a:srgbClr val="000000"/>
+                </a:solidFill>
+                <a:latin typeface="Consolas" panose="020B0609020204030204" pitchFamily="49" charset="0"/>
+              </a:rPr>
+              <a:t>time_error_view.show</a:t>
+            </a:r>
+            <a:r>
+              <a:rPr lang="en-US" sz="1000" b="1" dirty="0">
+                <a:solidFill>
+                  <a:srgbClr val="000000"/>
+                </a:solidFill>
+                <a:latin typeface="Consolas" panose="020B0609020204030204" pitchFamily="49" charset="0"/>
+              </a:rPr>
+              <a:t>(</a:t>
+            </a:r>
+            <a:r>
+              <a:rPr lang="en-US" sz="1000" b="1" dirty="0" err="1">
+                <a:solidFill>
+                  <a:srgbClr val="000000"/>
+                </a:solidFill>
+                <a:latin typeface="Consolas" panose="020B0609020204030204" pitchFamily="49" charset="0"/>
+              </a:rPr>
+              <a:t>time_error_function</a:t>
+            </a:r>
+            <a:r>
+              <a:rPr lang="en-US" sz="1000" b="1" dirty="0">
+                <a:solidFill>
+                  <a:srgbClr val="000000"/>
+                </a:solidFill>
+                <a:latin typeface="Consolas" panose="020B0609020204030204" pitchFamily="49" charset="0"/>
+              </a:rPr>
+              <a:t>);</a:t>
+            </a:r>
+            <a:endParaRPr lang="en-US" sz="800" b="1" dirty="0">
+              <a:solidFill>
+                <a:srgbClr val="000000"/>
+              </a:solidFill>
+              <a:latin typeface="Consolas" panose="020B0609020204030204" pitchFamily="49" charset="0"/>
+            </a:endParaRPr>
+          </a:p>
+          <a:p>
+            <a:pPr marL="457200" lvl="1" indent="0">
+              <a:buNone/>
+            </a:pPr>
+            <a:r>
+              <a:rPr lang="en-US" sz="1000" b="1" dirty="0">
+                <a:solidFill>
+                  <a:srgbClr val="000000"/>
+                </a:solidFill>
+                <a:latin typeface="Consolas" panose="020B0609020204030204" pitchFamily="49" charset="0"/>
+              </a:rPr>
+              <a:t>...</a:t>
+            </a:r>
+          </a:p>
+          <a:p>
+            <a:pPr marL="457200" lvl="1" indent="0">
+              <a:buNone/>
+            </a:pPr>
+            <a:r>
+              <a:rPr lang="en-US" sz="1000" b="1" dirty="0" err="1">
+                <a:solidFill>
+                  <a:srgbClr val="2B91AF"/>
+                </a:solidFill>
+                <a:latin typeface="Consolas" panose="020B0609020204030204" pitchFamily="49" charset="0"/>
+              </a:rPr>
+              <a:t>DefaultNormCalculator</a:t>
+            </a:r>
+            <a:r>
+              <a:rPr lang="en-US" sz="1000" b="1" dirty="0">
+                <a:solidFill>
+                  <a:srgbClr val="000000"/>
+                </a:solidFill>
+                <a:latin typeface="Consolas" panose="020B0609020204030204" pitchFamily="49" charset="0"/>
+              </a:rPr>
+              <a:t>&lt;</a:t>
+            </a:r>
+            <a:r>
+              <a:rPr lang="en-US" sz="1000" b="1" dirty="0">
+                <a:solidFill>
+                  <a:srgbClr val="0000FF"/>
+                </a:solidFill>
+                <a:latin typeface="Consolas" panose="020B0609020204030204" pitchFamily="49" charset="0"/>
+              </a:rPr>
+              <a:t>double</a:t>
+            </a:r>
+            <a:r>
+              <a:rPr lang="en-US" sz="1000" b="1" dirty="0">
+                <a:solidFill>
+                  <a:srgbClr val="000000"/>
+                </a:solidFill>
+                <a:latin typeface="Consolas" panose="020B0609020204030204" pitchFamily="49" charset="0"/>
+              </a:rPr>
+              <a:t>, </a:t>
+            </a:r>
+            <a:r>
+              <a:rPr lang="en-US" sz="1000" b="1" dirty="0">
+                <a:solidFill>
+                  <a:srgbClr val="2F4F4F"/>
+                </a:solidFill>
+                <a:latin typeface="Consolas" panose="020B0609020204030204" pitchFamily="49" charset="0"/>
+              </a:rPr>
+              <a:t>HERMES_H1_NORM</a:t>
+            </a:r>
+            <a:r>
+              <a:rPr lang="en-US" sz="1000" b="1" dirty="0">
+                <a:solidFill>
+                  <a:srgbClr val="000000"/>
+                </a:solidFill>
+                <a:latin typeface="Consolas" panose="020B0609020204030204" pitchFamily="49" charset="0"/>
+              </a:rPr>
+              <a:t>&gt; </a:t>
+            </a:r>
+            <a:r>
+              <a:rPr lang="en-US" sz="1000" b="1" dirty="0" err="1">
+                <a:solidFill>
+                  <a:srgbClr val="000000"/>
+                </a:solidFill>
+                <a:latin typeface="Consolas" panose="020B0609020204030204" pitchFamily="49" charset="0"/>
+              </a:rPr>
+              <a:t>normCalculator</a:t>
+            </a:r>
+            <a:r>
+              <a:rPr lang="en-US" sz="1000" b="1" dirty="0">
+                <a:solidFill>
+                  <a:srgbClr val="000000"/>
+                </a:solidFill>
+                <a:latin typeface="Consolas" panose="020B0609020204030204" pitchFamily="49" charset="0"/>
+              </a:rPr>
+              <a:t>;</a:t>
+            </a:r>
+          </a:p>
+          <a:p>
+            <a:pPr marL="457200" lvl="1" indent="0">
+              <a:buNone/>
+            </a:pPr>
+            <a:r>
+              <a:rPr lang="en-US" sz="1000" b="1" dirty="0" err="1">
+                <a:solidFill>
+                  <a:srgbClr val="000000"/>
+                </a:solidFill>
+                <a:latin typeface="Consolas" panose="020B0609020204030204" pitchFamily="49" charset="0"/>
+              </a:rPr>
+              <a:t>normCalculator.calculate_norms</a:t>
+            </a:r>
+            <a:r>
+              <a:rPr lang="en-US" sz="1000" b="1" dirty="0">
+                <a:solidFill>
+                  <a:srgbClr val="000000"/>
+                </a:solidFill>
+                <a:latin typeface="Consolas" panose="020B0609020204030204" pitchFamily="49" charset="0"/>
+              </a:rPr>
+              <a:t>(</a:t>
+            </a:r>
+            <a:r>
+              <a:rPr lang="en-US" sz="1000" b="1" dirty="0" err="1">
+                <a:solidFill>
+                  <a:srgbClr val="000000"/>
+                </a:solidFill>
+                <a:latin typeface="Consolas" panose="020B0609020204030204" pitchFamily="49" charset="0"/>
+              </a:rPr>
+              <a:t>time_error_function</a:t>
+            </a:r>
+            <a:r>
+              <a:rPr lang="en-US" sz="1000" b="1" dirty="0">
+                <a:solidFill>
+                  <a:srgbClr val="000000"/>
+                </a:solidFill>
+                <a:latin typeface="Consolas" panose="020B0609020204030204" pitchFamily="49" charset="0"/>
+              </a:rPr>
+              <a:t>);</a:t>
+            </a:r>
+          </a:p>
+          <a:p>
+            <a:pPr marL="457200" lvl="1" indent="0">
+              <a:buNone/>
+            </a:pPr>
+            <a:r>
+              <a:rPr lang="en-US" sz="1000" b="1" dirty="0">
+                <a:solidFill>
+                  <a:srgbClr val="0000FF"/>
+                </a:solidFill>
+                <a:latin typeface="Consolas" panose="020B0609020204030204" pitchFamily="49" charset="0"/>
+              </a:rPr>
+              <a:t>double</a:t>
+            </a:r>
+            <a:r>
+              <a:rPr lang="en-US" sz="1000" b="1" dirty="0">
+                <a:solidFill>
+                  <a:srgbClr val="000000"/>
+                </a:solidFill>
+                <a:latin typeface="Consolas" panose="020B0609020204030204" pitchFamily="49" charset="0"/>
+              </a:rPr>
+              <a:t> </a:t>
+            </a:r>
+            <a:r>
+              <a:rPr lang="en-US" sz="1000" b="1" dirty="0" err="1">
+                <a:solidFill>
+                  <a:srgbClr val="000000"/>
+                </a:solidFill>
+                <a:latin typeface="Consolas" panose="020B0609020204030204" pitchFamily="49" charset="0"/>
+              </a:rPr>
+              <a:t>relative_time_error_estimate</a:t>
+            </a:r>
+            <a:r>
+              <a:rPr lang="en-US" sz="1000" b="1" dirty="0">
+                <a:solidFill>
+                  <a:srgbClr val="000000"/>
+                </a:solidFill>
+                <a:latin typeface="Consolas" panose="020B0609020204030204" pitchFamily="49" charset="0"/>
+              </a:rPr>
+              <a:t> = </a:t>
+            </a:r>
+            <a:r>
+              <a:rPr lang="en-US" sz="1000" b="1" dirty="0" err="1">
+                <a:solidFill>
+                  <a:srgbClr val="000000"/>
+                </a:solidFill>
+                <a:latin typeface="Consolas" panose="020B0609020204030204" pitchFamily="49" charset="0"/>
+              </a:rPr>
+              <a:t>normCalculator.get_total_norm_squared</a:t>
+            </a:r>
+            <a:r>
+              <a:rPr lang="en-US" sz="1000" b="1" dirty="0">
+                <a:solidFill>
+                  <a:srgbClr val="000000"/>
+                </a:solidFill>
+                <a:latin typeface="Consolas" panose="020B0609020204030204" pitchFamily="49" charset="0"/>
+              </a:rPr>
+              <a:t>() * 100.;</a:t>
+            </a:r>
+          </a:p>
+          <a:p>
+            <a:pPr marL="457200" lvl="1" indent="0">
+              <a:buNone/>
+            </a:pPr>
+            <a:endParaRPr lang="en-US" sz="1000" b="1" dirty="0"/>
+          </a:p>
+          <a:p>
+            <a:pPr marL="457200" lvl="1" indent="0">
+              <a:buNone/>
+            </a:pPr>
+            <a:endParaRPr lang="en-US" sz="1000" b="1" dirty="0"/>
+          </a:p>
+          <a:p>
+            <a:pPr marL="457200" lvl="1" indent="0">
+              <a:buNone/>
+            </a:pPr>
+            <a:endParaRPr lang="en-US" sz="1000" b="1" dirty="0"/>
+          </a:p>
+          <a:p>
+            <a:pPr marL="457200" lvl="1" indent="0">
+              <a:buNone/>
+            </a:pPr>
+            <a:endParaRPr lang="en-US" sz="1000" b="1" dirty="0"/>
+          </a:p>
+          <a:p>
+            <a:pPr marL="457200" lvl="1" indent="0">
+              <a:buNone/>
+            </a:pPr>
+            <a:endParaRPr lang="en-US" sz="1000" b="1" dirty="0"/>
+          </a:p>
+          <a:p>
+            <a:pPr marL="457200" lvl="1" indent="0">
+              <a:buNone/>
+            </a:pPr>
+            <a:endParaRPr lang="en-US" sz="1000" b="1" dirty="0"/>
+          </a:p>
+          <a:p>
+            <a:pPr marL="457200" lvl="1" indent="0">
+              <a:buNone/>
+            </a:pPr>
+            <a:r>
+              <a:rPr lang="en-US" sz="1600" dirty="0"/>
+              <a:t>Image – temporal error in u (top), v (bottom), t = 0.3s</a:t>
+            </a:r>
+          </a:p>
+        </p:txBody>
+      </p:sp>
+      <p:pic>
+        <p:nvPicPr>
+          <p:cNvPr id="5" name="Picture 4"/>
+          <p:cNvPicPr>
+            <a:picLocks noChangeAspect="1"/>
+          </p:cNvPicPr>
+          <p:nvPr/>
+        </p:nvPicPr>
+        <p:blipFill>
+          <a:blip r:embed="rId2">
+            <a:extLst>
+              <a:ext uri="{28A0092B-C50C-407E-A947-70E740481C1C}">
+                <a14:useLocalDpi xmlns:a14="http://schemas.microsoft.com/office/drawing/2010/main" val="0"/>
+              </a:ext>
+            </a:extLst>
+          </a:blip>
+          <a:stretch>
+            <a:fillRect/>
+          </a:stretch>
+        </p:blipFill>
+        <p:spPr>
+          <a:xfrm>
+            <a:off x="9607550" y="6311900"/>
+            <a:ext cx="2584450" cy="544722"/>
+          </a:xfrm>
+          <a:prstGeom prst="rect">
+            <a:avLst/>
+          </a:prstGeom>
+        </p:spPr>
+      </p:pic>
+      <p:cxnSp>
+        <p:nvCxnSpPr>
+          <p:cNvPr id="6" name="Straight Connector 5"/>
+          <p:cNvCxnSpPr/>
+          <p:nvPr/>
+        </p:nvCxnSpPr>
+        <p:spPr>
+          <a:xfrm flipH="1">
+            <a:off x="0" y="6311900"/>
+            <a:ext cx="12192000" cy="0"/>
+          </a:xfrm>
+          <a:prstGeom prst="line">
+            <a:avLst/>
+          </a:prstGeom>
+        </p:spPr>
+        <p:style>
+          <a:lnRef idx="1">
+            <a:schemeClr val="dk1"/>
+          </a:lnRef>
+          <a:fillRef idx="0">
+            <a:schemeClr val="dk1"/>
+          </a:fillRef>
+          <a:effectRef idx="0">
+            <a:schemeClr val="dk1"/>
+          </a:effectRef>
+          <a:fontRef idx="minor">
+            <a:schemeClr val="tx1"/>
+          </a:fontRef>
+        </p:style>
+      </p:cxnSp>
+      <p:pic>
+        <p:nvPicPr>
+          <p:cNvPr id="7" name="Picture 6"/>
+          <p:cNvPicPr>
+            <a:picLocks noChangeAspect="1"/>
+          </p:cNvPicPr>
+          <p:nvPr/>
+        </p:nvPicPr>
+        <p:blipFill>
+          <a:blip r:embed="rId3">
+            <a:extLst>
+              <a:ext uri="{28A0092B-C50C-407E-A947-70E740481C1C}">
+                <a14:useLocalDpi xmlns:a14="http://schemas.microsoft.com/office/drawing/2010/main" val="0"/>
+              </a:ext>
+            </a:extLst>
+          </a:blip>
+          <a:stretch>
+            <a:fillRect/>
+          </a:stretch>
+        </p:blipFill>
+        <p:spPr>
+          <a:xfrm>
+            <a:off x="133350" y="6349462"/>
+            <a:ext cx="1248229" cy="508538"/>
+          </a:xfrm>
+          <a:prstGeom prst="rect">
+            <a:avLst/>
+          </a:prstGeom>
+        </p:spPr>
+      </p:pic>
+      <p:sp>
+        <p:nvSpPr>
+          <p:cNvPr id="8" name="TextBox 7"/>
+          <p:cNvSpPr txBox="1"/>
+          <p:nvPr/>
+        </p:nvSpPr>
+        <p:spPr>
+          <a:xfrm>
+            <a:off x="4298950" y="6388100"/>
+            <a:ext cx="3594100" cy="369332"/>
+          </a:xfrm>
+          <a:prstGeom prst="rect">
+            <a:avLst/>
+          </a:prstGeom>
+          <a:noFill/>
+        </p:spPr>
+        <p:txBody>
+          <a:bodyPr wrap="square" rtlCol="0">
+            <a:spAutoFit/>
+          </a:bodyPr>
+          <a:lstStyle/>
+          <a:p>
+            <a:r>
+              <a:rPr lang="en-US" dirty="0"/>
+              <a:t>Hermes2D – Lukas Korous</a:t>
+            </a:r>
+          </a:p>
+        </p:txBody>
+      </p:sp>
+      <p:pic>
+        <p:nvPicPr>
+          <p:cNvPr id="4" name="Picture 3"/>
+          <p:cNvPicPr>
+            <a:picLocks noChangeAspect="1"/>
+          </p:cNvPicPr>
+          <p:nvPr/>
+        </p:nvPicPr>
+        <p:blipFill>
+          <a:blip r:embed="rId4">
+            <a:extLst>
+              <a:ext uri="{28A0092B-C50C-407E-A947-70E740481C1C}">
+                <a14:useLocalDpi xmlns:a14="http://schemas.microsoft.com/office/drawing/2010/main" val="0"/>
+              </a:ext>
+            </a:extLst>
+          </a:blip>
+          <a:stretch>
+            <a:fillRect/>
+          </a:stretch>
+        </p:blipFill>
+        <p:spPr>
+          <a:xfrm>
+            <a:off x="8384936" y="3511484"/>
+            <a:ext cx="3014583" cy="2411666"/>
+          </a:xfrm>
+          <a:prstGeom prst="rect">
+            <a:avLst/>
+          </a:prstGeom>
+        </p:spPr>
+      </p:pic>
+      <p:pic>
+        <p:nvPicPr>
+          <p:cNvPr id="9" name="Picture 8"/>
+          <p:cNvPicPr>
+            <a:picLocks noChangeAspect="1"/>
+          </p:cNvPicPr>
+          <p:nvPr/>
+        </p:nvPicPr>
+        <p:blipFill>
+          <a:blip r:embed="rId5">
+            <a:extLst>
+              <a:ext uri="{28A0092B-C50C-407E-A947-70E740481C1C}">
+                <a14:useLocalDpi xmlns:a14="http://schemas.microsoft.com/office/drawing/2010/main" val="0"/>
+              </a:ext>
+            </a:extLst>
+          </a:blip>
+          <a:stretch>
+            <a:fillRect/>
+          </a:stretch>
+        </p:blipFill>
+        <p:spPr>
+          <a:xfrm>
+            <a:off x="8384937" y="815341"/>
+            <a:ext cx="3014583" cy="2411666"/>
+          </a:xfrm>
+          <a:prstGeom prst="rect">
+            <a:avLst/>
+          </a:prstGeom>
+        </p:spPr>
+      </p:pic>
+    </p:spTree>
+    <p:extLst>
+      <p:ext uri="{BB962C8B-B14F-4D97-AF65-F5344CB8AC3E}">
+        <p14:creationId xmlns:p14="http://schemas.microsoft.com/office/powerpoint/2010/main" val="4272547027"/>
+      </p:ext>
+    </p:extLst>
+  </p:cSld>
+  <p:clrMapOvr>
+    <a:masterClrMapping/>
+  </p:clrMapOvr>
+</p:sld>
+</file>
+
+<file path=ppt/slides/slide31.xml><?xml version="1.0" encoding="utf-8"?>
+<p:sld xmlns:a="http://schemas.openxmlformats.org/drawingml/2006/main" xmlns:r="http://schemas.openxmlformats.org/officeDocument/2006/relationships" xmlns:p="http://schemas.openxmlformats.org/presentationml/2006/main">
+  <p:cSld>
+    <p:spTree>
+      <p:nvGrpSpPr>
+        <p:cNvPr id="1" name=""/>
+        <p:cNvGrpSpPr/>
+        <p:nvPr/>
+      </p:nvGrpSpPr>
+      <p:grpSpPr>
+        <a:xfrm>
+          <a:off x="0" y="0"/>
+          <a:ext cx="0" cy="0"/>
+          <a:chOff x="0" y="0"/>
+          <a:chExt cx="0" cy="0"/>
+        </a:xfrm>
+      </p:grpSpPr>
+      <p:sp>
+        <p:nvSpPr>
+          <p:cNvPr id="2" name="Title 1"/>
+          <p:cNvSpPr>
+            <a:spLocks noGrp="1"/>
+          </p:cNvSpPr>
+          <p:nvPr>
+            <p:ph type="title"/>
+          </p:nvPr>
+        </p:nvSpPr>
+        <p:spPr>
+          <a:xfrm>
+            <a:off x="231775" y="266701"/>
+            <a:ext cx="11728450" cy="548640"/>
+          </a:xfrm>
+        </p:spPr>
+        <p:txBody>
+          <a:bodyPr>
+            <a:normAutofit/>
+          </a:bodyPr>
+          <a:lstStyle/>
+          <a:p>
+            <a:r>
+              <a:rPr lang="en-US" sz="2800" dirty="0"/>
+              <a:t>Example &gt; Wave Equation</a:t>
+            </a:r>
+          </a:p>
+        </p:txBody>
+      </p:sp>
+      <p:sp>
+        <p:nvSpPr>
+          <p:cNvPr id="3" name="Content Placeholder 2"/>
+          <p:cNvSpPr>
+            <a:spLocks noGrp="1"/>
+          </p:cNvSpPr>
+          <p:nvPr>
+            <p:ph idx="1"/>
+          </p:nvPr>
+        </p:nvSpPr>
+        <p:spPr>
+          <a:xfrm>
+            <a:off x="431799" y="1054100"/>
+            <a:ext cx="11528425" cy="5084763"/>
+          </a:xfrm>
+        </p:spPr>
+        <p:txBody>
+          <a:bodyPr>
+            <a:normAutofit/>
+          </a:bodyPr>
+          <a:lstStyle/>
+          <a:p>
+            <a:pPr marL="0" indent="0">
+              <a:buNone/>
+            </a:pPr>
+            <a:r>
+              <a:rPr lang="en-US" sz="1800" dirty="0"/>
+              <a:t>Time-</a:t>
+            </a:r>
+            <a:r>
+              <a:rPr lang="en-US" sz="1800" dirty="0" err="1"/>
+              <a:t>adaptivity</a:t>
+            </a:r>
+            <a:r>
+              <a:rPr lang="en-US" sz="1800" dirty="0"/>
+              <a:t> using embedded </a:t>
+            </a:r>
+            <a:r>
+              <a:rPr lang="en-US" sz="1800" dirty="0" err="1"/>
+              <a:t>Runge-Kutta</a:t>
+            </a:r>
+            <a:r>
+              <a:rPr lang="en-US" sz="1800" dirty="0"/>
+              <a:t> methods</a:t>
+            </a:r>
+          </a:p>
+          <a:p>
+            <a:pPr marL="457200" lvl="1" indent="0">
+              <a:buNone/>
+            </a:pPr>
+            <a:endParaRPr lang="en-US" sz="400" b="1" dirty="0">
+              <a:solidFill>
+                <a:srgbClr val="000000"/>
+              </a:solidFill>
+              <a:latin typeface="Consolas" panose="020B0609020204030204" pitchFamily="49" charset="0"/>
+            </a:endParaRPr>
+          </a:p>
+          <a:p>
+            <a:pPr marL="457200" lvl="1" indent="0">
+              <a:buNone/>
+            </a:pPr>
+            <a:r>
+              <a:rPr lang="en-US" sz="1000" b="1" dirty="0" err="1">
+                <a:solidFill>
+                  <a:srgbClr val="000000"/>
+                </a:solidFill>
+                <a:latin typeface="Consolas" panose="020B0609020204030204" pitchFamily="49" charset="0"/>
+              </a:rPr>
+              <a:t>runge_kutta.rk_time_step_newton</a:t>
+            </a:r>
+            <a:r>
+              <a:rPr lang="en-US" sz="1000" b="1" dirty="0">
+                <a:solidFill>
+                  <a:srgbClr val="000000"/>
+                </a:solidFill>
+                <a:latin typeface="Consolas" panose="020B0609020204030204" pitchFamily="49" charset="0"/>
+              </a:rPr>
+              <a:t>(</a:t>
+            </a:r>
+            <a:r>
+              <a:rPr lang="en-US" sz="1000" b="1" dirty="0" err="1">
+                <a:solidFill>
+                  <a:srgbClr val="000000"/>
+                </a:solidFill>
+                <a:latin typeface="Consolas" panose="020B0609020204030204" pitchFamily="49" charset="0"/>
+              </a:rPr>
+              <a:t>previous_solution</a:t>
+            </a:r>
+            <a:r>
+              <a:rPr lang="en-US" sz="1000" b="1" dirty="0">
+                <a:solidFill>
+                  <a:srgbClr val="000000"/>
+                </a:solidFill>
+                <a:latin typeface="Consolas" panose="020B0609020204030204" pitchFamily="49" charset="0"/>
+              </a:rPr>
+              <a:t>, </a:t>
+            </a:r>
+            <a:r>
+              <a:rPr lang="en-US" sz="1000" b="1" dirty="0" err="1">
+                <a:solidFill>
+                  <a:srgbClr val="000000"/>
+                </a:solidFill>
+                <a:latin typeface="Consolas" panose="020B0609020204030204" pitchFamily="49" charset="0"/>
+              </a:rPr>
+              <a:t>new_solution</a:t>
+            </a:r>
+            <a:r>
+              <a:rPr lang="en-US" sz="1000" b="1" dirty="0">
+                <a:solidFill>
+                  <a:srgbClr val="000000"/>
+                </a:solidFill>
+                <a:latin typeface="Consolas" panose="020B0609020204030204" pitchFamily="49" charset="0"/>
+              </a:rPr>
+              <a:t>, </a:t>
+            </a:r>
+            <a:r>
+              <a:rPr lang="en-US" sz="1000" b="1" dirty="0" err="1">
+                <a:solidFill>
+                  <a:srgbClr val="000000"/>
+                </a:solidFill>
+                <a:latin typeface="Consolas" panose="020B0609020204030204" pitchFamily="49" charset="0"/>
+              </a:rPr>
+              <a:t>time_error_function</a:t>
+            </a:r>
+            <a:r>
+              <a:rPr lang="en-US" sz="1000" b="1" dirty="0">
+                <a:solidFill>
+                  <a:srgbClr val="000000"/>
+                </a:solidFill>
+                <a:latin typeface="Consolas" panose="020B0609020204030204" pitchFamily="49" charset="0"/>
+              </a:rPr>
+              <a:t>);</a:t>
+            </a:r>
+          </a:p>
+          <a:p>
+            <a:pPr marL="457200" lvl="1" indent="0">
+              <a:buNone/>
+            </a:pPr>
+            <a:r>
+              <a:rPr lang="en-US" sz="1000" b="1" dirty="0">
+                <a:solidFill>
+                  <a:srgbClr val="000000"/>
+                </a:solidFill>
+                <a:latin typeface="Consolas" panose="020B0609020204030204" pitchFamily="49" charset="0"/>
+              </a:rPr>
+              <a:t>...</a:t>
+            </a:r>
+          </a:p>
+          <a:p>
+            <a:pPr marL="457200" lvl="1" indent="0">
+              <a:buNone/>
+            </a:pPr>
+            <a:r>
+              <a:rPr lang="en-US" sz="1000" b="1" dirty="0">
+                <a:solidFill>
+                  <a:srgbClr val="000000"/>
+                </a:solidFill>
+                <a:latin typeface="Consolas" panose="020B0609020204030204" pitchFamily="49" charset="0"/>
+              </a:rPr>
+              <a:t>Hermes::Hermes2D::Views::</a:t>
+            </a:r>
+            <a:r>
+              <a:rPr lang="en-US" sz="1000" b="1" dirty="0" err="1">
+                <a:solidFill>
+                  <a:srgbClr val="2B91AF"/>
+                </a:solidFill>
+                <a:latin typeface="Consolas" panose="020B0609020204030204" pitchFamily="49" charset="0"/>
+              </a:rPr>
+              <a:t>ScalarView</a:t>
+            </a:r>
+            <a:r>
+              <a:rPr lang="en-US" sz="1000" b="1" dirty="0">
+                <a:solidFill>
+                  <a:srgbClr val="000000"/>
+                </a:solidFill>
+                <a:latin typeface="Consolas" panose="020B0609020204030204" pitchFamily="49" charset="0"/>
+              </a:rPr>
+              <a:t> </a:t>
+            </a:r>
+            <a:r>
+              <a:rPr lang="en-US" sz="1000" b="1" dirty="0" err="1">
+                <a:solidFill>
+                  <a:srgbClr val="000000"/>
+                </a:solidFill>
+                <a:latin typeface="Consolas" panose="020B0609020204030204" pitchFamily="49" charset="0"/>
+              </a:rPr>
+              <a:t>time_error_view</a:t>
+            </a:r>
+            <a:r>
+              <a:rPr lang="en-US" sz="1000" b="1" dirty="0">
+                <a:solidFill>
+                  <a:srgbClr val="000000"/>
+                </a:solidFill>
+                <a:latin typeface="Consolas" panose="020B0609020204030204" pitchFamily="49" charset="0"/>
+              </a:rPr>
+              <a:t>;</a:t>
+            </a:r>
+          </a:p>
+          <a:p>
+            <a:pPr marL="457200" lvl="1" indent="0">
+              <a:buNone/>
+            </a:pPr>
+            <a:r>
+              <a:rPr lang="en-US" sz="1000" b="1" dirty="0" err="1">
+                <a:solidFill>
+                  <a:srgbClr val="000000"/>
+                </a:solidFill>
+                <a:latin typeface="Consolas" panose="020B0609020204030204" pitchFamily="49" charset="0"/>
+              </a:rPr>
+              <a:t>time_error_view.show</a:t>
+            </a:r>
+            <a:r>
+              <a:rPr lang="en-US" sz="1000" b="1" dirty="0">
+                <a:solidFill>
+                  <a:srgbClr val="000000"/>
+                </a:solidFill>
+                <a:latin typeface="Consolas" panose="020B0609020204030204" pitchFamily="49" charset="0"/>
+              </a:rPr>
+              <a:t>(</a:t>
+            </a:r>
+            <a:r>
+              <a:rPr lang="en-US" sz="1000" b="1" dirty="0" err="1">
+                <a:solidFill>
+                  <a:srgbClr val="000000"/>
+                </a:solidFill>
+                <a:latin typeface="Consolas" panose="020B0609020204030204" pitchFamily="49" charset="0"/>
+              </a:rPr>
+              <a:t>time_error_function</a:t>
+            </a:r>
+            <a:r>
+              <a:rPr lang="en-US" sz="1000" b="1" dirty="0">
+                <a:solidFill>
+                  <a:srgbClr val="000000"/>
+                </a:solidFill>
+                <a:latin typeface="Consolas" panose="020B0609020204030204" pitchFamily="49" charset="0"/>
+              </a:rPr>
+              <a:t>);</a:t>
+            </a:r>
+            <a:endParaRPr lang="en-US" sz="800" b="1" dirty="0">
+              <a:solidFill>
+                <a:srgbClr val="000000"/>
+              </a:solidFill>
+              <a:latin typeface="Consolas" panose="020B0609020204030204" pitchFamily="49" charset="0"/>
+            </a:endParaRPr>
+          </a:p>
+          <a:p>
+            <a:pPr marL="457200" lvl="1" indent="0">
+              <a:buNone/>
+            </a:pPr>
+            <a:r>
+              <a:rPr lang="en-US" sz="1000" b="1" dirty="0">
+                <a:solidFill>
+                  <a:srgbClr val="000000"/>
+                </a:solidFill>
+                <a:latin typeface="Consolas" panose="020B0609020204030204" pitchFamily="49" charset="0"/>
+              </a:rPr>
+              <a:t>...</a:t>
+            </a:r>
+          </a:p>
+          <a:p>
+            <a:pPr marL="457200" lvl="1" indent="0">
+              <a:buNone/>
+            </a:pPr>
+            <a:r>
+              <a:rPr lang="en-US" sz="1000" b="1" dirty="0" err="1">
+                <a:solidFill>
+                  <a:srgbClr val="2B91AF"/>
+                </a:solidFill>
+                <a:latin typeface="Consolas" panose="020B0609020204030204" pitchFamily="49" charset="0"/>
+              </a:rPr>
+              <a:t>DefaultNormCalculator</a:t>
+            </a:r>
+            <a:r>
+              <a:rPr lang="en-US" sz="1000" b="1" dirty="0">
+                <a:solidFill>
+                  <a:srgbClr val="000000"/>
+                </a:solidFill>
+                <a:latin typeface="Consolas" panose="020B0609020204030204" pitchFamily="49" charset="0"/>
+              </a:rPr>
+              <a:t>&lt;</a:t>
+            </a:r>
+            <a:r>
+              <a:rPr lang="en-US" sz="1000" b="1" dirty="0">
+                <a:solidFill>
+                  <a:srgbClr val="0000FF"/>
+                </a:solidFill>
+                <a:latin typeface="Consolas" panose="020B0609020204030204" pitchFamily="49" charset="0"/>
+              </a:rPr>
+              <a:t>double</a:t>
+            </a:r>
+            <a:r>
+              <a:rPr lang="en-US" sz="1000" b="1" dirty="0">
+                <a:solidFill>
+                  <a:srgbClr val="000000"/>
+                </a:solidFill>
+                <a:latin typeface="Consolas" panose="020B0609020204030204" pitchFamily="49" charset="0"/>
+              </a:rPr>
+              <a:t>, </a:t>
+            </a:r>
+            <a:r>
+              <a:rPr lang="en-US" sz="1000" b="1" dirty="0">
+                <a:solidFill>
+                  <a:srgbClr val="2F4F4F"/>
+                </a:solidFill>
+                <a:latin typeface="Consolas" panose="020B0609020204030204" pitchFamily="49" charset="0"/>
+              </a:rPr>
+              <a:t>HERMES_H1_NORM</a:t>
+            </a:r>
+            <a:r>
+              <a:rPr lang="en-US" sz="1000" b="1" dirty="0">
+                <a:solidFill>
+                  <a:srgbClr val="000000"/>
+                </a:solidFill>
+                <a:latin typeface="Consolas" panose="020B0609020204030204" pitchFamily="49" charset="0"/>
+              </a:rPr>
+              <a:t>&gt; </a:t>
+            </a:r>
+            <a:r>
+              <a:rPr lang="en-US" sz="1000" b="1" dirty="0" err="1">
+                <a:solidFill>
+                  <a:srgbClr val="000000"/>
+                </a:solidFill>
+                <a:latin typeface="Consolas" panose="020B0609020204030204" pitchFamily="49" charset="0"/>
+              </a:rPr>
+              <a:t>normCalculator</a:t>
+            </a:r>
+            <a:r>
+              <a:rPr lang="en-US" sz="1000" b="1" dirty="0">
+                <a:solidFill>
+                  <a:srgbClr val="000000"/>
+                </a:solidFill>
+                <a:latin typeface="Consolas" panose="020B0609020204030204" pitchFamily="49" charset="0"/>
+              </a:rPr>
+              <a:t>;</a:t>
+            </a:r>
+          </a:p>
+          <a:p>
+            <a:pPr marL="457200" lvl="1" indent="0">
+              <a:buNone/>
+            </a:pPr>
+            <a:r>
+              <a:rPr lang="en-US" sz="1000" b="1" dirty="0" err="1">
+                <a:solidFill>
+                  <a:srgbClr val="000000"/>
+                </a:solidFill>
+                <a:latin typeface="Consolas" panose="020B0609020204030204" pitchFamily="49" charset="0"/>
+              </a:rPr>
+              <a:t>normCalculator.calculate_norms</a:t>
+            </a:r>
+            <a:r>
+              <a:rPr lang="en-US" sz="1000" b="1" dirty="0">
+                <a:solidFill>
+                  <a:srgbClr val="000000"/>
+                </a:solidFill>
+                <a:latin typeface="Consolas" panose="020B0609020204030204" pitchFamily="49" charset="0"/>
+              </a:rPr>
+              <a:t>(</a:t>
+            </a:r>
+            <a:r>
+              <a:rPr lang="en-US" sz="1000" b="1" dirty="0" err="1">
+                <a:solidFill>
+                  <a:srgbClr val="000000"/>
+                </a:solidFill>
+                <a:latin typeface="Consolas" panose="020B0609020204030204" pitchFamily="49" charset="0"/>
+              </a:rPr>
+              <a:t>time_error_function</a:t>
+            </a:r>
+            <a:r>
+              <a:rPr lang="en-US" sz="1000" b="1" dirty="0">
+                <a:solidFill>
+                  <a:srgbClr val="000000"/>
+                </a:solidFill>
+                <a:latin typeface="Consolas" panose="020B0609020204030204" pitchFamily="49" charset="0"/>
+              </a:rPr>
+              <a:t>);</a:t>
+            </a:r>
+          </a:p>
+          <a:p>
+            <a:pPr marL="457200" lvl="1" indent="0">
+              <a:buNone/>
+            </a:pPr>
+            <a:r>
+              <a:rPr lang="en-US" sz="1000" b="1" dirty="0">
+                <a:solidFill>
+                  <a:srgbClr val="0000FF"/>
+                </a:solidFill>
+                <a:latin typeface="Consolas" panose="020B0609020204030204" pitchFamily="49" charset="0"/>
+              </a:rPr>
+              <a:t>double</a:t>
+            </a:r>
+            <a:r>
+              <a:rPr lang="en-US" sz="1000" b="1" dirty="0">
+                <a:solidFill>
+                  <a:srgbClr val="000000"/>
+                </a:solidFill>
+                <a:latin typeface="Consolas" panose="020B0609020204030204" pitchFamily="49" charset="0"/>
+              </a:rPr>
+              <a:t> </a:t>
+            </a:r>
+            <a:r>
+              <a:rPr lang="en-US" sz="1000" b="1" dirty="0" err="1">
+                <a:solidFill>
+                  <a:srgbClr val="000000"/>
+                </a:solidFill>
+                <a:latin typeface="Consolas" panose="020B0609020204030204" pitchFamily="49" charset="0"/>
+              </a:rPr>
+              <a:t>relative_time_error_estimate</a:t>
+            </a:r>
+            <a:r>
+              <a:rPr lang="en-US" sz="1000" b="1" dirty="0">
+                <a:solidFill>
+                  <a:srgbClr val="000000"/>
+                </a:solidFill>
+                <a:latin typeface="Consolas" panose="020B0609020204030204" pitchFamily="49" charset="0"/>
+              </a:rPr>
+              <a:t> = </a:t>
+            </a:r>
+            <a:r>
+              <a:rPr lang="en-US" sz="1000" b="1" dirty="0" err="1">
+                <a:solidFill>
+                  <a:srgbClr val="000000"/>
+                </a:solidFill>
+                <a:latin typeface="Consolas" panose="020B0609020204030204" pitchFamily="49" charset="0"/>
+              </a:rPr>
+              <a:t>normCalculator.get_total_norm_squared</a:t>
+            </a:r>
+            <a:r>
+              <a:rPr lang="en-US" sz="1000" b="1" dirty="0">
+                <a:solidFill>
+                  <a:srgbClr val="000000"/>
+                </a:solidFill>
+                <a:latin typeface="Consolas" panose="020B0609020204030204" pitchFamily="49" charset="0"/>
+              </a:rPr>
+              <a:t>() * 100.;</a:t>
+            </a:r>
+          </a:p>
+          <a:p>
+            <a:pPr marL="457200" lvl="1" indent="0">
+              <a:buNone/>
+            </a:pPr>
+            <a:endParaRPr lang="en-US" sz="1000" b="1" dirty="0"/>
+          </a:p>
+          <a:p>
+            <a:pPr marL="457200" lvl="1" indent="0">
+              <a:buNone/>
+            </a:pPr>
+            <a:endParaRPr lang="en-US" sz="1000" b="1" dirty="0"/>
+          </a:p>
+          <a:p>
+            <a:pPr marL="457200" lvl="1" indent="0">
+              <a:buNone/>
+            </a:pPr>
+            <a:endParaRPr lang="en-US" sz="1000" b="1" dirty="0"/>
+          </a:p>
+          <a:p>
+            <a:pPr marL="457200" lvl="1" indent="0">
+              <a:buNone/>
+            </a:pPr>
+            <a:endParaRPr lang="en-US" sz="1000" b="1" dirty="0"/>
+          </a:p>
+          <a:p>
+            <a:pPr marL="457200" lvl="1" indent="0">
+              <a:buNone/>
+            </a:pPr>
+            <a:endParaRPr lang="en-US" sz="1000" b="1" dirty="0"/>
+          </a:p>
+          <a:p>
+            <a:pPr marL="457200" lvl="1" indent="0">
+              <a:buNone/>
+            </a:pPr>
+            <a:endParaRPr lang="en-US" sz="1000" b="1" dirty="0"/>
+          </a:p>
+          <a:p>
+            <a:pPr marL="457200" lvl="1" indent="0">
+              <a:buNone/>
+            </a:pPr>
+            <a:r>
+              <a:rPr lang="en-US" sz="1600" dirty="0"/>
+              <a:t>Image – temporal error in u (top), v (bottom), t = 0.8s</a:t>
+            </a:r>
+          </a:p>
+        </p:txBody>
+      </p:sp>
+      <p:pic>
+        <p:nvPicPr>
+          <p:cNvPr id="5" name="Picture 4"/>
+          <p:cNvPicPr>
+            <a:picLocks noChangeAspect="1"/>
+          </p:cNvPicPr>
+          <p:nvPr/>
+        </p:nvPicPr>
+        <p:blipFill>
+          <a:blip r:embed="rId2">
+            <a:extLst>
+              <a:ext uri="{28A0092B-C50C-407E-A947-70E740481C1C}">
+                <a14:useLocalDpi xmlns:a14="http://schemas.microsoft.com/office/drawing/2010/main" val="0"/>
+              </a:ext>
+            </a:extLst>
+          </a:blip>
+          <a:stretch>
+            <a:fillRect/>
+          </a:stretch>
+        </p:blipFill>
+        <p:spPr>
+          <a:xfrm>
+            <a:off x="9607550" y="6311900"/>
+            <a:ext cx="2584450" cy="544722"/>
+          </a:xfrm>
+          <a:prstGeom prst="rect">
+            <a:avLst/>
+          </a:prstGeom>
+        </p:spPr>
+      </p:pic>
+      <p:cxnSp>
+        <p:nvCxnSpPr>
+          <p:cNvPr id="6" name="Straight Connector 5"/>
+          <p:cNvCxnSpPr/>
+          <p:nvPr/>
+        </p:nvCxnSpPr>
+        <p:spPr>
+          <a:xfrm flipH="1">
+            <a:off x="0" y="6311900"/>
+            <a:ext cx="12192000" cy="0"/>
+          </a:xfrm>
+          <a:prstGeom prst="line">
+            <a:avLst/>
+          </a:prstGeom>
+        </p:spPr>
+        <p:style>
+          <a:lnRef idx="1">
+            <a:schemeClr val="dk1"/>
+          </a:lnRef>
+          <a:fillRef idx="0">
+            <a:schemeClr val="dk1"/>
+          </a:fillRef>
+          <a:effectRef idx="0">
+            <a:schemeClr val="dk1"/>
+          </a:effectRef>
+          <a:fontRef idx="minor">
+            <a:schemeClr val="tx1"/>
+          </a:fontRef>
+        </p:style>
+      </p:cxnSp>
+      <p:pic>
+        <p:nvPicPr>
+          <p:cNvPr id="7" name="Picture 6"/>
+          <p:cNvPicPr>
+            <a:picLocks noChangeAspect="1"/>
+          </p:cNvPicPr>
+          <p:nvPr/>
+        </p:nvPicPr>
+        <p:blipFill>
+          <a:blip r:embed="rId3">
+            <a:extLst>
+              <a:ext uri="{28A0092B-C50C-407E-A947-70E740481C1C}">
+                <a14:useLocalDpi xmlns:a14="http://schemas.microsoft.com/office/drawing/2010/main" val="0"/>
+              </a:ext>
+            </a:extLst>
+          </a:blip>
+          <a:stretch>
+            <a:fillRect/>
+          </a:stretch>
+        </p:blipFill>
+        <p:spPr>
+          <a:xfrm>
+            <a:off x="133350" y="6349462"/>
+            <a:ext cx="1248229" cy="508538"/>
+          </a:xfrm>
+          <a:prstGeom prst="rect">
+            <a:avLst/>
+          </a:prstGeom>
+        </p:spPr>
+      </p:pic>
+      <p:sp>
+        <p:nvSpPr>
+          <p:cNvPr id="8" name="TextBox 7"/>
+          <p:cNvSpPr txBox="1"/>
+          <p:nvPr/>
+        </p:nvSpPr>
+        <p:spPr>
+          <a:xfrm>
+            <a:off x="4298950" y="6388100"/>
+            <a:ext cx="3594100" cy="369332"/>
+          </a:xfrm>
+          <a:prstGeom prst="rect">
+            <a:avLst/>
+          </a:prstGeom>
+          <a:noFill/>
+        </p:spPr>
+        <p:txBody>
+          <a:bodyPr wrap="square" rtlCol="0">
+            <a:spAutoFit/>
+          </a:bodyPr>
+          <a:lstStyle/>
+          <a:p>
+            <a:r>
+              <a:rPr lang="en-US" dirty="0"/>
+              <a:t>Hermes2D – Lukas Korous</a:t>
+            </a:r>
+          </a:p>
+        </p:txBody>
+      </p:sp>
+      <p:pic>
+        <p:nvPicPr>
+          <p:cNvPr id="4" name="Picture 3"/>
+          <p:cNvPicPr>
+            <a:picLocks noChangeAspect="1"/>
+          </p:cNvPicPr>
+          <p:nvPr/>
+        </p:nvPicPr>
+        <p:blipFill>
+          <a:blip r:embed="rId4">
+            <a:extLst>
+              <a:ext uri="{28A0092B-C50C-407E-A947-70E740481C1C}">
+                <a14:useLocalDpi xmlns:a14="http://schemas.microsoft.com/office/drawing/2010/main" val="0"/>
+              </a:ext>
+            </a:extLst>
+          </a:blip>
+          <a:stretch>
+            <a:fillRect/>
+          </a:stretch>
+        </p:blipFill>
+        <p:spPr>
+          <a:xfrm>
+            <a:off x="8384936" y="3511484"/>
+            <a:ext cx="3014582" cy="2411666"/>
+          </a:xfrm>
+          <a:prstGeom prst="rect">
+            <a:avLst/>
+          </a:prstGeom>
+        </p:spPr>
+      </p:pic>
+      <p:pic>
+        <p:nvPicPr>
+          <p:cNvPr id="9" name="Picture 8"/>
+          <p:cNvPicPr>
+            <a:picLocks noChangeAspect="1"/>
+          </p:cNvPicPr>
+          <p:nvPr/>
+        </p:nvPicPr>
+        <p:blipFill>
+          <a:blip r:embed="rId5">
+            <a:extLst>
+              <a:ext uri="{28A0092B-C50C-407E-A947-70E740481C1C}">
+                <a14:useLocalDpi xmlns:a14="http://schemas.microsoft.com/office/drawing/2010/main" val="0"/>
+              </a:ext>
+            </a:extLst>
+          </a:blip>
+          <a:stretch>
+            <a:fillRect/>
+          </a:stretch>
+        </p:blipFill>
+        <p:spPr>
+          <a:xfrm>
+            <a:off x="8384937" y="815341"/>
+            <a:ext cx="3014582" cy="2411666"/>
+          </a:xfrm>
+          <a:prstGeom prst="rect">
+            <a:avLst/>
+          </a:prstGeom>
+        </p:spPr>
+      </p:pic>
+    </p:spTree>
+    <p:extLst>
+      <p:ext uri="{BB962C8B-B14F-4D97-AF65-F5344CB8AC3E}">
+        <p14:creationId xmlns:p14="http://schemas.microsoft.com/office/powerpoint/2010/main" val="3324511038"/>
+      </p:ext>
+    </p:extLst>
+  </p:cSld>
+  <p:clrMapOvr>
+    <a:masterClrMapping/>
+  </p:clrMapOvr>
+</p:sld>
+</file>
+
+<file path=ppt/slides/slide32.xml><?xml version="1.0" encoding="utf-8"?>
+<p:sld xmlns:a="http://schemas.openxmlformats.org/drawingml/2006/main" xmlns:r="http://schemas.openxmlformats.org/officeDocument/2006/relationships" xmlns:p="http://schemas.openxmlformats.org/presentationml/2006/main">
+  <p:cSld>
+    <p:spTree>
+      <p:nvGrpSpPr>
+        <p:cNvPr id="1" name=""/>
+        <p:cNvGrpSpPr/>
+        <p:nvPr/>
+      </p:nvGrpSpPr>
+      <p:grpSpPr>
+        <a:xfrm>
+          <a:off x="0" y="0"/>
+          <a:ext cx="0" cy="0"/>
+          <a:chOff x="0" y="0"/>
+          <a:chExt cx="0" cy="0"/>
+        </a:xfrm>
+      </p:grpSpPr>
+      <p:sp>
+        <p:nvSpPr>
+          <p:cNvPr id="2" name="Title 1"/>
+          <p:cNvSpPr>
+            <a:spLocks noGrp="1"/>
+          </p:cNvSpPr>
+          <p:nvPr>
+            <p:ph type="title"/>
+          </p:nvPr>
+        </p:nvSpPr>
+        <p:spPr>
+          <a:xfrm>
+            <a:off x="231775" y="266701"/>
+            <a:ext cx="11728450" cy="548640"/>
+          </a:xfrm>
+        </p:spPr>
+        <p:txBody>
+          <a:bodyPr>
+            <a:normAutofit/>
+          </a:bodyPr>
+          <a:lstStyle/>
+          <a:p>
+            <a:r>
+              <a:rPr lang="en-US" sz="2800" dirty="0"/>
+              <a:t>Example &gt; Benchmark Interior Layer </a:t>
+            </a:r>
+          </a:p>
+        </p:txBody>
+      </p:sp>
+      <mc:AlternateContent xmlns:mc="http://schemas.openxmlformats.org/markup-compatibility/2006">
+        <mc:Choice xmlns:a14="http://schemas.microsoft.com/office/drawing/2010/main" Requires="a14">
+          <p:sp>
+            <p:nvSpPr>
+              <p:cNvPr id="3" name="Content Placeholder 2"/>
+              <p:cNvSpPr>
+                <a:spLocks noGrp="1"/>
+              </p:cNvSpPr>
+              <p:nvPr>
+                <p:ph idx="1"/>
+              </p:nvPr>
+            </p:nvSpPr>
+            <p:spPr>
+              <a:xfrm>
+                <a:off x="431799" y="1054100"/>
+                <a:ext cx="11528425" cy="5084763"/>
+              </a:xfrm>
+            </p:spPr>
+            <p:txBody>
+              <a:bodyPr>
+                <a:normAutofit/>
+              </a:bodyPr>
+              <a:lstStyle/>
+              <a:p>
+                <a:pPr marL="0" indent="0">
+                  <a:lnSpc>
+                    <a:spcPct val="120000"/>
+                  </a:lnSpc>
+                  <a:buNone/>
+                </a:pPr>
+                <a:r>
+                  <a:rPr lang="en-US" sz="1800" dirty="0"/>
+                  <a:t>We solve the equation</a:t>
+                </a:r>
+              </a:p>
+              <a:p>
+                <a:pPr marL="0" indent="0">
+                  <a:lnSpc>
+                    <a:spcPct val="120000"/>
+                  </a:lnSpc>
+                  <a:buNone/>
+                </a:pPr>
+                <a:endParaRPr lang="en-US" sz="1800" dirty="0"/>
+              </a:p>
+              <a:p>
+                <a:pPr marL="0" indent="0" algn="ctr">
+                  <a:lnSpc>
+                    <a:spcPct val="100000"/>
+                  </a:lnSpc>
+                  <a:buNone/>
+                </a:pPr>
+                <a14:m>
+                  <m:oMathPara xmlns:m="http://schemas.openxmlformats.org/officeDocument/2006/math">
+                    <m:oMathParaPr>
+                      <m:jc m:val="center"/>
+                    </m:oMathParaPr>
+                    <m:oMath xmlns:m="http://schemas.openxmlformats.org/officeDocument/2006/math">
+                      <m:r>
+                        <a:rPr lang="en-US" sz="2400" i="1">
+                          <a:latin typeface="Cambria Math" panose="02040503050406030204" pitchFamily="18" charset="0"/>
+                          <a:ea typeface="Cambria Math" panose="02040503050406030204" pitchFamily="18" charset="0"/>
+                        </a:rPr>
+                        <m:t>−∆</m:t>
+                      </m:r>
+                      <m:r>
+                        <a:rPr lang="en-US" sz="2400" b="0" i="1" smtClean="0">
+                          <a:latin typeface="Cambria Math" panose="02040503050406030204" pitchFamily="18" charset="0"/>
+                          <a:ea typeface="Cambria Math" panose="02040503050406030204" pitchFamily="18" charset="0"/>
+                        </a:rPr>
+                        <m:t>𝑢</m:t>
+                      </m:r>
+                      <m:r>
+                        <m:rPr>
+                          <m:nor/>
+                        </m:rPr>
+                        <a:rPr lang="en-US" sz="2400" b="0" i="0" smtClean="0">
+                          <a:latin typeface="Cambria Math" panose="02040503050406030204" pitchFamily="18" charset="0"/>
+                          <a:ea typeface="Cambria Math" panose="02040503050406030204" pitchFamily="18" charset="0"/>
+                        </a:rPr>
+                        <m:t> </m:t>
+                      </m:r>
+                      <m:r>
+                        <m:rPr>
+                          <m:nor/>
+                        </m:rPr>
+                        <a:rPr lang="en-US" sz="2400"/>
+                        <m:t>= </m:t>
+                      </m:r>
+                      <m:r>
+                        <m:rPr>
+                          <m:nor/>
+                        </m:rPr>
+                        <a:rPr lang="en-US" sz="2400" b="0" i="0" smtClean="0"/>
+                        <m:t>f</m:t>
+                      </m:r>
+                      <m:r>
+                        <m:rPr>
+                          <m:nor/>
+                        </m:rPr>
+                        <a:rPr lang="en-US" sz="2400"/>
+                        <m:t>,   </m:t>
+                      </m:r>
+                      <m:r>
+                        <m:rPr>
+                          <m:nor/>
+                        </m:rPr>
+                        <a:rPr lang="en-US" sz="2400"/>
+                        <m:t>u</m:t>
+                      </m:r>
+                      <m:sSub>
+                        <m:sSubPr>
+                          <m:ctrlPr>
+                            <a:rPr lang="en-US" sz="2400" i="1">
+                              <a:latin typeface="Cambria Math" panose="02040503050406030204" pitchFamily="18" charset="0"/>
+                            </a:rPr>
+                          </m:ctrlPr>
+                        </m:sSubPr>
+                        <m:e>
+                          <m:r>
+                            <a:rPr lang="en-US" sz="2400" i="1">
+                              <a:latin typeface="Cambria Math" panose="02040503050406030204" pitchFamily="18" charset="0"/>
+                            </a:rPr>
+                            <m:t>|</m:t>
+                          </m:r>
+                        </m:e>
+                        <m:sub>
+                          <m:r>
+                            <a:rPr lang="en-US" sz="2400" i="1" smtClean="0">
+                              <a:latin typeface="Cambria Math" panose="02040503050406030204" pitchFamily="18" charset="0"/>
+                              <a:ea typeface="Cambria Math" panose="02040503050406030204" pitchFamily="18" charset="0"/>
+                            </a:rPr>
+                            <m:t>𝛿</m:t>
+                          </m:r>
+                          <m:r>
+                            <m:rPr>
+                              <m:sty m:val="p"/>
+                            </m:rPr>
+                            <a:rPr lang="el-GR" sz="2400" i="1" smtClean="0">
+                              <a:latin typeface="Cambria Math" panose="02040503050406030204" pitchFamily="18" charset="0"/>
+                              <a:ea typeface="Cambria Math" panose="02040503050406030204" pitchFamily="18" charset="0"/>
+                            </a:rPr>
+                            <m:t>Ω</m:t>
+                          </m:r>
+                        </m:sub>
+                      </m:sSub>
+                      <m:r>
+                        <m:rPr>
+                          <m:nor/>
+                        </m:rPr>
+                        <a:rPr lang="en-US" sz="2400"/>
+                        <m:t> = </m:t>
+                      </m:r>
+                      <m:acc>
+                        <m:accPr>
+                          <m:chr m:val="̃"/>
+                          <m:ctrlPr>
+                            <a:rPr lang="en-US" sz="2400" i="1" smtClean="0">
+                              <a:latin typeface="Cambria Math" panose="02040503050406030204" pitchFamily="18" charset="0"/>
+                              <a:ea typeface="Cambria Math" panose="02040503050406030204" pitchFamily="18" charset="0"/>
+                            </a:rPr>
+                          </m:ctrlPr>
+                        </m:accPr>
+                        <m:e>
+                          <m:r>
+                            <a:rPr lang="en-US" sz="2400" b="0" i="1" smtClean="0">
+                              <a:latin typeface="Cambria Math" panose="02040503050406030204" pitchFamily="18" charset="0"/>
+                              <a:ea typeface="Cambria Math" panose="02040503050406030204" pitchFamily="18" charset="0"/>
+                            </a:rPr>
+                            <m:t>𝑓</m:t>
+                          </m:r>
+                        </m:e>
+                      </m:acc>
+                    </m:oMath>
+                  </m:oMathPara>
+                </a14:m>
+                <a:endParaRPr lang="en-US" sz="2400" dirty="0"/>
+              </a:p>
+              <a:p>
+                <a:pPr marL="0" indent="0">
+                  <a:lnSpc>
+                    <a:spcPct val="100000"/>
+                  </a:lnSpc>
+                  <a:buNone/>
+                </a:pPr>
+                <a:endParaRPr lang="en-US" sz="1800" dirty="0"/>
+              </a:p>
+              <a:p>
+                <a:pPr marL="0" indent="0">
+                  <a:lnSpc>
+                    <a:spcPct val="100000"/>
+                  </a:lnSpc>
+                  <a:buNone/>
+                </a:pPr>
+                <a:r>
+                  <a:rPr lang="en-US" sz="1800" dirty="0"/>
+                  <a:t>Where</a:t>
+                </a:r>
+              </a:p>
+              <a:p>
+                <a:pPr>
+                  <a:buFontTx/>
+                  <a:buChar char="-"/>
+                </a:pPr>
+                <a14:m>
+                  <m:oMath xmlns:m="http://schemas.openxmlformats.org/officeDocument/2006/math">
+                    <m:r>
+                      <m:rPr>
+                        <m:sty m:val="p"/>
+                      </m:rPr>
+                      <a:rPr lang="el-GR" sz="1800" i="1">
+                        <a:latin typeface="Cambria Math" panose="02040503050406030204" pitchFamily="18" charset="0"/>
+                        <a:ea typeface="Cambria Math" panose="02040503050406030204" pitchFamily="18" charset="0"/>
+                      </a:rPr>
+                      <m:t>Ω</m:t>
+                    </m:r>
+                  </m:oMath>
+                </a14:m>
+                <a:r>
+                  <a:rPr lang="en-US" sz="1800" dirty="0"/>
+                  <a:t> is the space domain - </a:t>
+                </a:r>
+                <a:r>
+                  <a:rPr lang="it-IT" sz="1800" dirty="0"/>
+                  <a:t>square (0, 1) x (0, 1)</a:t>
+                </a:r>
+                <a:r>
+                  <a:rPr lang="en-US" sz="1800" dirty="0"/>
+                  <a:t>,</a:t>
+                </a:r>
+              </a:p>
+              <a:p>
+                <a:pPr>
+                  <a:buFontTx/>
+                  <a:buChar char="-"/>
+                </a:pPr>
+                <a14:m>
+                  <m:oMath xmlns:m="http://schemas.openxmlformats.org/officeDocument/2006/math">
+                    <m:acc>
+                      <m:accPr>
+                        <m:chr m:val="̃"/>
+                        <m:ctrlPr>
+                          <a:rPr lang="en-US" sz="1800" b="0" i="1" smtClean="0">
+                            <a:latin typeface="Cambria Math" panose="02040503050406030204" pitchFamily="18" charset="0"/>
+                            <a:ea typeface="Cambria Math" panose="02040503050406030204" pitchFamily="18" charset="0"/>
+                          </a:rPr>
+                        </m:ctrlPr>
+                      </m:accPr>
+                      <m:e>
+                        <m:r>
+                          <a:rPr lang="en-US" sz="1800" b="0" i="1" smtClean="0">
+                            <a:latin typeface="Cambria Math" panose="02040503050406030204" pitchFamily="18" charset="0"/>
+                            <a:ea typeface="Cambria Math" panose="02040503050406030204" pitchFamily="18" charset="0"/>
+                          </a:rPr>
+                          <m:t>𝑓</m:t>
+                        </m:r>
+                      </m:e>
+                    </m:acc>
+                  </m:oMath>
+                </a14:m>
+                <a:r>
+                  <a:rPr lang="en-US" sz="1800" dirty="0"/>
+                  <a:t> is the (known) exact solution,</a:t>
+                </a:r>
+              </a:p>
+              <a:p>
+                <a:pPr>
+                  <a:buFontTx/>
+                  <a:buChar char="-"/>
+                </a:pPr>
+                <a14:m>
+                  <m:oMath xmlns:m="http://schemas.openxmlformats.org/officeDocument/2006/math">
+                    <m:r>
+                      <a:rPr lang="en-US" sz="1800" b="0" i="1" smtClean="0">
+                        <a:latin typeface="Cambria Math" panose="02040503050406030204" pitchFamily="18" charset="0"/>
+                        <a:ea typeface="Cambria Math" panose="02040503050406030204" pitchFamily="18" charset="0"/>
+                      </a:rPr>
+                      <m:t>𝑓</m:t>
+                    </m:r>
+                  </m:oMath>
+                </a14:m>
+                <a:r>
+                  <a:rPr lang="en-US" sz="1800" dirty="0"/>
+                  <a:t> is the Laplacian of the exact solution,</a:t>
+                </a:r>
+              </a:p>
+              <a:p>
+                <a:pPr>
+                  <a:buFontTx/>
+                  <a:buChar char="-"/>
+                </a:pPr>
+                <a:r>
+                  <a:rPr lang="en-US" sz="1800" dirty="0"/>
+                  <a:t>u is the sought solution</a:t>
+                </a:r>
+                <a:endParaRPr lang="en-US" sz="1800" dirty="0">
+                  <a:highlight>
+                    <a:srgbClr val="FFFF00"/>
+                  </a:highlight>
+                </a:endParaRPr>
+              </a:p>
+              <a:p>
+                <a:pPr marL="0" indent="0">
+                  <a:buNone/>
+                </a:pPr>
+                <a:endParaRPr lang="en-US" sz="1800" dirty="0"/>
+              </a:p>
+              <a:p>
+                <a:pPr marL="0" indent="0">
+                  <a:buNone/>
+                </a:pPr>
+                <a:r>
+                  <a:rPr lang="en-US" sz="1800" dirty="0"/>
+                  <a:t>The features illustrated on this example are</a:t>
+                </a:r>
+              </a:p>
+              <a:p>
+                <a:pPr>
+                  <a:buFontTx/>
+                  <a:buChar char="-"/>
+                </a:pPr>
+                <a:r>
+                  <a:rPr lang="en-US" sz="1800" dirty="0"/>
+                  <a:t>Calculating exact error,</a:t>
+                </a:r>
+              </a:p>
+              <a:p>
+                <a:pPr>
+                  <a:buFontTx/>
+                  <a:buChar char="-"/>
+                </a:pPr>
+                <a:r>
+                  <a:rPr lang="en-US" sz="1800" dirty="0"/>
+                  <a:t>Anisotropic refinements usage in AMR.</a:t>
+                </a:r>
+              </a:p>
+            </p:txBody>
+          </p:sp>
+        </mc:Choice>
+        <mc:Fallback>
+          <p:sp>
+            <p:nvSpPr>
+              <p:cNvPr id="3" name="Content Placeholder 2"/>
+              <p:cNvSpPr>
+                <a:spLocks noGrp="1" noRot="1" noChangeAspect="1" noMove="1" noResize="1" noEditPoints="1" noAdjustHandles="1" noChangeArrowheads="1" noChangeShapeType="1" noTextEdit="1"/>
+              </p:cNvSpPr>
+              <p:nvPr>
+                <p:ph idx="1"/>
+              </p:nvPr>
+            </p:nvSpPr>
+            <p:spPr>
+              <a:xfrm>
+                <a:off x="431799" y="1054100"/>
+                <a:ext cx="11528425" cy="5084763"/>
+              </a:xfrm>
+              <a:blipFill>
+                <a:blip r:embed="rId2"/>
+                <a:stretch>
+                  <a:fillRect l="-476" b="-1559"/>
+                </a:stretch>
+              </a:blipFill>
+            </p:spPr>
+            <p:txBody>
+              <a:bodyPr/>
+              <a:lstStyle/>
+              <a:p>
+                <a:r>
+                  <a:rPr lang="en-US">
+                    <a:noFill/>
+                  </a:rPr>
+                  <a:t> </a:t>
+                </a:r>
+              </a:p>
+            </p:txBody>
+          </p:sp>
+        </mc:Fallback>
+      </mc:AlternateContent>
+      <p:pic>
+        <p:nvPicPr>
+          <p:cNvPr id="5" name="Picture 4"/>
+          <p:cNvPicPr>
+            <a:picLocks noChangeAspect="1"/>
+          </p:cNvPicPr>
+          <p:nvPr/>
+        </p:nvPicPr>
+        <p:blipFill>
+          <a:blip r:embed="rId3">
+            <a:extLst>
+              <a:ext uri="{28A0092B-C50C-407E-A947-70E740481C1C}">
+                <a14:useLocalDpi xmlns:a14="http://schemas.microsoft.com/office/drawing/2010/main" val="0"/>
+              </a:ext>
+            </a:extLst>
+          </a:blip>
+          <a:stretch>
+            <a:fillRect/>
+          </a:stretch>
+        </p:blipFill>
+        <p:spPr>
+          <a:xfrm>
+            <a:off x="9607550" y="6311900"/>
+            <a:ext cx="2584450" cy="544722"/>
+          </a:xfrm>
+          <a:prstGeom prst="rect">
+            <a:avLst/>
+          </a:prstGeom>
+        </p:spPr>
+      </p:pic>
+      <p:cxnSp>
+        <p:nvCxnSpPr>
+          <p:cNvPr id="6" name="Straight Connector 5"/>
+          <p:cNvCxnSpPr/>
+          <p:nvPr/>
+        </p:nvCxnSpPr>
+        <p:spPr>
+          <a:xfrm flipH="1">
+            <a:off x="0" y="6311900"/>
+            <a:ext cx="12192000" cy="0"/>
+          </a:xfrm>
+          <a:prstGeom prst="line">
+            <a:avLst/>
+          </a:prstGeom>
+        </p:spPr>
+        <p:style>
+          <a:lnRef idx="1">
+            <a:schemeClr val="dk1"/>
+          </a:lnRef>
+          <a:fillRef idx="0">
+            <a:schemeClr val="dk1"/>
+          </a:fillRef>
+          <a:effectRef idx="0">
+            <a:schemeClr val="dk1"/>
+          </a:effectRef>
+          <a:fontRef idx="minor">
+            <a:schemeClr val="tx1"/>
+          </a:fontRef>
+        </p:style>
+      </p:cxnSp>
+      <p:pic>
+        <p:nvPicPr>
+          <p:cNvPr id="7" name="Picture 6"/>
+          <p:cNvPicPr>
+            <a:picLocks noChangeAspect="1"/>
+          </p:cNvPicPr>
+          <p:nvPr/>
+        </p:nvPicPr>
+        <p:blipFill>
+          <a:blip r:embed="rId4">
+            <a:extLst>
+              <a:ext uri="{28A0092B-C50C-407E-A947-70E740481C1C}">
+                <a14:useLocalDpi xmlns:a14="http://schemas.microsoft.com/office/drawing/2010/main" val="0"/>
+              </a:ext>
+            </a:extLst>
+          </a:blip>
+          <a:stretch>
+            <a:fillRect/>
+          </a:stretch>
+        </p:blipFill>
+        <p:spPr>
+          <a:xfrm>
+            <a:off x="133350" y="6349462"/>
+            <a:ext cx="1248229" cy="508538"/>
+          </a:xfrm>
+          <a:prstGeom prst="rect">
+            <a:avLst/>
+          </a:prstGeom>
+        </p:spPr>
+      </p:pic>
+      <p:sp>
+        <p:nvSpPr>
+          <p:cNvPr id="8" name="TextBox 7"/>
+          <p:cNvSpPr txBox="1"/>
+          <p:nvPr/>
+        </p:nvSpPr>
+        <p:spPr>
+          <a:xfrm>
+            <a:off x="4298950" y="6388100"/>
+            <a:ext cx="3594100" cy="369332"/>
+          </a:xfrm>
+          <a:prstGeom prst="rect">
+            <a:avLst/>
+          </a:prstGeom>
+          <a:noFill/>
+        </p:spPr>
+        <p:txBody>
+          <a:bodyPr wrap="square" rtlCol="0">
+            <a:spAutoFit/>
+          </a:bodyPr>
+          <a:lstStyle/>
+          <a:p>
+            <a:r>
+              <a:rPr lang="en-US" dirty="0"/>
+              <a:t>Hermes2D – Lukas Korous</a:t>
+            </a:r>
+          </a:p>
+        </p:txBody>
+      </p:sp>
+    </p:spTree>
+    <p:extLst>
+      <p:ext uri="{BB962C8B-B14F-4D97-AF65-F5344CB8AC3E}">
+        <p14:creationId xmlns:p14="http://schemas.microsoft.com/office/powerpoint/2010/main" val="1634528914"/>
+      </p:ext>
+    </p:extLst>
+  </p:cSld>
+  <p:clrMapOvr>
+    <a:masterClrMapping/>
+  </p:clrMapOvr>
+</p:sld>
+</file>
+
+<file path=ppt/slides/slide33.xml><?xml version="1.0" encoding="utf-8"?>
+<p:sld xmlns:a="http://schemas.openxmlformats.org/drawingml/2006/main" xmlns:r="http://schemas.openxmlformats.org/officeDocument/2006/relationships" xmlns:p="http://schemas.openxmlformats.org/presentationml/2006/main">
+  <p:cSld>
+    <p:spTree>
+      <p:nvGrpSpPr>
+        <p:cNvPr id="1" name=""/>
+        <p:cNvGrpSpPr/>
+        <p:nvPr/>
+      </p:nvGrpSpPr>
+      <p:grpSpPr>
+        <a:xfrm>
+          <a:off x="0" y="0"/>
+          <a:ext cx="0" cy="0"/>
+          <a:chOff x="0" y="0"/>
+          <a:chExt cx="0" cy="0"/>
+        </a:xfrm>
+      </p:grpSpPr>
+      <p:sp>
+        <p:nvSpPr>
+          <p:cNvPr id="2" name="Title 1"/>
+          <p:cNvSpPr>
+            <a:spLocks noGrp="1"/>
+          </p:cNvSpPr>
+          <p:nvPr>
+            <p:ph type="title"/>
+          </p:nvPr>
+        </p:nvSpPr>
+        <p:spPr>
+          <a:xfrm>
+            <a:off x="231775" y="266701"/>
+            <a:ext cx="11728450" cy="548640"/>
+          </a:xfrm>
+        </p:spPr>
+        <p:txBody>
+          <a:bodyPr>
+            <a:normAutofit/>
+          </a:bodyPr>
+          <a:lstStyle/>
+          <a:p>
+            <a:r>
+              <a:rPr lang="en-US" sz="2800" dirty="0"/>
+              <a:t>Example &gt; Benchmark Interior Layer </a:t>
+            </a:r>
+          </a:p>
+        </p:txBody>
+      </p:sp>
+      <p:pic>
+        <p:nvPicPr>
+          <p:cNvPr id="5" name="Picture 4"/>
+          <p:cNvPicPr>
+            <a:picLocks noChangeAspect="1"/>
+          </p:cNvPicPr>
+          <p:nvPr/>
+        </p:nvPicPr>
+        <p:blipFill>
+          <a:blip r:embed="rId2">
+            <a:extLst>
+              <a:ext uri="{28A0092B-C50C-407E-A947-70E740481C1C}">
+                <a14:useLocalDpi xmlns:a14="http://schemas.microsoft.com/office/drawing/2010/main" val="0"/>
+              </a:ext>
+            </a:extLst>
+          </a:blip>
+          <a:stretch>
+            <a:fillRect/>
+          </a:stretch>
+        </p:blipFill>
+        <p:spPr>
+          <a:xfrm>
+            <a:off x="9607550" y="6311900"/>
+            <a:ext cx="2584450" cy="544722"/>
+          </a:xfrm>
+          <a:prstGeom prst="rect">
+            <a:avLst/>
+          </a:prstGeom>
+        </p:spPr>
+      </p:pic>
+      <p:cxnSp>
+        <p:nvCxnSpPr>
+          <p:cNvPr id="6" name="Straight Connector 5"/>
+          <p:cNvCxnSpPr/>
+          <p:nvPr/>
+        </p:nvCxnSpPr>
+        <p:spPr>
+          <a:xfrm flipH="1">
+            <a:off x="0" y="6311900"/>
+            <a:ext cx="12192000" cy="0"/>
+          </a:xfrm>
+          <a:prstGeom prst="line">
+            <a:avLst/>
+          </a:prstGeom>
+        </p:spPr>
+        <p:style>
+          <a:lnRef idx="1">
+            <a:schemeClr val="dk1"/>
+          </a:lnRef>
+          <a:fillRef idx="0">
+            <a:schemeClr val="dk1"/>
+          </a:fillRef>
+          <a:effectRef idx="0">
+            <a:schemeClr val="dk1"/>
+          </a:effectRef>
+          <a:fontRef idx="minor">
+            <a:schemeClr val="tx1"/>
+          </a:fontRef>
+        </p:style>
+      </p:cxnSp>
+      <p:pic>
+        <p:nvPicPr>
+          <p:cNvPr id="7" name="Picture 6"/>
+          <p:cNvPicPr>
+            <a:picLocks noChangeAspect="1"/>
+          </p:cNvPicPr>
+          <p:nvPr/>
+        </p:nvPicPr>
+        <p:blipFill>
+          <a:blip r:embed="rId3">
+            <a:extLst>
+              <a:ext uri="{28A0092B-C50C-407E-A947-70E740481C1C}">
+                <a14:useLocalDpi xmlns:a14="http://schemas.microsoft.com/office/drawing/2010/main" val="0"/>
+              </a:ext>
+            </a:extLst>
+          </a:blip>
+          <a:stretch>
+            <a:fillRect/>
+          </a:stretch>
+        </p:blipFill>
+        <p:spPr>
+          <a:xfrm>
+            <a:off x="133350" y="6349462"/>
+            <a:ext cx="1248229" cy="508538"/>
+          </a:xfrm>
+          <a:prstGeom prst="rect">
+            <a:avLst/>
+          </a:prstGeom>
+        </p:spPr>
+      </p:pic>
+      <p:sp>
+        <p:nvSpPr>
+          <p:cNvPr id="8" name="TextBox 7"/>
+          <p:cNvSpPr txBox="1"/>
+          <p:nvPr/>
+        </p:nvSpPr>
+        <p:spPr>
+          <a:xfrm>
+            <a:off x="4298950" y="6388100"/>
+            <a:ext cx="3594100" cy="369332"/>
+          </a:xfrm>
+          <a:prstGeom prst="rect">
+            <a:avLst/>
+          </a:prstGeom>
+          <a:noFill/>
+        </p:spPr>
+        <p:txBody>
+          <a:bodyPr wrap="square" rtlCol="0">
+            <a:spAutoFit/>
+          </a:bodyPr>
+          <a:lstStyle/>
+          <a:p>
+            <a:r>
+              <a:rPr lang="en-US" dirty="0"/>
+              <a:t>Hermes2D – Lukas Korous</a:t>
+            </a:r>
+          </a:p>
+        </p:txBody>
+      </p:sp>
+      <p:pic>
+        <p:nvPicPr>
+          <p:cNvPr id="9" name="Picture 8"/>
+          <p:cNvPicPr>
+            <a:picLocks noChangeAspect="1"/>
+          </p:cNvPicPr>
+          <p:nvPr/>
+        </p:nvPicPr>
+        <p:blipFill>
+          <a:blip r:embed="rId4">
+            <a:extLst>
+              <a:ext uri="{28A0092B-C50C-407E-A947-70E740481C1C}">
+                <a14:useLocalDpi xmlns:a14="http://schemas.microsoft.com/office/drawing/2010/main" val="0"/>
+              </a:ext>
+            </a:extLst>
+          </a:blip>
+          <a:stretch>
+            <a:fillRect/>
+          </a:stretch>
+        </p:blipFill>
+        <p:spPr>
+          <a:xfrm>
+            <a:off x="6460980" y="1865562"/>
+            <a:ext cx="4210736" cy="3508947"/>
+          </a:xfrm>
+          <a:prstGeom prst="rect">
+            <a:avLst/>
+          </a:prstGeom>
+        </p:spPr>
+      </p:pic>
+      <p:pic>
+        <p:nvPicPr>
+          <p:cNvPr id="10" name="Picture 9"/>
+          <p:cNvPicPr>
+            <a:picLocks noChangeAspect="1"/>
+          </p:cNvPicPr>
+          <p:nvPr/>
+        </p:nvPicPr>
+        <p:blipFill>
+          <a:blip r:embed="rId5">
+            <a:extLst>
+              <a:ext uri="{28A0092B-C50C-407E-A947-70E740481C1C}">
+                <a14:useLocalDpi xmlns:a14="http://schemas.microsoft.com/office/drawing/2010/main" val="0"/>
+              </a:ext>
+            </a:extLst>
+          </a:blip>
+          <a:stretch>
+            <a:fillRect/>
+          </a:stretch>
+        </p:blipFill>
+        <p:spPr>
+          <a:xfrm>
+            <a:off x="1123077" y="1875548"/>
+            <a:ext cx="4393802" cy="3495069"/>
+          </a:xfrm>
+          <a:prstGeom prst="rect">
+            <a:avLst/>
+          </a:prstGeom>
+        </p:spPr>
+      </p:pic>
+      <p:sp>
+        <p:nvSpPr>
+          <p:cNvPr id="11" name="TextBox 10"/>
+          <p:cNvSpPr txBox="1"/>
+          <p:nvPr/>
+        </p:nvSpPr>
+        <p:spPr>
+          <a:xfrm>
+            <a:off x="3550920" y="1165860"/>
+            <a:ext cx="5090160" cy="369332"/>
+          </a:xfrm>
+          <a:prstGeom prst="rect">
+            <a:avLst/>
+          </a:prstGeom>
+          <a:noFill/>
+        </p:spPr>
+        <p:txBody>
+          <a:bodyPr wrap="square" rtlCol="0">
+            <a:spAutoFit/>
+          </a:bodyPr>
+          <a:lstStyle/>
+          <a:p>
+            <a:pPr algn="ctr"/>
+            <a:r>
+              <a:rPr lang="en-US" dirty="0"/>
+              <a:t>solution (left), FE space (right), </a:t>
+            </a:r>
+            <a:r>
+              <a:rPr lang="en-US" dirty="0" err="1"/>
+              <a:t>adaptivity</a:t>
+            </a:r>
+            <a:r>
+              <a:rPr lang="en-US" dirty="0"/>
+              <a:t> step #1</a:t>
+            </a:r>
+          </a:p>
+        </p:txBody>
+      </p:sp>
+    </p:spTree>
+    <p:extLst>
+      <p:ext uri="{BB962C8B-B14F-4D97-AF65-F5344CB8AC3E}">
+        <p14:creationId xmlns:p14="http://schemas.microsoft.com/office/powerpoint/2010/main" val="226103144"/>
+      </p:ext>
+    </p:extLst>
+  </p:cSld>
+  <p:clrMapOvr>
+    <a:masterClrMapping/>
+  </p:clrMapOvr>
+</p:sld>
+</file>
+
+<file path=ppt/slides/slide34.xml><?xml version="1.0" encoding="utf-8"?>
+<p:sld xmlns:a="http://schemas.openxmlformats.org/drawingml/2006/main" xmlns:r="http://schemas.openxmlformats.org/officeDocument/2006/relationships" xmlns:p="http://schemas.openxmlformats.org/presentationml/2006/main">
+  <p:cSld>
+    <p:spTree>
+      <p:nvGrpSpPr>
+        <p:cNvPr id="1" name=""/>
+        <p:cNvGrpSpPr/>
+        <p:nvPr/>
+      </p:nvGrpSpPr>
+      <p:grpSpPr>
+        <a:xfrm>
+          <a:off x="0" y="0"/>
+          <a:ext cx="0" cy="0"/>
+          <a:chOff x="0" y="0"/>
+          <a:chExt cx="0" cy="0"/>
+        </a:xfrm>
+      </p:grpSpPr>
+      <p:sp>
+        <p:nvSpPr>
+          <p:cNvPr id="2" name="Title 1"/>
+          <p:cNvSpPr>
+            <a:spLocks noGrp="1"/>
+          </p:cNvSpPr>
+          <p:nvPr>
+            <p:ph type="title"/>
+          </p:nvPr>
+        </p:nvSpPr>
+        <p:spPr>
+          <a:xfrm>
+            <a:off x="231775" y="266701"/>
+            <a:ext cx="11728450" cy="548640"/>
+          </a:xfrm>
+        </p:spPr>
+        <p:txBody>
+          <a:bodyPr>
+            <a:normAutofit/>
+          </a:bodyPr>
+          <a:lstStyle/>
+          <a:p>
+            <a:r>
+              <a:rPr lang="en-US" sz="2800" dirty="0"/>
+              <a:t>Example &gt; Benchmark Interior Layer </a:t>
+            </a:r>
+          </a:p>
+        </p:txBody>
+      </p:sp>
+      <p:pic>
+        <p:nvPicPr>
+          <p:cNvPr id="5" name="Picture 4"/>
+          <p:cNvPicPr>
+            <a:picLocks noChangeAspect="1"/>
+          </p:cNvPicPr>
+          <p:nvPr/>
+        </p:nvPicPr>
+        <p:blipFill>
+          <a:blip r:embed="rId2">
+            <a:extLst>
+              <a:ext uri="{28A0092B-C50C-407E-A947-70E740481C1C}">
+                <a14:useLocalDpi xmlns:a14="http://schemas.microsoft.com/office/drawing/2010/main" val="0"/>
+              </a:ext>
+            </a:extLst>
+          </a:blip>
+          <a:stretch>
+            <a:fillRect/>
+          </a:stretch>
+        </p:blipFill>
+        <p:spPr>
+          <a:xfrm>
+            <a:off x="9607550" y="6311900"/>
+            <a:ext cx="2584450" cy="544722"/>
+          </a:xfrm>
+          <a:prstGeom prst="rect">
+            <a:avLst/>
+          </a:prstGeom>
+        </p:spPr>
+      </p:pic>
+      <p:cxnSp>
+        <p:nvCxnSpPr>
+          <p:cNvPr id="6" name="Straight Connector 5"/>
+          <p:cNvCxnSpPr/>
+          <p:nvPr/>
+        </p:nvCxnSpPr>
+        <p:spPr>
+          <a:xfrm flipH="1">
+            <a:off x="0" y="6311900"/>
+            <a:ext cx="12192000" cy="0"/>
+          </a:xfrm>
+          <a:prstGeom prst="line">
+            <a:avLst/>
+          </a:prstGeom>
+        </p:spPr>
+        <p:style>
+          <a:lnRef idx="1">
+            <a:schemeClr val="dk1"/>
+          </a:lnRef>
+          <a:fillRef idx="0">
+            <a:schemeClr val="dk1"/>
+          </a:fillRef>
+          <a:effectRef idx="0">
+            <a:schemeClr val="dk1"/>
+          </a:effectRef>
+          <a:fontRef idx="minor">
+            <a:schemeClr val="tx1"/>
+          </a:fontRef>
+        </p:style>
+      </p:cxnSp>
+      <p:pic>
+        <p:nvPicPr>
+          <p:cNvPr id="7" name="Picture 6"/>
+          <p:cNvPicPr>
+            <a:picLocks noChangeAspect="1"/>
+          </p:cNvPicPr>
+          <p:nvPr/>
+        </p:nvPicPr>
+        <p:blipFill>
+          <a:blip r:embed="rId3">
+            <a:extLst>
+              <a:ext uri="{28A0092B-C50C-407E-A947-70E740481C1C}">
+                <a14:useLocalDpi xmlns:a14="http://schemas.microsoft.com/office/drawing/2010/main" val="0"/>
+              </a:ext>
+            </a:extLst>
+          </a:blip>
+          <a:stretch>
+            <a:fillRect/>
+          </a:stretch>
+        </p:blipFill>
+        <p:spPr>
+          <a:xfrm>
+            <a:off x="133350" y="6349462"/>
+            <a:ext cx="1248229" cy="508538"/>
+          </a:xfrm>
+          <a:prstGeom prst="rect">
+            <a:avLst/>
+          </a:prstGeom>
+        </p:spPr>
+      </p:pic>
+      <p:sp>
+        <p:nvSpPr>
+          <p:cNvPr id="8" name="TextBox 7"/>
+          <p:cNvSpPr txBox="1"/>
+          <p:nvPr/>
+        </p:nvSpPr>
+        <p:spPr>
+          <a:xfrm>
+            <a:off x="4298950" y="6388100"/>
+            <a:ext cx="3594100" cy="369332"/>
+          </a:xfrm>
+          <a:prstGeom prst="rect">
+            <a:avLst/>
+          </a:prstGeom>
+          <a:noFill/>
+        </p:spPr>
+        <p:txBody>
+          <a:bodyPr wrap="square" rtlCol="0">
+            <a:spAutoFit/>
+          </a:bodyPr>
+          <a:lstStyle/>
+          <a:p>
+            <a:r>
+              <a:rPr lang="en-US" dirty="0"/>
+              <a:t>Hermes2D – Lukas Korous</a:t>
+            </a:r>
+          </a:p>
+        </p:txBody>
+      </p:sp>
+      <p:pic>
+        <p:nvPicPr>
+          <p:cNvPr id="9" name="Picture 8"/>
+          <p:cNvPicPr>
+            <a:picLocks noChangeAspect="1"/>
+          </p:cNvPicPr>
+          <p:nvPr/>
+        </p:nvPicPr>
+        <p:blipFill>
+          <a:blip r:embed="rId4">
+            <a:extLst>
+              <a:ext uri="{28A0092B-C50C-407E-A947-70E740481C1C}">
+                <a14:useLocalDpi xmlns:a14="http://schemas.microsoft.com/office/drawing/2010/main" val="0"/>
+              </a:ext>
+            </a:extLst>
+          </a:blip>
+          <a:stretch>
+            <a:fillRect/>
+          </a:stretch>
+        </p:blipFill>
+        <p:spPr>
+          <a:xfrm>
+            <a:off x="6460980" y="1865562"/>
+            <a:ext cx="4210736" cy="3508946"/>
+          </a:xfrm>
+          <a:prstGeom prst="rect">
+            <a:avLst/>
+          </a:prstGeom>
+        </p:spPr>
+      </p:pic>
+      <p:pic>
+        <p:nvPicPr>
+          <p:cNvPr id="10" name="Picture 9"/>
+          <p:cNvPicPr>
+            <a:picLocks noChangeAspect="1"/>
+          </p:cNvPicPr>
+          <p:nvPr/>
+        </p:nvPicPr>
+        <p:blipFill>
+          <a:blip r:embed="rId5">
+            <a:extLst>
+              <a:ext uri="{28A0092B-C50C-407E-A947-70E740481C1C}">
+                <a14:useLocalDpi xmlns:a14="http://schemas.microsoft.com/office/drawing/2010/main" val="0"/>
+              </a:ext>
+            </a:extLst>
+          </a:blip>
+          <a:stretch>
+            <a:fillRect/>
+          </a:stretch>
+        </p:blipFill>
+        <p:spPr>
+          <a:xfrm>
+            <a:off x="1123077" y="1875548"/>
+            <a:ext cx="4393801" cy="3495069"/>
+          </a:xfrm>
+          <a:prstGeom prst="rect">
+            <a:avLst/>
+          </a:prstGeom>
+        </p:spPr>
+      </p:pic>
+      <p:sp>
+        <p:nvSpPr>
+          <p:cNvPr id="11" name="TextBox 10"/>
+          <p:cNvSpPr txBox="1"/>
+          <p:nvPr/>
+        </p:nvSpPr>
+        <p:spPr>
+          <a:xfrm>
+            <a:off x="3550920" y="1165860"/>
+            <a:ext cx="5090160" cy="369332"/>
+          </a:xfrm>
+          <a:prstGeom prst="rect">
+            <a:avLst/>
+          </a:prstGeom>
+          <a:noFill/>
+        </p:spPr>
+        <p:txBody>
+          <a:bodyPr wrap="square" rtlCol="0">
+            <a:spAutoFit/>
+          </a:bodyPr>
+          <a:lstStyle/>
+          <a:p>
+            <a:pPr algn="ctr"/>
+            <a:r>
+              <a:rPr lang="en-US" dirty="0"/>
+              <a:t>solution (left), FE space (right), </a:t>
+            </a:r>
+            <a:r>
+              <a:rPr lang="en-US" dirty="0" err="1"/>
+              <a:t>adaptivity</a:t>
+            </a:r>
+            <a:r>
+              <a:rPr lang="en-US" dirty="0"/>
+              <a:t> step #2</a:t>
+            </a:r>
+          </a:p>
+        </p:txBody>
+      </p:sp>
+    </p:spTree>
+    <p:extLst>
+      <p:ext uri="{BB962C8B-B14F-4D97-AF65-F5344CB8AC3E}">
+        <p14:creationId xmlns:p14="http://schemas.microsoft.com/office/powerpoint/2010/main" val="1397675271"/>
+      </p:ext>
+    </p:extLst>
+  </p:cSld>
+  <p:clrMapOvr>
+    <a:masterClrMapping/>
+  </p:clrMapOvr>
+</p:sld>
+</file>
+
+<file path=ppt/slides/slide35.xml><?xml version="1.0" encoding="utf-8"?>
+<p:sld xmlns:a="http://schemas.openxmlformats.org/drawingml/2006/main" xmlns:r="http://schemas.openxmlformats.org/officeDocument/2006/relationships" xmlns:p="http://schemas.openxmlformats.org/presentationml/2006/main">
+  <p:cSld>
+    <p:spTree>
+      <p:nvGrpSpPr>
+        <p:cNvPr id="1" name=""/>
+        <p:cNvGrpSpPr/>
+        <p:nvPr/>
+      </p:nvGrpSpPr>
+      <p:grpSpPr>
+        <a:xfrm>
+          <a:off x="0" y="0"/>
+          <a:ext cx="0" cy="0"/>
+          <a:chOff x="0" y="0"/>
+          <a:chExt cx="0" cy="0"/>
+        </a:xfrm>
+      </p:grpSpPr>
+      <p:sp>
+        <p:nvSpPr>
+          <p:cNvPr id="2" name="Title 1"/>
+          <p:cNvSpPr>
+            <a:spLocks noGrp="1"/>
+          </p:cNvSpPr>
+          <p:nvPr>
+            <p:ph type="title"/>
+          </p:nvPr>
+        </p:nvSpPr>
+        <p:spPr>
+          <a:xfrm>
+            <a:off x="231775" y="266701"/>
+            <a:ext cx="11728450" cy="548640"/>
+          </a:xfrm>
+        </p:spPr>
+        <p:txBody>
+          <a:bodyPr>
+            <a:normAutofit/>
+          </a:bodyPr>
+          <a:lstStyle/>
+          <a:p>
+            <a:r>
+              <a:rPr lang="en-US" sz="2800" dirty="0"/>
+              <a:t>Example &gt; Benchmark Interior Layer </a:t>
+            </a:r>
+          </a:p>
+        </p:txBody>
+      </p:sp>
+      <p:pic>
+        <p:nvPicPr>
+          <p:cNvPr id="5" name="Picture 4"/>
+          <p:cNvPicPr>
+            <a:picLocks noChangeAspect="1"/>
+          </p:cNvPicPr>
+          <p:nvPr/>
+        </p:nvPicPr>
+        <p:blipFill>
+          <a:blip r:embed="rId2">
+            <a:extLst>
+              <a:ext uri="{28A0092B-C50C-407E-A947-70E740481C1C}">
+                <a14:useLocalDpi xmlns:a14="http://schemas.microsoft.com/office/drawing/2010/main" val="0"/>
+              </a:ext>
+            </a:extLst>
+          </a:blip>
+          <a:stretch>
+            <a:fillRect/>
+          </a:stretch>
+        </p:blipFill>
+        <p:spPr>
+          <a:xfrm>
+            <a:off x="9607550" y="6311900"/>
+            <a:ext cx="2584450" cy="544722"/>
+          </a:xfrm>
+          <a:prstGeom prst="rect">
+            <a:avLst/>
+          </a:prstGeom>
+        </p:spPr>
+      </p:pic>
+      <p:cxnSp>
+        <p:nvCxnSpPr>
+          <p:cNvPr id="6" name="Straight Connector 5"/>
+          <p:cNvCxnSpPr/>
+          <p:nvPr/>
+        </p:nvCxnSpPr>
+        <p:spPr>
+          <a:xfrm flipH="1">
+            <a:off x="0" y="6311900"/>
+            <a:ext cx="12192000" cy="0"/>
+          </a:xfrm>
+          <a:prstGeom prst="line">
+            <a:avLst/>
+          </a:prstGeom>
+        </p:spPr>
+        <p:style>
+          <a:lnRef idx="1">
+            <a:schemeClr val="dk1"/>
+          </a:lnRef>
+          <a:fillRef idx="0">
+            <a:schemeClr val="dk1"/>
+          </a:fillRef>
+          <a:effectRef idx="0">
+            <a:schemeClr val="dk1"/>
+          </a:effectRef>
+          <a:fontRef idx="minor">
+            <a:schemeClr val="tx1"/>
+          </a:fontRef>
+        </p:style>
+      </p:cxnSp>
+      <p:pic>
+        <p:nvPicPr>
+          <p:cNvPr id="7" name="Picture 6"/>
+          <p:cNvPicPr>
+            <a:picLocks noChangeAspect="1"/>
+          </p:cNvPicPr>
+          <p:nvPr/>
+        </p:nvPicPr>
+        <p:blipFill>
+          <a:blip r:embed="rId3">
+            <a:extLst>
+              <a:ext uri="{28A0092B-C50C-407E-A947-70E740481C1C}">
+                <a14:useLocalDpi xmlns:a14="http://schemas.microsoft.com/office/drawing/2010/main" val="0"/>
+              </a:ext>
+            </a:extLst>
+          </a:blip>
+          <a:stretch>
+            <a:fillRect/>
+          </a:stretch>
+        </p:blipFill>
+        <p:spPr>
+          <a:xfrm>
+            <a:off x="133350" y="6349462"/>
+            <a:ext cx="1248229" cy="508538"/>
+          </a:xfrm>
+          <a:prstGeom prst="rect">
+            <a:avLst/>
+          </a:prstGeom>
+        </p:spPr>
+      </p:pic>
+      <p:sp>
+        <p:nvSpPr>
+          <p:cNvPr id="8" name="TextBox 7"/>
+          <p:cNvSpPr txBox="1"/>
+          <p:nvPr/>
+        </p:nvSpPr>
+        <p:spPr>
+          <a:xfrm>
+            <a:off x="4298950" y="6388100"/>
+            <a:ext cx="3594100" cy="369332"/>
+          </a:xfrm>
+          <a:prstGeom prst="rect">
+            <a:avLst/>
+          </a:prstGeom>
+          <a:noFill/>
+        </p:spPr>
+        <p:txBody>
+          <a:bodyPr wrap="square" rtlCol="0">
+            <a:spAutoFit/>
+          </a:bodyPr>
+          <a:lstStyle/>
+          <a:p>
+            <a:r>
+              <a:rPr lang="en-US" dirty="0"/>
+              <a:t>Hermes2D – Lukas Korous</a:t>
+            </a:r>
+          </a:p>
+        </p:txBody>
+      </p:sp>
+      <p:pic>
+        <p:nvPicPr>
+          <p:cNvPr id="9" name="Picture 8"/>
+          <p:cNvPicPr>
+            <a:picLocks noChangeAspect="1"/>
+          </p:cNvPicPr>
+          <p:nvPr/>
+        </p:nvPicPr>
+        <p:blipFill>
+          <a:blip r:embed="rId4">
+            <a:extLst>
+              <a:ext uri="{28A0092B-C50C-407E-A947-70E740481C1C}">
+                <a14:useLocalDpi xmlns:a14="http://schemas.microsoft.com/office/drawing/2010/main" val="0"/>
+              </a:ext>
+            </a:extLst>
+          </a:blip>
+          <a:stretch>
+            <a:fillRect/>
+          </a:stretch>
+        </p:blipFill>
+        <p:spPr>
+          <a:xfrm>
+            <a:off x="6460980" y="1865562"/>
+            <a:ext cx="4210736" cy="3508946"/>
+          </a:xfrm>
+          <a:prstGeom prst="rect">
+            <a:avLst/>
+          </a:prstGeom>
+        </p:spPr>
+      </p:pic>
+      <p:pic>
+        <p:nvPicPr>
+          <p:cNvPr id="10" name="Picture 9"/>
+          <p:cNvPicPr>
+            <a:picLocks noChangeAspect="1"/>
+          </p:cNvPicPr>
+          <p:nvPr/>
+        </p:nvPicPr>
+        <p:blipFill>
+          <a:blip r:embed="rId5">
+            <a:extLst>
+              <a:ext uri="{28A0092B-C50C-407E-A947-70E740481C1C}">
+                <a14:useLocalDpi xmlns:a14="http://schemas.microsoft.com/office/drawing/2010/main" val="0"/>
+              </a:ext>
+            </a:extLst>
+          </a:blip>
+          <a:stretch>
+            <a:fillRect/>
+          </a:stretch>
+        </p:blipFill>
+        <p:spPr>
+          <a:xfrm>
+            <a:off x="1123077" y="1875548"/>
+            <a:ext cx="4393801" cy="3495069"/>
+          </a:xfrm>
+          <a:prstGeom prst="rect">
+            <a:avLst/>
+          </a:prstGeom>
+        </p:spPr>
+      </p:pic>
+      <p:sp>
+        <p:nvSpPr>
+          <p:cNvPr id="11" name="TextBox 10"/>
+          <p:cNvSpPr txBox="1"/>
+          <p:nvPr/>
+        </p:nvSpPr>
+        <p:spPr>
+          <a:xfrm>
+            <a:off x="3550920" y="1165860"/>
+            <a:ext cx="5090160" cy="369332"/>
+          </a:xfrm>
+          <a:prstGeom prst="rect">
+            <a:avLst/>
+          </a:prstGeom>
+          <a:noFill/>
+        </p:spPr>
+        <p:txBody>
+          <a:bodyPr wrap="square" rtlCol="0">
+            <a:spAutoFit/>
+          </a:bodyPr>
+          <a:lstStyle/>
+          <a:p>
+            <a:pPr algn="ctr"/>
+            <a:r>
+              <a:rPr lang="en-US" dirty="0"/>
+              <a:t>solution (left), FE space (right), </a:t>
+            </a:r>
+            <a:r>
+              <a:rPr lang="en-US" dirty="0" err="1"/>
+              <a:t>adaptivity</a:t>
+            </a:r>
+            <a:r>
+              <a:rPr lang="en-US" dirty="0"/>
+              <a:t> step #3</a:t>
+            </a:r>
+          </a:p>
+        </p:txBody>
+      </p:sp>
+    </p:spTree>
+    <p:extLst>
+      <p:ext uri="{BB962C8B-B14F-4D97-AF65-F5344CB8AC3E}">
+        <p14:creationId xmlns:p14="http://schemas.microsoft.com/office/powerpoint/2010/main" val="363878911"/>
+      </p:ext>
+    </p:extLst>
+  </p:cSld>
+  <p:clrMapOvr>
+    <a:masterClrMapping/>
+  </p:clrMapOvr>
+</p:sld>
+</file>
+
+<file path=ppt/slides/slide36.xml><?xml version="1.0" encoding="utf-8"?>
+<p:sld xmlns:a="http://schemas.openxmlformats.org/drawingml/2006/main" xmlns:r="http://schemas.openxmlformats.org/officeDocument/2006/relationships" xmlns:p="http://schemas.openxmlformats.org/presentationml/2006/main">
+  <p:cSld>
+    <p:spTree>
+      <p:nvGrpSpPr>
+        <p:cNvPr id="1" name=""/>
+        <p:cNvGrpSpPr/>
+        <p:nvPr/>
+      </p:nvGrpSpPr>
+      <p:grpSpPr>
+        <a:xfrm>
+          <a:off x="0" y="0"/>
+          <a:ext cx="0" cy="0"/>
+          <a:chOff x="0" y="0"/>
+          <a:chExt cx="0" cy="0"/>
+        </a:xfrm>
+      </p:grpSpPr>
+      <p:sp>
+        <p:nvSpPr>
+          <p:cNvPr id="2" name="Title 1"/>
+          <p:cNvSpPr>
+            <a:spLocks noGrp="1"/>
+          </p:cNvSpPr>
+          <p:nvPr>
+            <p:ph type="title"/>
+          </p:nvPr>
+        </p:nvSpPr>
+        <p:spPr>
+          <a:xfrm>
+            <a:off x="231775" y="266701"/>
+            <a:ext cx="11728450" cy="548640"/>
+          </a:xfrm>
+        </p:spPr>
+        <p:txBody>
+          <a:bodyPr>
+            <a:normAutofit/>
+          </a:bodyPr>
+          <a:lstStyle/>
+          <a:p>
+            <a:r>
+              <a:rPr lang="en-US" sz="2800" dirty="0"/>
+              <a:t>Example &gt; Benchmark Interior Layer </a:t>
+            </a:r>
+          </a:p>
+        </p:txBody>
+      </p:sp>
+      <p:pic>
+        <p:nvPicPr>
+          <p:cNvPr id="5" name="Picture 4"/>
+          <p:cNvPicPr>
+            <a:picLocks noChangeAspect="1"/>
+          </p:cNvPicPr>
+          <p:nvPr/>
+        </p:nvPicPr>
+        <p:blipFill>
+          <a:blip r:embed="rId2">
+            <a:extLst>
+              <a:ext uri="{28A0092B-C50C-407E-A947-70E740481C1C}">
+                <a14:useLocalDpi xmlns:a14="http://schemas.microsoft.com/office/drawing/2010/main" val="0"/>
+              </a:ext>
+            </a:extLst>
+          </a:blip>
+          <a:stretch>
+            <a:fillRect/>
+          </a:stretch>
+        </p:blipFill>
+        <p:spPr>
+          <a:xfrm>
+            <a:off x="9607550" y="6311900"/>
+            <a:ext cx="2584450" cy="544722"/>
+          </a:xfrm>
+          <a:prstGeom prst="rect">
+            <a:avLst/>
+          </a:prstGeom>
+        </p:spPr>
+      </p:pic>
+      <p:cxnSp>
+        <p:nvCxnSpPr>
+          <p:cNvPr id="6" name="Straight Connector 5"/>
+          <p:cNvCxnSpPr/>
+          <p:nvPr/>
+        </p:nvCxnSpPr>
+        <p:spPr>
+          <a:xfrm flipH="1">
+            <a:off x="0" y="6311900"/>
+            <a:ext cx="12192000" cy="0"/>
+          </a:xfrm>
+          <a:prstGeom prst="line">
+            <a:avLst/>
+          </a:prstGeom>
+        </p:spPr>
+        <p:style>
+          <a:lnRef idx="1">
+            <a:schemeClr val="dk1"/>
+          </a:lnRef>
+          <a:fillRef idx="0">
+            <a:schemeClr val="dk1"/>
+          </a:fillRef>
+          <a:effectRef idx="0">
+            <a:schemeClr val="dk1"/>
+          </a:effectRef>
+          <a:fontRef idx="minor">
+            <a:schemeClr val="tx1"/>
+          </a:fontRef>
+        </p:style>
+      </p:cxnSp>
+      <p:pic>
+        <p:nvPicPr>
+          <p:cNvPr id="7" name="Picture 6"/>
+          <p:cNvPicPr>
+            <a:picLocks noChangeAspect="1"/>
+          </p:cNvPicPr>
+          <p:nvPr/>
+        </p:nvPicPr>
+        <p:blipFill>
+          <a:blip r:embed="rId3">
+            <a:extLst>
+              <a:ext uri="{28A0092B-C50C-407E-A947-70E740481C1C}">
+                <a14:useLocalDpi xmlns:a14="http://schemas.microsoft.com/office/drawing/2010/main" val="0"/>
+              </a:ext>
+            </a:extLst>
+          </a:blip>
+          <a:stretch>
+            <a:fillRect/>
+          </a:stretch>
+        </p:blipFill>
+        <p:spPr>
+          <a:xfrm>
+            <a:off x="133350" y="6349462"/>
+            <a:ext cx="1248229" cy="508538"/>
+          </a:xfrm>
+          <a:prstGeom prst="rect">
+            <a:avLst/>
+          </a:prstGeom>
+        </p:spPr>
+      </p:pic>
+      <p:sp>
+        <p:nvSpPr>
+          <p:cNvPr id="8" name="TextBox 7"/>
+          <p:cNvSpPr txBox="1"/>
+          <p:nvPr/>
+        </p:nvSpPr>
+        <p:spPr>
+          <a:xfrm>
+            <a:off x="4298950" y="6388100"/>
+            <a:ext cx="3594100" cy="369332"/>
+          </a:xfrm>
+          <a:prstGeom prst="rect">
+            <a:avLst/>
+          </a:prstGeom>
+          <a:noFill/>
+        </p:spPr>
+        <p:txBody>
+          <a:bodyPr wrap="square" rtlCol="0">
+            <a:spAutoFit/>
+          </a:bodyPr>
+          <a:lstStyle/>
+          <a:p>
+            <a:r>
+              <a:rPr lang="en-US" dirty="0"/>
+              <a:t>Hermes2D – Lukas Korous</a:t>
+            </a:r>
+          </a:p>
+        </p:txBody>
+      </p:sp>
+      <p:pic>
+        <p:nvPicPr>
+          <p:cNvPr id="9" name="Picture 8"/>
+          <p:cNvPicPr>
+            <a:picLocks noChangeAspect="1"/>
+          </p:cNvPicPr>
+          <p:nvPr/>
+        </p:nvPicPr>
+        <p:blipFill>
+          <a:blip r:embed="rId4">
+            <a:extLst>
+              <a:ext uri="{28A0092B-C50C-407E-A947-70E740481C1C}">
+                <a14:useLocalDpi xmlns:a14="http://schemas.microsoft.com/office/drawing/2010/main" val="0"/>
+              </a:ext>
+            </a:extLst>
+          </a:blip>
+          <a:stretch>
+            <a:fillRect/>
+          </a:stretch>
+        </p:blipFill>
+        <p:spPr>
+          <a:xfrm>
+            <a:off x="6460980" y="1865562"/>
+            <a:ext cx="4210736" cy="3508946"/>
+          </a:xfrm>
+          <a:prstGeom prst="rect">
+            <a:avLst/>
+          </a:prstGeom>
+        </p:spPr>
+      </p:pic>
+      <p:pic>
+        <p:nvPicPr>
+          <p:cNvPr id="10" name="Picture 9"/>
+          <p:cNvPicPr>
+            <a:picLocks noChangeAspect="1"/>
+          </p:cNvPicPr>
+          <p:nvPr/>
+        </p:nvPicPr>
+        <p:blipFill>
+          <a:blip r:embed="rId5">
+            <a:extLst>
+              <a:ext uri="{28A0092B-C50C-407E-A947-70E740481C1C}">
+                <a14:useLocalDpi xmlns:a14="http://schemas.microsoft.com/office/drawing/2010/main" val="0"/>
+              </a:ext>
+            </a:extLst>
+          </a:blip>
+          <a:stretch>
+            <a:fillRect/>
+          </a:stretch>
+        </p:blipFill>
+        <p:spPr>
+          <a:xfrm>
+            <a:off x="1123077" y="1875548"/>
+            <a:ext cx="4393801" cy="3495069"/>
+          </a:xfrm>
+          <a:prstGeom prst="rect">
+            <a:avLst/>
+          </a:prstGeom>
+        </p:spPr>
+      </p:pic>
+      <p:sp>
+        <p:nvSpPr>
+          <p:cNvPr id="11" name="TextBox 10"/>
+          <p:cNvSpPr txBox="1"/>
+          <p:nvPr/>
+        </p:nvSpPr>
+        <p:spPr>
+          <a:xfrm>
+            <a:off x="3550920" y="1165860"/>
+            <a:ext cx="5090160" cy="369332"/>
+          </a:xfrm>
+          <a:prstGeom prst="rect">
+            <a:avLst/>
+          </a:prstGeom>
+          <a:noFill/>
+        </p:spPr>
+        <p:txBody>
+          <a:bodyPr wrap="square" rtlCol="0">
+            <a:spAutoFit/>
+          </a:bodyPr>
+          <a:lstStyle/>
+          <a:p>
+            <a:pPr algn="ctr"/>
+            <a:r>
+              <a:rPr lang="en-US" dirty="0"/>
+              <a:t>solution (left), FE space (right), </a:t>
+            </a:r>
+            <a:r>
+              <a:rPr lang="en-US" dirty="0" err="1"/>
+              <a:t>adaptivity</a:t>
+            </a:r>
+            <a:r>
+              <a:rPr lang="en-US" dirty="0"/>
+              <a:t> step #6</a:t>
+            </a:r>
+          </a:p>
+        </p:txBody>
+      </p:sp>
+    </p:spTree>
+    <p:extLst>
+      <p:ext uri="{BB962C8B-B14F-4D97-AF65-F5344CB8AC3E}">
+        <p14:creationId xmlns:p14="http://schemas.microsoft.com/office/powerpoint/2010/main" val="2007603620"/>
+      </p:ext>
+    </p:extLst>
+  </p:cSld>
+  <p:clrMapOvr>
+    <a:masterClrMapping/>
+  </p:clrMapOvr>
+</p:sld>
+</file>
+
+<file path=ppt/slides/slide37.xml><?xml version="1.0" encoding="utf-8"?>
+<p:sld xmlns:a="http://schemas.openxmlformats.org/drawingml/2006/main" xmlns:r="http://schemas.openxmlformats.org/officeDocument/2006/relationships" xmlns:p="http://schemas.openxmlformats.org/presentationml/2006/main">
+  <p:cSld>
+    <p:spTree>
+      <p:nvGrpSpPr>
+        <p:cNvPr id="1" name=""/>
+        <p:cNvGrpSpPr/>
+        <p:nvPr/>
+      </p:nvGrpSpPr>
+      <p:grpSpPr>
+        <a:xfrm>
+          <a:off x="0" y="0"/>
+          <a:ext cx="0" cy="0"/>
+          <a:chOff x="0" y="0"/>
+          <a:chExt cx="0" cy="0"/>
+        </a:xfrm>
+      </p:grpSpPr>
+      <p:sp>
+        <p:nvSpPr>
+          <p:cNvPr id="2" name="Title 1"/>
+          <p:cNvSpPr>
+            <a:spLocks noGrp="1"/>
+          </p:cNvSpPr>
+          <p:nvPr>
+            <p:ph type="title"/>
+          </p:nvPr>
+        </p:nvSpPr>
+        <p:spPr>
+          <a:xfrm>
+            <a:off x="231775" y="266701"/>
+            <a:ext cx="11728450" cy="548640"/>
+          </a:xfrm>
+        </p:spPr>
+        <p:txBody>
+          <a:bodyPr>
+            <a:normAutofit/>
+          </a:bodyPr>
+          <a:lstStyle/>
+          <a:p>
+            <a:r>
+              <a:rPr lang="en-US" sz="2800" dirty="0"/>
+              <a:t>Example &gt; Benchmark Interior Layer </a:t>
+            </a:r>
+          </a:p>
+        </p:txBody>
+      </p:sp>
+      <p:pic>
+        <p:nvPicPr>
+          <p:cNvPr id="5" name="Picture 4"/>
+          <p:cNvPicPr>
+            <a:picLocks noChangeAspect="1"/>
+          </p:cNvPicPr>
+          <p:nvPr/>
+        </p:nvPicPr>
+        <p:blipFill>
+          <a:blip r:embed="rId2">
+            <a:extLst>
+              <a:ext uri="{28A0092B-C50C-407E-A947-70E740481C1C}">
+                <a14:useLocalDpi xmlns:a14="http://schemas.microsoft.com/office/drawing/2010/main" val="0"/>
+              </a:ext>
+            </a:extLst>
+          </a:blip>
+          <a:stretch>
+            <a:fillRect/>
+          </a:stretch>
+        </p:blipFill>
+        <p:spPr>
+          <a:xfrm>
+            <a:off x="9607550" y="6311900"/>
+            <a:ext cx="2584450" cy="544722"/>
+          </a:xfrm>
+          <a:prstGeom prst="rect">
+            <a:avLst/>
+          </a:prstGeom>
+        </p:spPr>
+      </p:pic>
+      <p:cxnSp>
+        <p:nvCxnSpPr>
+          <p:cNvPr id="6" name="Straight Connector 5"/>
+          <p:cNvCxnSpPr/>
+          <p:nvPr/>
+        </p:nvCxnSpPr>
+        <p:spPr>
+          <a:xfrm flipH="1">
+            <a:off x="0" y="6311900"/>
+            <a:ext cx="12192000" cy="0"/>
+          </a:xfrm>
+          <a:prstGeom prst="line">
+            <a:avLst/>
+          </a:prstGeom>
+        </p:spPr>
+        <p:style>
+          <a:lnRef idx="1">
+            <a:schemeClr val="dk1"/>
+          </a:lnRef>
+          <a:fillRef idx="0">
+            <a:schemeClr val="dk1"/>
+          </a:fillRef>
+          <a:effectRef idx="0">
+            <a:schemeClr val="dk1"/>
+          </a:effectRef>
+          <a:fontRef idx="minor">
+            <a:schemeClr val="tx1"/>
+          </a:fontRef>
+        </p:style>
+      </p:cxnSp>
+      <p:pic>
+        <p:nvPicPr>
+          <p:cNvPr id="7" name="Picture 6"/>
+          <p:cNvPicPr>
+            <a:picLocks noChangeAspect="1"/>
+          </p:cNvPicPr>
+          <p:nvPr/>
+        </p:nvPicPr>
+        <p:blipFill>
+          <a:blip r:embed="rId3">
+            <a:extLst>
+              <a:ext uri="{28A0092B-C50C-407E-A947-70E740481C1C}">
+                <a14:useLocalDpi xmlns:a14="http://schemas.microsoft.com/office/drawing/2010/main" val="0"/>
+              </a:ext>
+            </a:extLst>
+          </a:blip>
+          <a:stretch>
+            <a:fillRect/>
+          </a:stretch>
+        </p:blipFill>
+        <p:spPr>
+          <a:xfrm>
+            <a:off x="133350" y="6349462"/>
+            <a:ext cx="1248229" cy="508538"/>
+          </a:xfrm>
+          <a:prstGeom prst="rect">
+            <a:avLst/>
+          </a:prstGeom>
+        </p:spPr>
+      </p:pic>
+      <p:sp>
+        <p:nvSpPr>
+          <p:cNvPr id="8" name="TextBox 7"/>
+          <p:cNvSpPr txBox="1"/>
+          <p:nvPr/>
+        </p:nvSpPr>
+        <p:spPr>
+          <a:xfrm>
+            <a:off x="4298950" y="6388100"/>
+            <a:ext cx="3594100" cy="369332"/>
+          </a:xfrm>
+          <a:prstGeom prst="rect">
+            <a:avLst/>
+          </a:prstGeom>
+          <a:noFill/>
+        </p:spPr>
+        <p:txBody>
+          <a:bodyPr wrap="square" rtlCol="0">
+            <a:spAutoFit/>
+          </a:bodyPr>
+          <a:lstStyle/>
+          <a:p>
+            <a:r>
+              <a:rPr lang="en-US" dirty="0"/>
+              <a:t>Hermes2D – Lukas Korous</a:t>
+            </a:r>
+          </a:p>
+        </p:txBody>
+      </p:sp>
+      <p:pic>
+        <p:nvPicPr>
+          <p:cNvPr id="9" name="Picture 8"/>
+          <p:cNvPicPr>
+            <a:picLocks noChangeAspect="1"/>
+          </p:cNvPicPr>
+          <p:nvPr/>
+        </p:nvPicPr>
+        <p:blipFill>
+          <a:blip r:embed="rId4">
+            <a:extLst>
+              <a:ext uri="{28A0092B-C50C-407E-A947-70E740481C1C}">
+                <a14:useLocalDpi xmlns:a14="http://schemas.microsoft.com/office/drawing/2010/main" val="0"/>
+              </a:ext>
+            </a:extLst>
+          </a:blip>
+          <a:stretch>
+            <a:fillRect/>
+          </a:stretch>
+        </p:blipFill>
+        <p:spPr>
+          <a:xfrm>
+            <a:off x="6460980" y="1865562"/>
+            <a:ext cx="4210736" cy="3508946"/>
+          </a:xfrm>
+          <a:prstGeom prst="rect">
+            <a:avLst/>
+          </a:prstGeom>
+        </p:spPr>
+      </p:pic>
+      <p:pic>
+        <p:nvPicPr>
+          <p:cNvPr id="10" name="Picture 9"/>
+          <p:cNvPicPr>
+            <a:picLocks noChangeAspect="1"/>
+          </p:cNvPicPr>
+          <p:nvPr/>
+        </p:nvPicPr>
+        <p:blipFill>
+          <a:blip r:embed="rId5">
+            <a:extLst>
+              <a:ext uri="{28A0092B-C50C-407E-A947-70E740481C1C}">
+                <a14:useLocalDpi xmlns:a14="http://schemas.microsoft.com/office/drawing/2010/main" val="0"/>
+              </a:ext>
+            </a:extLst>
+          </a:blip>
+          <a:stretch>
+            <a:fillRect/>
+          </a:stretch>
+        </p:blipFill>
+        <p:spPr>
+          <a:xfrm>
+            <a:off x="1123077" y="1875548"/>
+            <a:ext cx="4393801" cy="3495069"/>
+          </a:xfrm>
+          <a:prstGeom prst="rect">
+            <a:avLst/>
+          </a:prstGeom>
+        </p:spPr>
+      </p:pic>
+      <p:sp>
+        <p:nvSpPr>
+          <p:cNvPr id="11" name="TextBox 10"/>
+          <p:cNvSpPr txBox="1"/>
+          <p:nvPr/>
+        </p:nvSpPr>
+        <p:spPr>
+          <a:xfrm>
+            <a:off x="3550920" y="1165860"/>
+            <a:ext cx="5090160" cy="369332"/>
+          </a:xfrm>
+          <a:prstGeom prst="rect">
+            <a:avLst/>
+          </a:prstGeom>
+          <a:noFill/>
+        </p:spPr>
+        <p:txBody>
+          <a:bodyPr wrap="square" rtlCol="0">
+            <a:spAutoFit/>
+          </a:bodyPr>
+          <a:lstStyle/>
+          <a:p>
+            <a:pPr algn="ctr"/>
+            <a:r>
+              <a:rPr lang="en-US" dirty="0"/>
+              <a:t>solution (left), FE space (right), </a:t>
+            </a:r>
+            <a:r>
+              <a:rPr lang="en-US" dirty="0" err="1"/>
+              <a:t>adaptivity</a:t>
+            </a:r>
+            <a:r>
+              <a:rPr lang="en-US" dirty="0"/>
+              <a:t> step #11</a:t>
+            </a:r>
+          </a:p>
+        </p:txBody>
+      </p:sp>
+    </p:spTree>
+    <p:extLst>
+      <p:ext uri="{BB962C8B-B14F-4D97-AF65-F5344CB8AC3E}">
+        <p14:creationId xmlns:p14="http://schemas.microsoft.com/office/powerpoint/2010/main" val="2952376742"/>
+      </p:ext>
+    </p:extLst>
+  </p:cSld>
+  <p:clrMapOvr>
+    <a:masterClrMapping/>
+  </p:clrMapOvr>
+</p:sld>
+</file>
+
+<file path=ppt/slides/slide38.xml><?xml version="1.0" encoding="utf-8"?>
+<p:sld xmlns:a="http://schemas.openxmlformats.org/drawingml/2006/main" xmlns:r="http://schemas.openxmlformats.org/officeDocument/2006/relationships" xmlns:p="http://schemas.openxmlformats.org/presentationml/2006/main">
+  <p:cSld>
+    <p:spTree>
+      <p:nvGrpSpPr>
+        <p:cNvPr id="1" name=""/>
+        <p:cNvGrpSpPr/>
+        <p:nvPr/>
+      </p:nvGrpSpPr>
+      <p:grpSpPr>
+        <a:xfrm>
+          <a:off x="0" y="0"/>
+          <a:ext cx="0" cy="0"/>
+          <a:chOff x="0" y="0"/>
+          <a:chExt cx="0" cy="0"/>
+        </a:xfrm>
+      </p:grpSpPr>
+      <p:sp>
+        <p:nvSpPr>
+          <p:cNvPr id="2" name="Title 1"/>
+          <p:cNvSpPr>
+            <a:spLocks noGrp="1"/>
+          </p:cNvSpPr>
+          <p:nvPr>
+            <p:ph type="title"/>
+          </p:nvPr>
+        </p:nvSpPr>
+        <p:spPr>
+          <a:xfrm>
+            <a:off x="231775" y="266701"/>
+            <a:ext cx="11728450" cy="548640"/>
+          </a:xfrm>
+        </p:spPr>
+        <p:txBody>
+          <a:bodyPr>
+            <a:normAutofit/>
+          </a:bodyPr>
+          <a:lstStyle/>
+          <a:p>
+            <a:r>
+              <a:rPr lang="en-US" sz="2800" dirty="0"/>
+              <a:t>Example &gt; Benchmark Interior Layer </a:t>
+            </a:r>
+          </a:p>
+        </p:txBody>
+      </p:sp>
+      <p:pic>
+        <p:nvPicPr>
+          <p:cNvPr id="5" name="Picture 4"/>
+          <p:cNvPicPr>
+            <a:picLocks noChangeAspect="1"/>
+          </p:cNvPicPr>
+          <p:nvPr/>
+        </p:nvPicPr>
+        <p:blipFill>
+          <a:blip r:embed="rId2">
+            <a:extLst>
+              <a:ext uri="{28A0092B-C50C-407E-A947-70E740481C1C}">
+                <a14:useLocalDpi xmlns:a14="http://schemas.microsoft.com/office/drawing/2010/main" val="0"/>
+              </a:ext>
+            </a:extLst>
+          </a:blip>
+          <a:stretch>
+            <a:fillRect/>
+          </a:stretch>
+        </p:blipFill>
+        <p:spPr>
+          <a:xfrm>
+            <a:off x="9607550" y="6311900"/>
+            <a:ext cx="2584450" cy="544722"/>
+          </a:xfrm>
+          <a:prstGeom prst="rect">
+            <a:avLst/>
+          </a:prstGeom>
+        </p:spPr>
+      </p:pic>
+      <p:cxnSp>
+        <p:nvCxnSpPr>
+          <p:cNvPr id="6" name="Straight Connector 5"/>
+          <p:cNvCxnSpPr/>
+          <p:nvPr/>
+        </p:nvCxnSpPr>
+        <p:spPr>
+          <a:xfrm flipH="1">
+            <a:off x="0" y="6311900"/>
+            <a:ext cx="12192000" cy="0"/>
+          </a:xfrm>
+          <a:prstGeom prst="line">
+            <a:avLst/>
+          </a:prstGeom>
+        </p:spPr>
+        <p:style>
+          <a:lnRef idx="1">
+            <a:schemeClr val="dk1"/>
+          </a:lnRef>
+          <a:fillRef idx="0">
+            <a:schemeClr val="dk1"/>
+          </a:fillRef>
+          <a:effectRef idx="0">
+            <a:schemeClr val="dk1"/>
+          </a:effectRef>
+          <a:fontRef idx="minor">
+            <a:schemeClr val="tx1"/>
+          </a:fontRef>
+        </p:style>
+      </p:cxnSp>
+      <p:pic>
+        <p:nvPicPr>
+          <p:cNvPr id="7" name="Picture 6"/>
+          <p:cNvPicPr>
+            <a:picLocks noChangeAspect="1"/>
+          </p:cNvPicPr>
+          <p:nvPr/>
+        </p:nvPicPr>
+        <p:blipFill>
+          <a:blip r:embed="rId3">
+            <a:extLst>
+              <a:ext uri="{28A0092B-C50C-407E-A947-70E740481C1C}">
+                <a14:useLocalDpi xmlns:a14="http://schemas.microsoft.com/office/drawing/2010/main" val="0"/>
+              </a:ext>
+            </a:extLst>
+          </a:blip>
+          <a:stretch>
+            <a:fillRect/>
+          </a:stretch>
+        </p:blipFill>
+        <p:spPr>
+          <a:xfrm>
+            <a:off x="133350" y="6349462"/>
+            <a:ext cx="1248229" cy="508538"/>
+          </a:xfrm>
+          <a:prstGeom prst="rect">
+            <a:avLst/>
+          </a:prstGeom>
+        </p:spPr>
+      </p:pic>
+      <p:sp>
+        <p:nvSpPr>
+          <p:cNvPr id="8" name="TextBox 7"/>
+          <p:cNvSpPr txBox="1"/>
+          <p:nvPr/>
+        </p:nvSpPr>
+        <p:spPr>
+          <a:xfrm>
+            <a:off x="4298950" y="6388100"/>
+            <a:ext cx="3594100" cy="369332"/>
+          </a:xfrm>
+          <a:prstGeom prst="rect">
+            <a:avLst/>
+          </a:prstGeom>
+          <a:noFill/>
+        </p:spPr>
+        <p:txBody>
+          <a:bodyPr wrap="square" rtlCol="0">
+            <a:spAutoFit/>
+          </a:bodyPr>
+          <a:lstStyle/>
+          <a:p>
+            <a:r>
+              <a:rPr lang="en-US" dirty="0"/>
+              <a:t>Hermes2D – Lukas Korous</a:t>
+            </a:r>
+          </a:p>
+        </p:txBody>
+      </p:sp>
+      <p:pic>
+        <p:nvPicPr>
+          <p:cNvPr id="9" name="Picture 8"/>
+          <p:cNvPicPr>
+            <a:picLocks noChangeAspect="1"/>
+          </p:cNvPicPr>
+          <p:nvPr/>
+        </p:nvPicPr>
+        <p:blipFill>
+          <a:blip r:embed="rId4">
+            <a:extLst>
+              <a:ext uri="{28A0092B-C50C-407E-A947-70E740481C1C}">
+                <a14:useLocalDpi xmlns:a14="http://schemas.microsoft.com/office/drawing/2010/main" val="0"/>
+              </a:ext>
+            </a:extLst>
+          </a:blip>
+          <a:stretch>
+            <a:fillRect/>
+          </a:stretch>
+        </p:blipFill>
+        <p:spPr>
+          <a:xfrm>
+            <a:off x="6460980" y="1865562"/>
+            <a:ext cx="4210736" cy="3508946"/>
+          </a:xfrm>
+          <a:prstGeom prst="rect">
+            <a:avLst/>
+          </a:prstGeom>
+        </p:spPr>
+      </p:pic>
+      <p:pic>
+        <p:nvPicPr>
+          <p:cNvPr id="10" name="Picture 9"/>
+          <p:cNvPicPr>
+            <a:picLocks noChangeAspect="1"/>
+          </p:cNvPicPr>
+          <p:nvPr/>
+        </p:nvPicPr>
+        <p:blipFill>
+          <a:blip r:embed="rId5">
+            <a:extLst>
+              <a:ext uri="{28A0092B-C50C-407E-A947-70E740481C1C}">
+                <a14:useLocalDpi xmlns:a14="http://schemas.microsoft.com/office/drawing/2010/main" val="0"/>
+              </a:ext>
+            </a:extLst>
+          </a:blip>
+          <a:stretch>
+            <a:fillRect/>
+          </a:stretch>
+        </p:blipFill>
+        <p:spPr>
+          <a:xfrm>
+            <a:off x="1123077" y="1875548"/>
+            <a:ext cx="4393801" cy="3495069"/>
+          </a:xfrm>
+          <a:prstGeom prst="rect">
+            <a:avLst/>
+          </a:prstGeom>
+        </p:spPr>
+      </p:pic>
+      <p:sp>
+        <p:nvSpPr>
+          <p:cNvPr id="11" name="TextBox 10"/>
+          <p:cNvSpPr txBox="1"/>
+          <p:nvPr/>
+        </p:nvSpPr>
+        <p:spPr>
+          <a:xfrm>
+            <a:off x="3550920" y="1165860"/>
+            <a:ext cx="5090160" cy="369332"/>
+          </a:xfrm>
+          <a:prstGeom prst="rect">
+            <a:avLst/>
+          </a:prstGeom>
+          <a:noFill/>
+        </p:spPr>
+        <p:txBody>
+          <a:bodyPr wrap="square" rtlCol="0">
+            <a:spAutoFit/>
+          </a:bodyPr>
+          <a:lstStyle/>
+          <a:p>
+            <a:pPr algn="ctr"/>
+            <a:r>
+              <a:rPr lang="en-US" dirty="0"/>
+              <a:t>solution (left), FE space (right), </a:t>
+            </a:r>
+            <a:r>
+              <a:rPr lang="en-US" dirty="0" err="1"/>
+              <a:t>adaptivity</a:t>
+            </a:r>
+            <a:r>
+              <a:rPr lang="en-US" dirty="0"/>
+              <a:t> step #19</a:t>
+            </a:r>
+          </a:p>
+        </p:txBody>
+      </p:sp>
+    </p:spTree>
+    <p:extLst>
+      <p:ext uri="{BB962C8B-B14F-4D97-AF65-F5344CB8AC3E}">
+        <p14:creationId xmlns:p14="http://schemas.microsoft.com/office/powerpoint/2010/main" val="222966063"/>
+      </p:ext>
+    </p:extLst>
+  </p:cSld>
+  <p:clrMapOvr>
+    <a:masterClrMapping/>
+  </p:clrMapOvr>
+</p:sld>
+</file>
+
+<file path=ppt/slides/slide39.xml><?xml version="1.0" encoding="utf-8"?>
+<p:sld xmlns:a="http://schemas.openxmlformats.org/drawingml/2006/main" xmlns:r="http://schemas.openxmlformats.org/officeDocument/2006/relationships" xmlns:p="http://schemas.openxmlformats.org/presentationml/2006/main">
+  <p:cSld>
+    <p:spTree>
+      <p:nvGrpSpPr>
+        <p:cNvPr id="1" name=""/>
+        <p:cNvGrpSpPr/>
+        <p:nvPr/>
+      </p:nvGrpSpPr>
+      <p:grpSpPr>
+        <a:xfrm>
+          <a:off x="0" y="0"/>
+          <a:ext cx="0" cy="0"/>
+          <a:chOff x="0" y="0"/>
+          <a:chExt cx="0" cy="0"/>
+        </a:xfrm>
+      </p:grpSpPr>
+      <p:sp>
+        <p:nvSpPr>
+          <p:cNvPr id="2" name="Title 1"/>
+          <p:cNvSpPr>
+            <a:spLocks noGrp="1"/>
+          </p:cNvSpPr>
+          <p:nvPr>
+            <p:ph type="title"/>
+          </p:nvPr>
+        </p:nvSpPr>
+        <p:spPr>
+          <a:xfrm>
+            <a:off x="231775" y="266701"/>
+            <a:ext cx="11728450" cy="548640"/>
+          </a:xfrm>
+        </p:spPr>
+        <p:txBody>
+          <a:bodyPr>
+            <a:normAutofit/>
+          </a:bodyPr>
+          <a:lstStyle/>
+          <a:p>
+            <a:r>
+              <a:rPr lang="en-US" sz="2800" dirty="0"/>
+              <a:t>Example &gt; Benchmark Interior Layer </a:t>
+            </a:r>
+          </a:p>
+        </p:txBody>
+      </p:sp>
+      <p:sp>
+        <p:nvSpPr>
+          <p:cNvPr id="3" name="Content Placeholder 2"/>
+          <p:cNvSpPr>
+            <a:spLocks noGrp="1"/>
+          </p:cNvSpPr>
+          <p:nvPr>
+            <p:ph idx="1"/>
+          </p:nvPr>
+        </p:nvSpPr>
+        <p:spPr>
+          <a:xfrm>
+            <a:off x="431799" y="1054100"/>
+            <a:ext cx="11528425" cy="5084763"/>
+          </a:xfrm>
+        </p:spPr>
+        <p:txBody>
+          <a:bodyPr>
+            <a:normAutofit fontScale="92500" lnSpcReduction="20000"/>
+          </a:bodyPr>
+          <a:lstStyle/>
+          <a:p>
+            <a:pPr marL="0" indent="0">
+              <a:buNone/>
+            </a:pPr>
+            <a:r>
+              <a:rPr lang="en-US" sz="1800" dirty="0"/>
+              <a:t>Calculating exact error – through sub-classing existing Hermes2D class </a:t>
+            </a:r>
+            <a:r>
+              <a:rPr lang="en-US" sz="1800" b="1" dirty="0" err="1">
+                <a:solidFill>
+                  <a:srgbClr val="2B91AF"/>
+                </a:solidFill>
+                <a:latin typeface="Consolas" panose="020B0609020204030204" pitchFamily="49" charset="0"/>
+              </a:rPr>
+              <a:t>ExactSolutionScalar</a:t>
+            </a:r>
+            <a:r>
+              <a:rPr lang="en-US" sz="1800" b="1" dirty="0">
+                <a:solidFill>
+                  <a:srgbClr val="000000"/>
+                </a:solidFill>
+                <a:latin typeface="Consolas" panose="020B0609020204030204" pitchFamily="49" charset="0"/>
+              </a:rPr>
+              <a:t>&lt;</a:t>
+            </a:r>
+            <a:r>
+              <a:rPr lang="en-US" sz="1800" b="1" dirty="0">
+                <a:solidFill>
+                  <a:srgbClr val="0000FF"/>
+                </a:solidFill>
+                <a:latin typeface="Consolas" panose="020B0609020204030204" pitchFamily="49" charset="0"/>
+              </a:rPr>
+              <a:t>double</a:t>
+            </a:r>
+            <a:r>
+              <a:rPr lang="en-US" sz="1800" b="1" dirty="0">
+                <a:solidFill>
+                  <a:srgbClr val="000000"/>
+                </a:solidFill>
+                <a:latin typeface="Consolas" panose="020B0609020204030204" pitchFamily="49" charset="0"/>
+              </a:rPr>
+              <a:t>&gt;</a:t>
+            </a:r>
+            <a:r>
+              <a:rPr lang="en-US" sz="1800" dirty="0">
+                <a:solidFill>
+                  <a:srgbClr val="000000"/>
+                </a:solidFill>
+                <a:latin typeface="Consolas" panose="020B0609020204030204" pitchFamily="49" charset="0"/>
+              </a:rPr>
+              <a:t>:</a:t>
+            </a:r>
+            <a:endParaRPr lang="en-US" sz="1800" dirty="0"/>
+          </a:p>
+          <a:p>
+            <a:pPr marL="0" indent="0">
+              <a:buNone/>
+            </a:pPr>
+            <a:endParaRPr lang="en-US" sz="500" dirty="0"/>
+          </a:p>
+          <a:p>
+            <a:pPr marL="457200" lvl="1" indent="0">
+              <a:lnSpc>
+                <a:spcPct val="110000"/>
+              </a:lnSpc>
+              <a:spcBef>
+                <a:spcPts val="0"/>
+              </a:spcBef>
+              <a:buNone/>
+            </a:pPr>
+            <a:r>
+              <a:rPr lang="en-US" sz="1400" b="1" dirty="0">
+                <a:solidFill>
+                  <a:srgbClr val="0000FF"/>
+                </a:solidFill>
+                <a:latin typeface="Consolas" panose="020B0609020204030204" pitchFamily="49" charset="0"/>
+              </a:rPr>
+              <a:t>class</a:t>
+            </a:r>
+            <a:r>
+              <a:rPr lang="en-US" sz="1400" b="1" dirty="0">
+                <a:solidFill>
+                  <a:srgbClr val="000000"/>
+                </a:solidFill>
+                <a:latin typeface="Consolas" panose="020B0609020204030204" pitchFamily="49" charset="0"/>
+              </a:rPr>
+              <a:t> </a:t>
+            </a:r>
+            <a:r>
+              <a:rPr lang="en-US" sz="1400" b="1" dirty="0" err="1">
+                <a:solidFill>
+                  <a:srgbClr val="2B91AF"/>
+                </a:solidFill>
+                <a:latin typeface="Consolas" panose="020B0609020204030204" pitchFamily="49" charset="0"/>
+              </a:rPr>
+              <a:t>CustomExactSolution</a:t>
+            </a:r>
+            <a:r>
+              <a:rPr lang="en-US" sz="1400" b="1" dirty="0">
+                <a:solidFill>
+                  <a:srgbClr val="000000"/>
+                </a:solidFill>
+                <a:latin typeface="Consolas" panose="020B0609020204030204" pitchFamily="49" charset="0"/>
+              </a:rPr>
+              <a:t> : </a:t>
+            </a:r>
+            <a:r>
+              <a:rPr lang="en-US" sz="1400" b="1" dirty="0">
+                <a:solidFill>
+                  <a:srgbClr val="0000FF"/>
+                </a:solidFill>
+                <a:latin typeface="Consolas" panose="020B0609020204030204" pitchFamily="49" charset="0"/>
+              </a:rPr>
+              <a:t>public</a:t>
+            </a:r>
+            <a:r>
+              <a:rPr lang="en-US" sz="1400" b="1" dirty="0">
+                <a:solidFill>
+                  <a:srgbClr val="000000"/>
+                </a:solidFill>
+                <a:latin typeface="Consolas" panose="020B0609020204030204" pitchFamily="49" charset="0"/>
+              </a:rPr>
+              <a:t> </a:t>
+            </a:r>
+            <a:r>
+              <a:rPr lang="en-US" sz="1400" b="1" dirty="0" err="1">
+                <a:solidFill>
+                  <a:srgbClr val="2B91AF"/>
+                </a:solidFill>
+                <a:latin typeface="Consolas" panose="020B0609020204030204" pitchFamily="49" charset="0"/>
+              </a:rPr>
+              <a:t>ExactSolutionScalar</a:t>
+            </a:r>
+            <a:r>
+              <a:rPr lang="en-US" sz="1400" b="1" dirty="0">
+                <a:solidFill>
+                  <a:srgbClr val="000000"/>
+                </a:solidFill>
+                <a:latin typeface="Consolas" panose="020B0609020204030204" pitchFamily="49" charset="0"/>
+              </a:rPr>
+              <a:t>&lt;</a:t>
+            </a:r>
+            <a:r>
+              <a:rPr lang="en-US" sz="1400" b="1" dirty="0">
+                <a:solidFill>
+                  <a:srgbClr val="0000FF"/>
+                </a:solidFill>
+                <a:latin typeface="Consolas" panose="020B0609020204030204" pitchFamily="49" charset="0"/>
+              </a:rPr>
+              <a:t>double</a:t>
+            </a:r>
+            <a:r>
+              <a:rPr lang="en-US" sz="1400" b="1" dirty="0">
+                <a:solidFill>
+                  <a:srgbClr val="000000"/>
+                </a:solidFill>
+                <a:latin typeface="Consolas" panose="020B0609020204030204" pitchFamily="49" charset="0"/>
+              </a:rPr>
+              <a:t>&gt;{</a:t>
+            </a:r>
+          </a:p>
+          <a:p>
+            <a:pPr marL="457200" lvl="1" indent="0">
+              <a:lnSpc>
+                <a:spcPct val="110000"/>
+              </a:lnSpc>
+              <a:spcBef>
+                <a:spcPts val="0"/>
+              </a:spcBef>
+              <a:buNone/>
+            </a:pPr>
+            <a:r>
+              <a:rPr lang="en-US" sz="1400" b="1" dirty="0">
+                <a:solidFill>
+                  <a:srgbClr val="0000FF"/>
+                </a:solidFill>
+                <a:latin typeface="Consolas" panose="020B0609020204030204" pitchFamily="49" charset="0"/>
+              </a:rPr>
+              <a:t>public</a:t>
+            </a:r>
+            <a:r>
+              <a:rPr lang="en-US" sz="1400" b="1" dirty="0">
+                <a:solidFill>
+                  <a:srgbClr val="000000"/>
+                </a:solidFill>
+                <a:latin typeface="Consolas" panose="020B0609020204030204" pitchFamily="49" charset="0"/>
+              </a:rPr>
+              <a:t>:</a:t>
+            </a:r>
+          </a:p>
+          <a:p>
+            <a:pPr marL="457200" lvl="1" indent="0">
+              <a:lnSpc>
+                <a:spcPct val="110000"/>
+              </a:lnSpc>
+              <a:spcBef>
+                <a:spcPts val="0"/>
+              </a:spcBef>
+              <a:buNone/>
+            </a:pPr>
+            <a:r>
+              <a:rPr lang="en-US" sz="1400" b="1" dirty="0">
+                <a:solidFill>
+                  <a:srgbClr val="008000"/>
+                </a:solidFill>
+                <a:latin typeface="Consolas" panose="020B0609020204030204" pitchFamily="49" charset="0"/>
+              </a:rPr>
+              <a:t>  // Implement the actual function expression.</a:t>
+            </a:r>
+          </a:p>
+          <a:p>
+            <a:pPr marL="457200" lvl="1" indent="0">
+              <a:lnSpc>
+                <a:spcPct val="110000"/>
+              </a:lnSpc>
+              <a:spcBef>
+                <a:spcPts val="0"/>
+              </a:spcBef>
+              <a:buNone/>
+            </a:pPr>
+            <a:r>
+              <a:rPr lang="en-US" sz="1400" b="1" dirty="0">
+                <a:solidFill>
+                  <a:srgbClr val="000000"/>
+                </a:solidFill>
+                <a:latin typeface="Consolas" panose="020B0609020204030204" pitchFamily="49" charset="0"/>
+              </a:rPr>
+              <a:t>  </a:t>
+            </a:r>
+            <a:r>
+              <a:rPr lang="en-US" sz="1400" b="1" dirty="0">
+                <a:solidFill>
+                  <a:srgbClr val="0000FF"/>
+                </a:solidFill>
+                <a:latin typeface="Consolas" panose="020B0609020204030204" pitchFamily="49" charset="0"/>
+              </a:rPr>
+              <a:t>virtual</a:t>
+            </a:r>
+            <a:r>
+              <a:rPr lang="en-US" sz="1400" b="1" dirty="0">
+                <a:solidFill>
+                  <a:srgbClr val="000000"/>
+                </a:solidFill>
+                <a:latin typeface="Consolas" panose="020B0609020204030204" pitchFamily="49" charset="0"/>
+              </a:rPr>
+              <a:t> </a:t>
+            </a:r>
+            <a:r>
+              <a:rPr lang="en-US" sz="1400" b="1" dirty="0">
+                <a:solidFill>
+                  <a:srgbClr val="0000FF"/>
+                </a:solidFill>
+                <a:latin typeface="Consolas" panose="020B0609020204030204" pitchFamily="49" charset="0"/>
+              </a:rPr>
+              <a:t>double</a:t>
+            </a:r>
+            <a:r>
+              <a:rPr lang="en-US" sz="1400" b="1" dirty="0">
+                <a:solidFill>
+                  <a:srgbClr val="000000"/>
+                </a:solidFill>
+                <a:latin typeface="Consolas" panose="020B0609020204030204" pitchFamily="49" charset="0"/>
+              </a:rPr>
+              <a:t> value(</a:t>
+            </a:r>
+            <a:r>
+              <a:rPr lang="en-US" sz="1400" b="1" dirty="0">
+                <a:solidFill>
+                  <a:srgbClr val="0000FF"/>
+                </a:solidFill>
+                <a:latin typeface="Consolas" panose="020B0609020204030204" pitchFamily="49" charset="0"/>
+              </a:rPr>
+              <a:t>double</a:t>
+            </a:r>
+            <a:r>
+              <a:rPr lang="en-US" sz="1400" b="1" dirty="0">
+                <a:solidFill>
+                  <a:srgbClr val="000000"/>
+                </a:solidFill>
+                <a:latin typeface="Consolas" panose="020B0609020204030204" pitchFamily="49" charset="0"/>
+              </a:rPr>
+              <a:t> </a:t>
+            </a:r>
+            <a:r>
+              <a:rPr lang="en-US" sz="1400" b="1" dirty="0">
+                <a:solidFill>
+                  <a:srgbClr val="808080"/>
+                </a:solidFill>
+                <a:latin typeface="Consolas" panose="020B0609020204030204" pitchFamily="49" charset="0"/>
+              </a:rPr>
+              <a:t>x</a:t>
+            </a:r>
+            <a:r>
+              <a:rPr lang="en-US" sz="1400" b="1" dirty="0">
+                <a:solidFill>
+                  <a:srgbClr val="000000"/>
+                </a:solidFill>
+                <a:latin typeface="Consolas" panose="020B0609020204030204" pitchFamily="49" charset="0"/>
+              </a:rPr>
+              <a:t>, </a:t>
+            </a:r>
+            <a:r>
+              <a:rPr lang="en-US" sz="1400" b="1" dirty="0">
+                <a:solidFill>
+                  <a:srgbClr val="0000FF"/>
+                </a:solidFill>
+                <a:latin typeface="Consolas" panose="020B0609020204030204" pitchFamily="49" charset="0"/>
+              </a:rPr>
+              <a:t>double</a:t>
+            </a:r>
+            <a:r>
+              <a:rPr lang="en-US" sz="1400" b="1" dirty="0">
+                <a:solidFill>
+                  <a:srgbClr val="000000"/>
+                </a:solidFill>
+                <a:latin typeface="Consolas" panose="020B0609020204030204" pitchFamily="49" charset="0"/>
+              </a:rPr>
+              <a:t> </a:t>
+            </a:r>
+            <a:r>
+              <a:rPr lang="en-US" sz="1400" b="1" dirty="0">
+                <a:solidFill>
+                  <a:srgbClr val="808080"/>
+                </a:solidFill>
+                <a:latin typeface="Consolas" panose="020B0609020204030204" pitchFamily="49" charset="0"/>
+              </a:rPr>
+              <a:t>y</a:t>
+            </a:r>
+            <a:r>
+              <a:rPr lang="en-US" sz="1400" b="1" dirty="0">
+                <a:solidFill>
+                  <a:srgbClr val="000000"/>
+                </a:solidFill>
+                <a:latin typeface="Consolas" panose="020B0609020204030204" pitchFamily="49" charset="0"/>
+              </a:rPr>
+              <a:t>) </a:t>
+            </a:r>
+            <a:r>
+              <a:rPr lang="en-US" sz="1400" b="1" dirty="0" err="1">
+                <a:solidFill>
+                  <a:srgbClr val="0000FF"/>
+                </a:solidFill>
+                <a:latin typeface="Consolas" panose="020B0609020204030204" pitchFamily="49" charset="0"/>
+              </a:rPr>
+              <a:t>const</a:t>
+            </a:r>
+            <a:r>
+              <a:rPr lang="en-US" sz="1400" b="1" dirty="0">
+                <a:solidFill>
+                  <a:srgbClr val="000000"/>
+                </a:solidFill>
+                <a:latin typeface="Consolas" panose="020B0609020204030204" pitchFamily="49" charset="0"/>
+              </a:rPr>
+              <a:t>;</a:t>
+            </a:r>
+          </a:p>
+          <a:p>
+            <a:pPr marL="457200" lvl="1" indent="0">
+              <a:lnSpc>
+                <a:spcPct val="110000"/>
+              </a:lnSpc>
+              <a:spcBef>
+                <a:spcPts val="0"/>
+              </a:spcBef>
+              <a:buNone/>
+            </a:pPr>
+            <a:endParaRPr lang="en-US" sz="1400" b="1" dirty="0">
+              <a:solidFill>
+                <a:srgbClr val="008000"/>
+              </a:solidFill>
+              <a:latin typeface="Consolas" panose="020B0609020204030204" pitchFamily="49" charset="0"/>
+            </a:endParaRPr>
+          </a:p>
+          <a:p>
+            <a:pPr marL="457200" lvl="1" indent="0">
+              <a:lnSpc>
+                <a:spcPct val="110000"/>
+              </a:lnSpc>
+              <a:spcBef>
+                <a:spcPts val="0"/>
+              </a:spcBef>
+              <a:buNone/>
+            </a:pPr>
+            <a:r>
+              <a:rPr lang="en-US" sz="1400" b="1" dirty="0">
+                <a:solidFill>
+                  <a:srgbClr val="008000"/>
+                </a:solidFill>
+                <a:latin typeface="Consolas" panose="020B0609020204030204" pitchFamily="49" charset="0"/>
+              </a:rPr>
+              <a:t>  // Implement the derivatives expression.</a:t>
+            </a:r>
+            <a:endParaRPr lang="en-US" sz="1400" b="1" dirty="0">
+              <a:solidFill>
+                <a:srgbClr val="000000"/>
+              </a:solidFill>
+              <a:latin typeface="Consolas" panose="020B0609020204030204" pitchFamily="49" charset="0"/>
+            </a:endParaRPr>
+          </a:p>
+          <a:p>
+            <a:pPr marL="457200" lvl="1" indent="0">
+              <a:lnSpc>
+                <a:spcPct val="110000"/>
+              </a:lnSpc>
+              <a:spcBef>
+                <a:spcPts val="0"/>
+              </a:spcBef>
+              <a:buNone/>
+            </a:pPr>
+            <a:r>
+              <a:rPr lang="en-US" sz="1400" b="1" dirty="0">
+                <a:solidFill>
+                  <a:srgbClr val="000000"/>
+                </a:solidFill>
+                <a:latin typeface="Consolas" panose="020B0609020204030204" pitchFamily="49" charset="0"/>
+              </a:rPr>
+              <a:t>  </a:t>
+            </a:r>
+            <a:r>
+              <a:rPr lang="en-US" sz="1400" b="1" dirty="0">
+                <a:solidFill>
+                  <a:srgbClr val="0000FF"/>
+                </a:solidFill>
+                <a:latin typeface="Consolas" panose="020B0609020204030204" pitchFamily="49" charset="0"/>
+              </a:rPr>
+              <a:t>virtual</a:t>
+            </a:r>
+            <a:r>
+              <a:rPr lang="en-US" sz="1400" b="1" dirty="0">
+                <a:solidFill>
+                  <a:srgbClr val="000000"/>
+                </a:solidFill>
+                <a:latin typeface="Consolas" panose="020B0609020204030204" pitchFamily="49" charset="0"/>
+              </a:rPr>
+              <a:t> </a:t>
+            </a:r>
+            <a:r>
+              <a:rPr lang="en-US" sz="1400" b="1" dirty="0">
+                <a:solidFill>
+                  <a:srgbClr val="0000FF"/>
+                </a:solidFill>
+                <a:latin typeface="Consolas" panose="020B0609020204030204" pitchFamily="49" charset="0"/>
+              </a:rPr>
+              <a:t>void</a:t>
+            </a:r>
+            <a:r>
+              <a:rPr lang="en-US" sz="1400" b="1" dirty="0">
+                <a:solidFill>
+                  <a:srgbClr val="000000"/>
+                </a:solidFill>
+                <a:latin typeface="Consolas" panose="020B0609020204030204" pitchFamily="49" charset="0"/>
+              </a:rPr>
+              <a:t> derivatives (</a:t>
+            </a:r>
+            <a:r>
+              <a:rPr lang="en-US" sz="1400" b="1" dirty="0">
+                <a:solidFill>
+                  <a:srgbClr val="0000FF"/>
+                </a:solidFill>
+                <a:latin typeface="Consolas" panose="020B0609020204030204" pitchFamily="49" charset="0"/>
+              </a:rPr>
+              <a:t>double</a:t>
+            </a:r>
+            <a:r>
+              <a:rPr lang="en-US" sz="1400" b="1" dirty="0">
+                <a:solidFill>
+                  <a:srgbClr val="000000"/>
+                </a:solidFill>
+                <a:latin typeface="Consolas" panose="020B0609020204030204" pitchFamily="49" charset="0"/>
+              </a:rPr>
+              <a:t> </a:t>
+            </a:r>
+            <a:r>
+              <a:rPr lang="en-US" sz="1400" b="1" dirty="0">
+                <a:solidFill>
+                  <a:srgbClr val="808080"/>
+                </a:solidFill>
+                <a:latin typeface="Consolas" panose="020B0609020204030204" pitchFamily="49" charset="0"/>
+              </a:rPr>
+              <a:t>x</a:t>
+            </a:r>
+            <a:r>
+              <a:rPr lang="en-US" sz="1400" b="1" dirty="0">
+                <a:solidFill>
+                  <a:srgbClr val="000000"/>
+                </a:solidFill>
+                <a:latin typeface="Consolas" panose="020B0609020204030204" pitchFamily="49" charset="0"/>
+              </a:rPr>
+              <a:t>, </a:t>
+            </a:r>
+            <a:r>
+              <a:rPr lang="en-US" sz="1400" b="1" dirty="0">
+                <a:solidFill>
+                  <a:srgbClr val="0000FF"/>
+                </a:solidFill>
+                <a:latin typeface="Consolas" panose="020B0609020204030204" pitchFamily="49" charset="0"/>
+              </a:rPr>
+              <a:t>double</a:t>
+            </a:r>
+            <a:r>
+              <a:rPr lang="en-US" sz="1400" b="1" dirty="0">
+                <a:solidFill>
+                  <a:srgbClr val="000000"/>
+                </a:solidFill>
+                <a:latin typeface="Consolas" panose="020B0609020204030204" pitchFamily="49" charset="0"/>
+              </a:rPr>
+              <a:t> </a:t>
+            </a:r>
+            <a:r>
+              <a:rPr lang="en-US" sz="1400" b="1" dirty="0">
+                <a:solidFill>
+                  <a:srgbClr val="808080"/>
+                </a:solidFill>
+                <a:latin typeface="Consolas" panose="020B0609020204030204" pitchFamily="49" charset="0"/>
+              </a:rPr>
+              <a:t>y</a:t>
+            </a:r>
+            <a:r>
+              <a:rPr lang="en-US" sz="1400" b="1" dirty="0">
+                <a:solidFill>
+                  <a:srgbClr val="000000"/>
+                </a:solidFill>
+                <a:latin typeface="Consolas" panose="020B0609020204030204" pitchFamily="49" charset="0"/>
+              </a:rPr>
+              <a:t>, </a:t>
+            </a:r>
+            <a:r>
+              <a:rPr lang="en-US" sz="1400" b="1" dirty="0">
+                <a:solidFill>
+                  <a:srgbClr val="0000FF"/>
+                </a:solidFill>
+                <a:latin typeface="Consolas" panose="020B0609020204030204" pitchFamily="49" charset="0"/>
+              </a:rPr>
+              <a:t>double</a:t>
+            </a:r>
+            <a:r>
+              <a:rPr lang="en-US" sz="1400" b="1" dirty="0">
+                <a:solidFill>
+                  <a:srgbClr val="000000"/>
+                </a:solidFill>
+                <a:latin typeface="Consolas" panose="020B0609020204030204" pitchFamily="49" charset="0"/>
+              </a:rPr>
+              <a:t>&amp; </a:t>
+            </a:r>
+            <a:r>
+              <a:rPr lang="en-US" sz="1400" b="1" dirty="0">
+                <a:solidFill>
+                  <a:srgbClr val="808080"/>
+                </a:solidFill>
+                <a:latin typeface="Consolas" panose="020B0609020204030204" pitchFamily="49" charset="0"/>
+              </a:rPr>
+              <a:t>dx</a:t>
+            </a:r>
+            <a:r>
+              <a:rPr lang="en-US" sz="1400" b="1" dirty="0">
+                <a:solidFill>
+                  <a:srgbClr val="000000"/>
+                </a:solidFill>
+                <a:latin typeface="Consolas" panose="020B0609020204030204" pitchFamily="49" charset="0"/>
+              </a:rPr>
+              <a:t>, </a:t>
+            </a:r>
+            <a:r>
+              <a:rPr lang="en-US" sz="1400" b="1" dirty="0">
+                <a:solidFill>
+                  <a:srgbClr val="0000FF"/>
+                </a:solidFill>
+                <a:latin typeface="Consolas" panose="020B0609020204030204" pitchFamily="49" charset="0"/>
+              </a:rPr>
+              <a:t>double</a:t>
+            </a:r>
+            <a:r>
+              <a:rPr lang="en-US" sz="1400" b="1" dirty="0">
+                <a:solidFill>
+                  <a:srgbClr val="000000"/>
+                </a:solidFill>
+                <a:latin typeface="Consolas" panose="020B0609020204030204" pitchFamily="49" charset="0"/>
+              </a:rPr>
+              <a:t>&amp; </a:t>
+            </a:r>
+            <a:r>
+              <a:rPr lang="en-US" sz="1400" b="1" dirty="0" err="1">
+                <a:solidFill>
+                  <a:srgbClr val="808080"/>
+                </a:solidFill>
+                <a:latin typeface="Consolas" panose="020B0609020204030204" pitchFamily="49" charset="0"/>
+              </a:rPr>
+              <a:t>dy</a:t>
+            </a:r>
+            <a:r>
+              <a:rPr lang="en-US" sz="1400" b="1" dirty="0">
+                <a:solidFill>
+                  <a:srgbClr val="000000"/>
+                </a:solidFill>
+                <a:latin typeface="Consolas" panose="020B0609020204030204" pitchFamily="49" charset="0"/>
+              </a:rPr>
+              <a:t>) </a:t>
+            </a:r>
+            <a:r>
+              <a:rPr lang="en-US" sz="1400" b="1" dirty="0" err="1">
+                <a:solidFill>
+                  <a:srgbClr val="0000FF"/>
+                </a:solidFill>
+                <a:latin typeface="Consolas" panose="020B0609020204030204" pitchFamily="49" charset="0"/>
+              </a:rPr>
+              <a:t>const</a:t>
+            </a:r>
+            <a:r>
+              <a:rPr lang="en-US" sz="1400" b="1" dirty="0">
+                <a:solidFill>
+                  <a:srgbClr val="000000"/>
+                </a:solidFill>
+                <a:latin typeface="Consolas" panose="020B0609020204030204" pitchFamily="49" charset="0"/>
+              </a:rPr>
+              <a:t>;</a:t>
+            </a:r>
+          </a:p>
+          <a:p>
+            <a:pPr marL="457200" lvl="1" indent="0">
+              <a:lnSpc>
+                <a:spcPct val="110000"/>
+              </a:lnSpc>
+              <a:spcBef>
+                <a:spcPts val="0"/>
+              </a:spcBef>
+              <a:buNone/>
+            </a:pPr>
+            <a:endParaRPr lang="en-US" sz="1400" b="1" dirty="0">
+              <a:solidFill>
+                <a:srgbClr val="000000"/>
+              </a:solidFill>
+              <a:latin typeface="Consolas" panose="020B0609020204030204" pitchFamily="49" charset="0"/>
+            </a:endParaRPr>
+          </a:p>
+          <a:p>
+            <a:pPr marL="457200" lvl="1" indent="0">
+              <a:lnSpc>
+                <a:spcPct val="110000"/>
+              </a:lnSpc>
+              <a:spcBef>
+                <a:spcPts val="0"/>
+              </a:spcBef>
+              <a:buNone/>
+            </a:pPr>
+            <a:r>
+              <a:rPr lang="en-US" sz="1400" b="1" dirty="0">
+                <a:solidFill>
+                  <a:srgbClr val="008000"/>
+                </a:solidFill>
+                <a:latin typeface="Consolas" panose="020B0609020204030204" pitchFamily="49" charset="0"/>
+              </a:rPr>
+              <a:t>  // Overwrite the expression calculating polynomial order (for integration order deduction).</a:t>
+            </a:r>
+          </a:p>
+          <a:p>
+            <a:pPr marL="457200" lvl="1" indent="0">
+              <a:lnSpc>
+                <a:spcPct val="110000"/>
+              </a:lnSpc>
+              <a:spcBef>
+                <a:spcPts val="0"/>
+              </a:spcBef>
+              <a:buNone/>
+            </a:pPr>
+            <a:r>
+              <a:rPr lang="en-US" sz="1400" b="1" dirty="0">
+                <a:solidFill>
+                  <a:srgbClr val="000000"/>
+                </a:solidFill>
+                <a:latin typeface="Consolas" panose="020B0609020204030204" pitchFamily="49" charset="0"/>
+              </a:rPr>
+              <a:t>  </a:t>
+            </a:r>
+            <a:r>
+              <a:rPr lang="en-US" sz="1400" b="1" dirty="0">
+                <a:solidFill>
+                  <a:srgbClr val="0000FF"/>
+                </a:solidFill>
+                <a:latin typeface="Consolas" panose="020B0609020204030204" pitchFamily="49" charset="0"/>
+              </a:rPr>
+              <a:t>virtual</a:t>
+            </a:r>
+            <a:r>
+              <a:rPr lang="en-US" sz="1400" b="1" dirty="0">
+                <a:solidFill>
+                  <a:srgbClr val="000000"/>
+                </a:solidFill>
+                <a:latin typeface="Consolas" panose="020B0609020204030204" pitchFamily="49" charset="0"/>
+              </a:rPr>
+              <a:t> </a:t>
+            </a:r>
+            <a:r>
+              <a:rPr lang="en-US" sz="1400" b="1" dirty="0">
+                <a:solidFill>
+                  <a:srgbClr val="2B91AF"/>
+                </a:solidFill>
+                <a:latin typeface="Consolas" panose="020B0609020204030204" pitchFamily="49" charset="0"/>
+              </a:rPr>
+              <a:t>Ord</a:t>
+            </a:r>
+            <a:r>
+              <a:rPr lang="en-US" sz="1400" b="1" dirty="0">
+                <a:solidFill>
+                  <a:srgbClr val="000000"/>
+                </a:solidFill>
+                <a:latin typeface="Consolas" panose="020B0609020204030204" pitchFamily="49" charset="0"/>
+              </a:rPr>
+              <a:t> value(</a:t>
+            </a:r>
+            <a:r>
+              <a:rPr lang="en-US" sz="1400" b="1" dirty="0">
+                <a:solidFill>
+                  <a:srgbClr val="2B91AF"/>
+                </a:solidFill>
+                <a:latin typeface="Consolas" panose="020B0609020204030204" pitchFamily="49" charset="0"/>
+              </a:rPr>
+              <a:t>Ord</a:t>
+            </a:r>
+            <a:r>
+              <a:rPr lang="en-US" sz="1400" b="1" dirty="0">
+                <a:solidFill>
+                  <a:srgbClr val="000000"/>
+                </a:solidFill>
+                <a:latin typeface="Consolas" panose="020B0609020204030204" pitchFamily="49" charset="0"/>
+              </a:rPr>
+              <a:t> </a:t>
+            </a:r>
+            <a:r>
+              <a:rPr lang="en-US" sz="1400" b="1" dirty="0">
+                <a:solidFill>
+                  <a:srgbClr val="808080"/>
+                </a:solidFill>
+                <a:latin typeface="Consolas" panose="020B0609020204030204" pitchFamily="49" charset="0"/>
+              </a:rPr>
+              <a:t>x</a:t>
+            </a:r>
+            <a:r>
+              <a:rPr lang="en-US" sz="1400" b="1" dirty="0">
+                <a:solidFill>
+                  <a:srgbClr val="000000"/>
+                </a:solidFill>
+                <a:latin typeface="Consolas" panose="020B0609020204030204" pitchFamily="49" charset="0"/>
+              </a:rPr>
+              <a:t>, </a:t>
+            </a:r>
+            <a:r>
+              <a:rPr lang="en-US" sz="1400" b="1" dirty="0">
+                <a:solidFill>
+                  <a:srgbClr val="2B91AF"/>
+                </a:solidFill>
+                <a:latin typeface="Consolas" panose="020B0609020204030204" pitchFamily="49" charset="0"/>
+              </a:rPr>
+              <a:t>Ord</a:t>
+            </a:r>
+            <a:r>
+              <a:rPr lang="en-US" sz="1400" b="1" dirty="0">
+                <a:solidFill>
+                  <a:srgbClr val="000000"/>
+                </a:solidFill>
+                <a:latin typeface="Consolas" panose="020B0609020204030204" pitchFamily="49" charset="0"/>
+              </a:rPr>
+              <a:t> </a:t>
+            </a:r>
+            <a:r>
+              <a:rPr lang="en-US" sz="1400" b="1" dirty="0">
+                <a:solidFill>
+                  <a:srgbClr val="808080"/>
+                </a:solidFill>
+                <a:latin typeface="Consolas" panose="020B0609020204030204" pitchFamily="49" charset="0"/>
+              </a:rPr>
+              <a:t>y</a:t>
+            </a:r>
+            <a:r>
+              <a:rPr lang="en-US" sz="1400" b="1" dirty="0">
+                <a:solidFill>
+                  <a:srgbClr val="000000"/>
+                </a:solidFill>
+                <a:latin typeface="Consolas" panose="020B0609020204030204" pitchFamily="49" charset="0"/>
+              </a:rPr>
+              <a:t>) </a:t>
+            </a:r>
+            <a:r>
+              <a:rPr lang="en-US" sz="1400" b="1" dirty="0" err="1">
+                <a:solidFill>
+                  <a:srgbClr val="0000FF"/>
+                </a:solidFill>
+                <a:latin typeface="Consolas" panose="020B0609020204030204" pitchFamily="49" charset="0"/>
+              </a:rPr>
+              <a:t>const</a:t>
+            </a:r>
+            <a:r>
+              <a:rPr lang="en-US" sz="1400" b="1" dirty="0">
+                <a:solidFill>
+                  <a:srgbClr val="000000"/>
+                </a:solidFill>
+                <a:latin typeface="Consolas" panose="020B0609020204030204" pitchFamily="49" charset="0"/>
+              </a:rPr>
+              <a:t>;</a:t>
+            </a:r>
+          </a:p>
+          <a:p>
+            <a:pPr marL="457200" lvl="1" indent="0">
+              <a:lnSpc>
+                <a:spcPct val="110000"/>
+              </a:lnSpc>
+              <a:spcBef>
+                <a:spcPts val="0"/>
+              </a:spcBef>
+              <a:buNone/>
+            </a:pPr>
+            <a:r>
+              <a:rPr lang="en-US" sz="1400" b="1" dirty="0">
+                <a:solidFill>
+                  <a:srgbClr val="000000"/>
+                </a:solidFill>
+                <a:latin typeface="Consolas" panose="020B0609020204030204" pitchFamily="49" charset="0"/>
+              </a:rPr>
+              <a:t>};</a:t>
+            </a:r>
+          </a:p>
+          <a:p>
+            <a:pPr>
+              <a:buFontTx/>
+              <a:buChar char="-"/>
+            </a:pPr>
+            <a:r>
+              <a:rPr lang="en-US" sz="1500" dirty="0"/>
+              <a:t>and then employing standard </a:t>
+            </a:r>
+            <a:r>
+              <a:rPr lang="en-US" sz="1500" dirty="0" err="1"/>
+              <a:t>ErrorCalculator</a:t>
+            </a:r>
+            <a:r>
+              <a:rPr lang="en-US" sz="1500" dirty="0"/>
+              <a:t>&lt;double&gt; class for error calculation</a:t>
+            </a:r>
+          </a:p>
+          <a:p>
+            <a:pPr marL="0" indent="0">
+              <a:spcBef>
+                <a:spcPts val="1800"/>
+              </a:spcBef>
+              <a:buNone/>
+            </a:pPr>
+            <a:r>
+              <a:rPr lang="en-US" sz="1800" dirty="0"/>
+              <a:t>Anisotropic refinements usage in AMR</a:t>
+            </a:r>
+          </a:p>
+          <a:p>
+            <a:pPr marL="0" indent="0">
+              <a:buNone/>
+            </a:pPr>
+            <a:endParaRPr lang="en-US" sz="500" dirty="0"/>
+          </a:p>
+          <a:p>
+            <a:pPr marL="457200" lvl="1" indent="0">
+              <a:buNone/>
+            </a:pPr>
+            <a:r>
+              <a:rPr lang="en-US" sz="1400" b="1" dirty="0">
+                <a:solidFill>
+                  <a:srgbClr val="008000"/>
+                </a:solidFill>
+                <a:latin typeface="Consolas" panose="020B0609020204030204" pitchFamily="49" charset="0"/>
+              </a:rPr>
+              <a:t>// Predefined list of element refinement candidates.</a:t>
+            </a:r>
+          </a:p>
+          <a:p>
+            <a:pPr marL="457200" lvl="1" indent="0">
+              <a:buNone/>
+            </a:pPr>
+            <a:r>
+              <a:rPr lang="en-US" sz="1400" b="1" dirty="0">
+                <a:solidFill>
+                  <a:srgbClr val="008000"/>
+                </a:solidFill>
+                <a:latin typeface="Consolas" panose="020B0609020204030204" pitchFamily="49" charset="0"/>
+              </a:rPr>
+              <a:t>// H2D_HP_ANISO stands for h-, and p-candidates, anisotropic in shape, and polynomial orders.</a:t>
+            </a:r>
+          </a:p>
+          <a:p>
+            <a:pPr marL="457200" lvl="1" indent="0">
+              <a:buNone/>
+            </a:pPr>
+            <a:r>
+              <a:rPr lang="en-US" sz="1400" b="1" dirty="0" err="1">
+                <a:solidFill>
+                  <a:srgbClr val="0000FF"/>
+                </a:solidFill>
+                <a:latin typeface="Consolas" panose="020B0609020204030204" pitchFamily="49" charset="0"/>
+              </a:rPr>
+              <a:t>const</a:t>
+            </a:r>
+            <a:r>
+              <a:rPr lang="en-US" sz="1400" b="1" dirty="0">
+                <a:solidFill>
+                  <a:srgbClr val="000000"/>
+                </a:solidFill>
+                <a:latin typeface="Consolas" panose="020B0609020204030204" pitchFamily="49" charset="0"/>
+              </a:rPr>
+              <a:t> </a:t>
+            </a:r>
+            <a:r>
+              <a:rPr lang="en-US" sz="1400" b="1" dirty="0" err="1">
+                <a:solidFill>
+                  <a:srgbClr val="2B91AF"/>
+                </a:solidFill>
+                <a:latin typeface="Consolas" panose="020B0609020204030204" pitchFamily="49" charset="0"/>
+              </a:rPr>
+              <a:t>CandList</a:t>
+            </a:r>
+            <a:r>
+              <a:rPr lang="en-US" sz="1400" b="1" dirty="0">
+                <a:solidFill>
+                  <a:srgbClr val="000000"/>
+                </a:solidFill>
+                <a:latin typeface="Consolas" panose="020B0609020204030204" pitchFamily="49" charset="0"/>
+              </a:rPr>
+              <a:t> CAND_LIST = </a:t>
+            </a:r>
+            <a:r>
+              <a:rPr lang="en-US" sz="1400" b="1" dirty="0">
+                <a:solidFill>
+                  <a:srgbClr val="2F4F4F"/>
+                </a:solidFill>
+                <a:latin typeface="Consolas" panose="020B0609020204030204" pitchFamily="49" charset="0"/>
+              </a:rPr>
+              <a:t>H2D_HP_ANISO</a:t>
+            </a:r>
+            <a:r>
+              <a:rPr lang="en-US" sz="1400" b="1" dirty="0">
+                <a:solidFill>
+                  <a:srgbClr val="000000"/>
+                </a:solidFill>
+                <a:latin typeface="Consolas" panose="020B0609020204030204" pitchFamily="49" charset="0"/>
+              </a:rPr>
+              <a:t>;</a:t>
+            </a:r>
+          </a:p>
+          <a:p>
+            <a:pPr marL="457200" lvl="1" indent="0">
+              <a:buNone/>
+            </a:pPr>
+            <a:r>
+              <a:rPr lang="en-US" sz="1400" b="1" dirty="0">
+                <a:solidFill>
+                  <a:srgbClr val="008000"/>
+                </a:solidFill>
+                <a:latin typeface="Consolas" panose="020B0609020204030204" pitchFamily="49" charset="0"/>
+              </a:rPr>
+              <a:t>// Class which for each element selected for refinement, selects the best refinement candidate.</a:t>
+            </a:r>
+          </a:p>
+          <a:p>
+            <a:pPr marL="457200" lvl="1" indent="0">
+              <a:buNone/>
+            </a:pPr>
+            <a:r>
+              <a:rPr lang="en-US" sz="1400" b="1" dirty="0">
+                <a:solidFill>
+                  <a:srgbClr val="2B91AF"/>
+                </a:solidFill>
+                <a:latin typeface="Consolas" panose="020B0609020204030204" pitchFamily="49" charset="0"/>
+              </a:rPr>
+              <a:t>H1ProjBasedSelector</a:t>
+            </a:r>
+            <a:r>
+              <a:rPr lang="en-US" sz="1400" b="1" dirty="0">
+                <a:solidFill>
+                  <a:srgbClr val="000000"/>
+                </a:solidFill>
+                <a:latin typeface="Consolas" panose="020B0609020204030204" pitchFamily="49" charset="0"/>
+              </a:rPr>
+              <a:t>&lt;</a:t>
+            </a:r>
+            <a:r>
+              <a:rPr lang="en-US" sz="1400" b="1" dirty="0">
+                <a:solidFill>
+                  <a:srgbClr val="0000FF"/>
+                </a:solidFill>
+                <a:latin typeface="Consolas" panose="020B0609020204030204" pitchFamily="49" charset="0"/>
+              </a:rPr>
+              <a:t>double</a:t>
+            </a:r>
+            <a:r>
+              <a:rPr lang="en-US" sz="1400" b="1" dirty="0">
+                <a:solidFill>
+                  <a:srgbClr val="000000"/>
+                </a:solidFill>
+                <a:latin typeface="Consolas" panose="020B0609020204030204" pitchFamily="49" charset="0"/>
+              </a:rPr>
+              <a:t>&gt; selector(CAND_LIST);</a:t>
+            </a:r>
+          </a:p>
+          <a:p>
+            <a:pPr marL="457200" lvl="1" indent="0">
+              <a:buNone/>
+            </a:pPr>
+            <a:r>
+              <a:rPr lang="en-US" sz="1400" b="1" dirty="0">
+                <a:solidFill>
+                  <a:srgbClr val="000000"/>
+                </a:solidFill>
+                <a:latin typeface="Consolas" panose="020B0609020204030204" pitchFamily="49" charset="0"/>
+              </a:rPr>
+              <a:t>...</a:t>
+            </a:r>
+          </a:p>
+          <a:p>
+            <a:pPr marL="457200" lvl="1" indent="0">
+              <a:buNone/>
+            </a:pPr>
+            <a:r>
+              <a:rPr lang="en-US" sz="1400" b="1" dirty="0">
+                <a:solidFill>
+                  <a:srgbClr val="008000"/>
+                </a:solidFill>
+                <a:latin typeface="Consolas" panose="020B0609020204030204" pitchFamily="49" charset="0"/>
+              </a:rPr>
+              <a:t>// As before, adapt the FE space – using the selector provided</a:t>
+            </a:r>
+          </a:p>
+          <a:p>
+            <a:pPr marL="457200" lvl="1" indent="0">
+              <a:buNone/>
+            </a:pPr>
+            <a:r>
+              <a:rPr lang="en-US" sz="1400" b="1" dirty="0" err="1">
+                <a:solidFill>
+                  <a:srgbClr val="000000"/>
+                </a:solidFill>
+                <a:latin typeface="Consolas" panose="020B0609020204030204" pitchFamily="49" charset="0"/>
+              </a:rPr>
+              <a:t>adaptivity.adapt</a:t>
+            </a:r>
+            <a:r>
+              <a:rPr lang="en-US" sz="1400" b="1" dirty="0">
+                <a:solidFill>
+                  <a:srgbClr val="000000"/>
+                </a:solidFill>
+                <a:latin typeface="Consolas" panose="020B0609020204030204" pitchFamily="49" charset="0"/>
+              </a:rPr>
+              <a:t>(&amp;selector);</a:t>
+            </a:r>
+            <a:endParaRPr lang="en-US" sz="1400" b="1" dirty="0"/>
+          </a:p>
+        </p:txBody>
+      </p:sp>
+      <p:pic>
+        <p:nvPicPr>
+          <p:cNvPr id="5" name="Picture 4"/>
+          <p:cNvPicPr>
+            <a:picLocks noChangeAspect="1"/>
+          </p:cNvPicPr>
+          <p:nvPr/>
+        </p:nvPicPr>
+        <p:blipFill>
+          <a:blip r:embed="rId2">
+            <a:extLst>
+              <a:ext uri="{28A0092B-C50C-407E-A947-70E740481C1C}">
+                <a14:useLocalDpi xmlns:a14="http://schemas.microsoft.com/office/drawing/2010/main" val="0"/>
+              </a:ext>
+            </a:extLst>
+          </a:blip>
+          <a:stretch>
+            <a:fillRect/>
+          </a:stretch>
+        </p:blipFill>
+        <p:spPr>
+          <a:xfrm>
+            <a:off x="9607550" y="6311900"/>
+            <a:ext cx="2584450" cy="544722"/>
+          </a:xfrm>
+          <a:prstGeom prst="rect">
+            <a:avLst/>
+          </a:prstGeom>
+        </p:spPr>
+      </p:pic>
+      <p:cxnSp>
+        <p:nvCxnSpPr>
+          <p:cNvPr id="6" name="Straight Connector 5"/>
+          <p:cNvCxnSpPr/>
+          <p:nvPr/>
+        </p:nvCxnSpPr>
+        <p:spPr>
+          <a:xfrm flipH="1">
+            <a:off x="0" y="6311900"/>
+            <a:ext cx="12192000" cy="0"/>
+          </a:xfrm>
+          <a:prstGeom prst="line">
+            <a:avLst/>
+          </a:prstGeom>
+        </p:spPr>
+        <p:style>
+          <a:lnRef idx="1">
+            <a:schemeClr val="dk1"/>
+          </a:lnRef>
+          <a:fillRef idx="0">
+            <a:schemeClr val="dk1"/>
+          </a:fillRef>
+          <a:effectRef idx="0">
+            <a:schemeClr val="dk1"/>
+          </a:effectRef>
+          <a:fontRef idx="minor">
+            <a:schemeClr val="tx1"/>
+          </a:fontRef>
+        </p:style>
+      </p:cxnSp>
+      <p:pic>
+        <p:nvPicPr>
+          <p:cNvPr id="7" name="Picture 6"/>
+          <p:cNvPicPr>
+            <a:picLocks noChangeAspect="1"/>
+          </p:cNvPicPr>
+          <p:nvPr/>
+        </p:nvPicPr>
+        <p:blipFill>
+          <a:blip r:embed="rId3">
+            <a:extLst>
+              <a:ext uri="{28A0092B-C50C-407E-A947-70E740481C1C}">
+                <a14:useLocalDpi xmlns:a14="http://schemas.microsoft.com/office/drawing/2010/main" val="0"/>
+              </a:ext>
+            </a:extLst>
+          </a:blip>
+          <a:stretch>
+            <a:fillRect/>
+          </a:stretch>
+        </p:blipFill>
+        <p:spPr>
+          <a:xfrm>
+            <a:off x="133350" y="6349462"/>
+            <a:ext cx="1248229" cy="508538"/>
+          </a:xfrm>
+          <a:prstGeom prst="rect">
+            <a:avLst/>
+          </a:prstGeom>
+        </p:spPr>
+      </p:pic>
+      <p:sp>
+        <p:nvSpPr>
+          <p:cNvPr id="8" name="TextBox 7"/>
+          <p:cNvSpPr txBox="1"/>
+          <p:nvPr/>
+        </p:nvSpPr>
+        <p:spPr>
+          <a:xfrm>
+            <a:off x="4298950" y="6388100"/>
+            <a:ext cx="3594100" cy="369332"/>
+          </a:xfrm>
+          <a:prstGeom prst="rect">
+            <a:avLst/>
+          </a:prstGeom>
+          <a:noFill/>
+        </p:spPr>
+        <p:txBody>
+          <a:bodyPr wrap="square" rtlCol="0">
+            <a:spAutoFit/>
+          </a:bodyPr>
+          <a:lstStyle/>
+          <a:p>
+            <a:r>
+              <a:rPr lang="en-US" dirty="0"/>
+              <a:t>Hermes2D – Lukas Korous</a:t>
+            </a:r>
+          </a:p>
+        </p:txBody>
+      </p:sp>
+    </p:spTree>
+    <p:extLst>
+      <p:ext uri="{BB962C8B-B14F-4D97-AF65-F5344CB8AC3E}">
+        <p14:creationId xmlns:p14="http://schemas.microsoft.com/office/powerpoint/2010/main" val="1188723836"/>
       </p:ext>
     </p:extLst>
   </p:cSld>
